--- a/360.pptx
+++ b/360.pptx
@@ -6,10 +6,10 @@
     <p:sldMasterId id="2147483818" r:id="rId2"/>
   </p:sldMasterIdLst>
   <p:notesMasterIdLst>
-    <p:notesMasterId r:id="rId56"/>
+    <p:notesMasterId r:id="rId57"/>
   </p:notesMasterIdLst>
   <p:handoutMasterIdLst>
-    <p:handoutMasterId r:id="rId57"/>
+    <p:handoutMasterId r:id="rId58"/>
   </p:handoutMasterIdLst>
   <p:sldIdLst>
     <p:sldId id="256" r:id="rId3"/>
@@ -64,7 +64,8 @@
     <p:sldId id="327" r:id="rId52"/>
     <p:sldId id="303" r:id="rId53"/>
     <p:sldId id="305" r:id="rId54"/>
-    <p:sldId id="366" r:id="rId55"/>
+    <p:sldId id="367" r:id="rId55"/>
+    <p:sldId id="366" r:id="rId56"/>
   </p:sldIdLst>
   <p:sldSz cx="9144000" cy="6858000" type="screen4x3"/>
   <p:notesSz cx="6858000" cy="9144000"/>
@@ -289,7 +290,7 @@
             <a:fld id="{ECAD9C49-E13F-0847-87C2-2806BC5BA001}" type="datetimeFigureOut">
               <a:rPr lang="en-US"/>
               <a:pPr/>
-              <a:t>7/17/11</a:t>
+              <a:t>7/22/11</a:t>
             </a:fld>
             <a:endParaRPr lang="en-US"/>
           </a:p>
@@ -476,7 +477,7 @@
             <a:fld id="{E3347076-6F8B-AA42-91FC-CE0CB5BC8F84}" type="datetimeFigureOut">
               <a:rPr lang="en-US"/>
               <a:pPr/>
-              <a:t>7/17/11</a:t>
+              <a:t>7/22/11</a:t>
             </a:fld>
             <a:endParaRPr lang="en-US"/>
           </a:p>
@@ -958,40 +959,53 @@
         </p:nvSpPr>
         <p:spPr/>
         <p:txBody>
-          <a:bodyPr>
-            <a:normAutofit/>
-          </a:bodyPr>
+          <a:bodyPr/>
           <a:lstStyle/>
           <a:p>
             <a:r>
               <a:rPr lang="en-US" dirty="0" err="1" smtClean="0"/>
-              <a:t>win.setToolbar([toolActInd],{animated:true</a:t>
+              <a:t>nav.window</a:t>
             </a:r>
             <a:r>
               <a:rPr lang="en-US" dirty="0" smtClean="0"/>
-              <a:t>});</a:t>
-            </a:r>
-          </a:p>
-          <a:p>
-            <a:endParaRPr lang="en-US" dirty="0" smtClean="0"/>
-          </a:p>
-          <a:p>
-            <a:r>
-              <a:rPr lang="en-US" dirty="0" smtClean="0"/>
-              <a:t>Buttons are stored as an array</a:t>
+              <a:t> property</a:t>
             </a:r>
             <a:r>
               <a:rPr lang="en-US" baseline="0" dirty="0" smtClean="0"/>
-              <a:t> of objects (</a:t>
+              <a:t> defines the “home” window of the </a:t>
             </a:r>
             <a:r>
               <a:rPr lang="en-US" baseline="0" dirty="0" err="1" smtClean="0"/>
-              <a:t>NSArray</a:t>
-            </a:r>
+              <a:t>NavGroup</a:t>
+            </a:r>
+            <a:endParaRPr lang="en-US" baseline="0" dirty="0" smtClean="0"/>
+          </a:p>
+          <a:p>
             <a:r>
               <a:rPr lang="en-US" baseline="0" dirty="0" smtClean="0"/>
-              <a:t>)</a:t>
-            </a:r>
+              <a:t>Code example doesn’t show additional sub windows to the </a:t>
+            </a:r>
+            <a:r>
+              <a:rPr lang="en-US" baseline="0" dirty="0" err="1" smtClean="0"/>
+              <a:t>NavGroup</a:t>
+            </a:r>
+            <a:endParaRPr lang="en-US" baseline="0" dirty="0" smtClean="0"/>
+          </a:p>
+          <a:p>
+            <a:r>
+              <a:rPr lang="en-US" baseline="0" dirty="0" smtClean="0"/>
+              <a:t>The </a:t>
+            </a:r>
+            <a:r>
+              <a:rPr lang="en-US" baseline="0" dirty="0" err="1" smtClean="0"/>
+              <a:t>NavGroup</a:t>
+            </a:r>
+            <a:r>
+              <a:rPr lang="en-US" baseline="0" dirty="0" smtClean="0"/>
+              <a:t> itself then needs to be added to a window</a:t>
+            </a:r>
+          </a:p>
+          <a:p>
             <a:endParaRPr lang="en-US" dirty="0"/>
           </a:p>
         </p:txBody>
@@ -1014,13 +1028,18 @@
             <a:fld id="{70027AD7-30C5-944D-9F16-1C4EC4C696FB}" type="slidenum">
               <a:rPr lang="en-US" smtClean="0"/>
               <a:pPr/>
-              <a:t>14</a:t>
+              <a:t>10</a:t>
             </a:fld>
             <a:endParaRPr lang="en-US"/>
           </a:p>
         </p:txBody>
       </p:sp>
     </p:spTree>
+    <p:extLst>
+      <p:ext uri="{BB962C8B-B14F-4D97-AF65-F5344CB8AC3E}">
+        <p14:creationId xmlns:p14="http://schemas.microsoft.com/office/powerpoint/2010/main" val="2370684552"/>
+      </p:ext>
+    </p:extLst>
   </p:cSld>
   <p:clrMapOvr>
     <a:masterClrMapping/>
@@ -1069,22 +1088,16 @@
         </p:nvSpPr>
         <p:spPr/>
         <p:txBody>
-          <a:bodyPr>
-            <a:normAutofit/>
-          </a:bodyPr>
+          <a:bodyPr/>
           <a:lstStyle/>
           <a:p>
             <a:r>
-              <a:rPr lang="en-US" dirty="0" err="1" smtClean="0"/>
-              <a:t>Textfields</a:t>
+              <a:rPr lang="en-US" dirty="0" smtClean="0"/>
+              <a:t>To</a:t>
             </a:r>
             <a:r>
               <a:rPr lang="en-US" baseline="0" dirty="0" smtClean="0"/>
-              <a:t> and </a:t>
-            </a:r>
-            <a:r>
-              <a:rPr lang="en-US" baseline="0" dirty="0" err="1" smtClean="0"/>
-              <a:t>textareas</a:t>
+              <a:t> add another window to the stack, create it and then call open</a:t>
             </a:r>
             <a:endParaRPr lang="en-US" dirty="0"/>
           </a:p>
@@ -1108,13 +1121,18 @@
             <a:fld id="{70027AD7-30C5-944D-9F16-1C4EC4C696FB}" type="slidenum">
               <a:rPr lang="en-US" smtClean="0"/>
               <a:pPr/>
-              <a:t>15</a:t>
+              <a:t>11</a:t>
             </a:fld>
             <a:endParaRPr lang="en-US"/>
           </a:p>
         </p:txBody>
       </p:sp>
     </p:spTree>
+    <p:extLst>
+      <p:ext uri="{BB962C8B-B14F-4D97-AF65-F5344CB8AC3E}">
+        <p14:creationId xmlns:p14="http://schemas.microsoft.com/office/powerpoint/2010/main" val="2053663059"/>
+      </p:ext>
+    </p:extLst>
   </p:cSld>
   <p:clrMapOvr>
     <a:masterClrMapping/>
@@ -1164,81 +1182,48 @@
         <p:spPr/>
         <p:txBody>
           <a:bodyPr>
-            <a:normAutofit fontScale="92500" lnSpcReduction="10000"/>
+            <a:normAutofit/>
           </a:bodyPr>
           <a:lstStyle/>
           <a:p>
             <a:r>
+              <a:rPr lang="en-US" dirty="0" smtClean="0"/>
+              <a:t>There are other components</a:t>
+            </a:r>
+            <a:r>
+              <a:rPr lang="en-US" baseline="0" dirty="0" smtClean="0"/>
+              <a:t> that you can set…</a:t>
+            </a:r>
+          </a:p>
+          <a:p>
+            <a:r>
               <a:rPr lang="en-US" dirty="0" err="1" smtClean="0"/>
-              <a:t>TabbedBars</a:t>
+              <a:t>setTItleControl</a:t>
             </a:r>
             <a:r>
               <a:rPr lang="en-US" dirty="0" smtClean="0"/>
-              <a:t> are also known as segmented controls.  A segmented control is a linear set of segments, each of which functions as a button that can display a different view.</a:t>
-            </a:r>
-          </a:p>
-          <a:p>
-            <a:endParaRPr lang="en-US" dirty="0" smtClean="0"/>
-          </a:p>
-          <a:p>
+              <a:t>()</a:t>
+            </a:r>
+          </a:p>
+          <a:p>
+            <a:r>
+              <a:rPr lang="en-US" dirty="0" err="1" smtClean="0"/>
+              <a:t>setTitleImage</a:t>
+            </a:r>
             <a:r>
               <a:rPr lang="en-US" dirty="0" smtClean="0"/>
-              <a:t>The length of a segmented control is determined by the number of its segments; the height of a segmented control is fixed. The width of each segment is proportional, based on the total number of segments. When users tap a segment, the segment displays a selected state.</a:t>
-            </a:r>
-          </a:p>
-          <a:p>
-            <a:endParaRPr lang="en-US" dirty="0" smtClean="0"/>
-          </a:p>
-          <a:p>
+              <a:t>()</a:t>
+            </a:r>
+          </a:p>
+          <a:p>
+            <a:r>
+              <a:rPr lang="en-US" dirty="0" err="1" smtClean="0"/>
+              <a:t>setTitle</a:t>
+            </a:r>
             <a:r>
               <a:rPr lang="en-US" dirty="0" smtClean="0"/>
-              <a:t>Use a segmented control to offer closely related, but mutually exclusive choices.</a:t>
-            </a:r>
-          </a:p>
-          <a:p>
-            <a:endParaRPr lang="en-US" dirty="0" smtClean="0"/>
-          </a:p>
-          <a:p>
-            <a:r>
-              <a:rPr lang="en-US" dirty="0" smtClean="0"/>
-              <a:t>Make sure that each segment is easy to tap. To maintain a comfortable hit region of 44 </a:t>
-            </a:r>
-            <a:r>
-              <a:rPr lang="en-US" dirty="0" err="1" smtClean="0"/>
-              <a:t>x</a:t>
-            </a:r>
-            <a:r>
-              <a:rPr lang="en-US" dirty="0" smtClean="0"/>
-              <a:t> 44 points for each segment, you need to limit the number of segments. On </a:t>
-            </a:r>
-            <a:r>
-              <a:rPr lang="en-US" dirty="0" err="1" smtClean="0"/>
-              <a:t>iPhone</a:t>
-            </a:r>
-            <a:r>
-              <a:rPr lang="en-US" dirty="0" smtClean="0"/>
-              <a:t>, a segmented control should have five or fewer segments.</a:t>
-            </a:r>
-          </a:p>
-          <a:p>
-            <a:endParaRPr lang="en-US" dirty="0" smtClean="0"/>
-          </a:p>
-          <a:p>
-            <a:r>
-              <a:rPr lang="en-US" dirty="0" smtClean="0"/>
-              <a:t>As much as possible, maintain consistency in the size of each segment’s contents. Because all segments in a segmented control have equal width, it does not look good if the content fills some segments, but not others.</a:t>
-            </a:r>
-          </a:p>
-          <a:p>
-            <a:endParaRPr lang="en-US" dirty="0" smtClean="0"/>
-          </a:p>
-          <a:p>
-            <a:r>
-              <a:rPr lang="en-US" dirty="0" smtClean="0"/>
-              <a:t>Avoid mixing text and images in a single segmented control. A segmented control can contain text or images. An individual segment can contain either text or an image, but not both. In general, it’s best to avoid putting text in some segments and images in other segments of a single segmented control.</a:t>
-            </a:r>
-          </a:p>
-          <a:p>
+              <a:t>()</a:t>
+            </a:r>
             <a:endParaRPr lang="en-US" dirty="0"/>
           </a:p>
         </p:txBody>
@@ -1261,7 +1246,7 @@
             <a:fld id="{70027AD7-30C5-944D-9F16-1C4EC4C696FB}" type="slidenum">
               <a:rPr lang="en-US" smtClean="0"/>
               <a:pPr/>
-              <a:t>16</a:t>
+              <a:t>12</a:t>
             </a:fld>
             <a:endParaRPr lang="en-US"/>
           </a:p>
@@ -1317,55 +1302,39 @@
         <p:spPr/>
         <p:txBody>
           <a:bodyPr>
-            <a:normAutofit fontScale="92500" lnSpcReduction="10000"/>
+            <a:normAutofit/>
           </a:bodyPr>
           <a:lstStyle/>
           <a:p>
             <a:r>
+              <a:rPr lang="en-US" dirty="0" smtClean="0"/>
+              <a:t>On iPhone, a toolbar appear at the bottom edge of a screen or view, but on </a:t>
+            </a:r>
+            <a:r>
               <a:rPr lang="en-US" dirty="0" err="1" smtClean="0"/>
-              <a:t>TabbedBars</a:t>
+              <a:t>iPad</a:t>
             </a:r>
             <a:r>
               <a:rPr lang="en-US" dirty="0" smtClean="0"/>
-              <a:t> and button bars are also known as segmented controls.  A segmented control is a linear set of segments, each of which functions as a button that can display a different view. If you set a segmented control to have a momentary style, a segment doesn’t show itself as selected (blue background) when the user touches it. The disclosure button is always momentary and doesn’t affect the actual selection.</a:t>
+              <a:t> it can instead appear at the top edge. Can also appear atop a keyboard.</a:t>
             </a:r>
           </a:p>
           <a:p>
             <a:endParaRPr lang="en-US" dirty="0" smtClean="0"/>
           </a:p>
           <a:p>
+            <a:r>
+              <a:rPr lang="en-US" dirty="0" smtClean="0"/>
+              <a:t>Toolbar items are displayed equally spaced across the width of the toolbar. The precise set of toolbar items can change from view to view, because the items are always specific to the context of the current view.</a:t>
+            </a:r>
+          </a:p>
+          <a:p>
             <a:endParaRPr lang="en-US" dirty="0" smtClean="0"/>
           </a:p>
           <a:p>
             <a:r>
               <a:rPr lang="en-US" dirty="0" smtClean="0"/>
-              <a:t>The length of a segmented control is determined by the number of its segments; the height of a segmented control is fixed. The width of each segment is proportional, based on the total number of segments. When users tap a segment, the segment displays a selected state.</a:t>
-            </a:r>
-          </a:p>
-          <a:p>
-            <a:endParaRPr lang="en-US" dirty="0" smtClean="0"/>
-          </a:p>
-          <a:p>
-            <a:r>
-              <a:rPr lang="en-US" dirty="0" smtClean="0"/>
-              <a:t>Use a segmented control to offer closely related, but mutually exclusive choices.</a:t>
-            </a:r>
-          </a:p>
-          <a:p>
-            <a:endParaRPr lang="en-US" dirty="0" smtClean="0"/>
-          </a:p>
-          <a:p>
-            <a:r>
-              <a:rPr lang="en-US" dirty="0" smtClean="0"/>
-              <a:t>Make sure that each segment is easy to tap. To maintain a comfortable hit region of 44 </a:t>
-            </a:r>
-            <a:r>
-              <a:rPr lang="en-US" dirty="0" err="1" smtClean="0"/>
-              <a:t>x</a:t>
-            </a:r>
-            <a:r>
-              <a:rPr lang="en-US" dirty="0" smtClean="0"/>
-              <a:t> 44 points for each segment, you need to limit the number of segments. On </a:t>
+              <a:t>On </a:t>
             </a:r>
             <a:r>
               <a:rPr lang="en-US" dirty="0" err="1" smtClean="0"/>
@@ -1373,25 +1342,15 @@
             </a:r>
             <a:r>
               <a:rPr lang="en-US" dirty="0" smtClean="0"/>
-              <a:t>, a segmented control should have five or fewer segments.</a:t>
-            </a:r>
-          </a:p>
-          <a:p>
-            <a:endParaRPr lang="en-US" dirty="0" smtClean="0"/>
-          </a:p>
-          <a:p>
+              <a:t>, changing the device orientation from portrait to landscape can change the height of the toolbar automatically. On </a:t>
+            </a:r>
+            <a:r>
+              <a:rPr lang="en-US" dirty="0" err="1" smtClean="0"/>
+              <a:t>iPad</a:t>
+            </a:r>
             <a:r>
               <a:rPr lang="en-US" dirty="0" smtClean="0"/>
-              <a:t>As much as possible, maintain consistency in the size of each segment’s contents. Because all segments in a segmented control have equal width, it does not look good if the content fills some segments, but not others.</a:t>
-            </a:r>
-          </a:p>
-          <a:p>
-            <a:endParaRPr lang="en-US" dirty="0" smtClean="0"/>
-          </a:p>
-          <a:p>
-            <a:r>
-              <a:rPr lang="en-US" dirty="0" smtClean="0"/>
-              <a:t>Avoid mixing text and images in a single segmented control. A segmented control can contain text or images. An individual segment can contain either text or an image, but not both. In general, it’s best to avoid putting text in some segments and images in other segments of a single segmented control.</a:t>
+              <a:t>, the height and translucency of a toolbar does not change with rotation.</a:t>
             </a:r>
           </a:p>
           <a:p>
@@ -1417,7 +1376,7 @@
             <a:fld id="{70027AD7-30C5-944D-9F16-1C4EC4C696FB}" type="slidenum">
               <a:rPr lang="en-US" smtClean="0"/>
               <a:pPr/>
-              <a:t>17</a:t>
+              <a:t>13</a:t>
             </a:fld>
             <a:endParaRPr lang="en-US"/>
           </a:p>
@@ -1478,11 +1437,61 @@
           <a:lstStyle/>
           <a:p>
             <a:r>
+              <a:rPr lang="en-US" dirty="0" err="1" smtClean="0"/>
+              <a:t>win.setToolbar([toolActInd],{animated:true</a:t>
+            </a:r>
+            <a:r>
               <a:rPr lang="en-US" dirty="0" smtClean="0"/>
-              <a:t>A slider consists of a track and a thumb (a circular control that the user can slide) and optional images that convey the meaning of the right and left values. When people drag the thumb along the slider, the value or process is updated continuously and is displayed in the track.</a:t>
-            </a:r>
-          </a:p>
-          <a:p>
+              <a:t>});</a:t>
+            </a:r>
+          </a:p>
+          <a:p>
+            <a:endParaRPr lang="en-US" dirty="0" smtClean="0"/>
+          </a:p>
+          <a:p>
+            <a:r>
+              <a:rPr lang="en-US" dirty="0" smtClean="0"/>
+              <a:t>Buttons are stored as an array</a:t>
+            </a:r>
+            <a:r>
+              <a:rPr lang="en-US" baseline="0" dirty="0" smtClean="0"/>
+              <a:t> of objects (</a:t>
+            </a:r>
+            <a:r>
+              <a:rPr lang="en-US" baseline="0" dirty="0" err="1" smtClean="0"/>
+              <a:t>NSArray</a:t>
+            </a:r>
+            <a:r>
+              <a:rPr lang="en-US" baseline="0" dirty="0" smtClean="0"/>
+              <a:t>)</a:t>
+            </a:r>
+          </a:p>
+          <a:p>
+            <a:endParaRPr lang="en-US" baseline="0" dirty="0" smtClean="0"/>
+          </a:p>
+          <a:p>
+            <a:r>
+              <a:rPr lang="en-US" baseline="0" dirty="0" err="1" smtClean="0"/>
+              <a:t>win.toolbar</a:t>
+            </a:r>
+            <a:r>
+              <a:rPr lang="en-US" baseline="0" dirty="0" smtClean="0"/>
+              <a:t> property – setting that docks the toolbar to the bottom of the window</a:t>
+            </a:r>
+          </a:p>
+          <a:p>
+            <a:r>
+              <a:rPr lang="en-US" baseline="0" dirty="0" smtClean="0"/>
+              <a:t>Otherwise you could position it anywhere (if you do </a:t>
+            </a:r>
+            <a:r>
+              <a:rPr lang="en-US" baseline="0" dirty="0" err="1" smtClean="0"/>
+              <a:t>win.add</a:t>
+            </a:r>
+            <a:r>
+              <a:rPr lang="en-US" baseline="0" dirty="0" smtClean="0"/>
+              <a:t>(toolbar))</a:t>
+            </a:r>
             <a:endParaRPr lang="en-US" dirty="0"/>
           </a:p>
         </p:txBody>
@@ -1505,7 +1514,7 @@
             <a:fld id="{70027AD7-30C5-944D-9F16-1C4EC4C696FB}" type="slidenum">
               <a:rPr lang="en-US" smtClean="0"/>
               <a:pPr/>
-              <a:t>19</a:t>
+              <a:t>14</a:t>
             </a:fld>
             <a:endParaRPr lang="en-US"/>
           </a:p>
@@ -1567,19 +1576,19 @@
           <a:p>
             <a:r>
               <a:rPr lang="en-US" dirty="0" smtClean="0"/>
-              <a:t>There</a:t>
+              <a:t>Works</a:t>
             </a:r>
             <a:r>
               <a:rPr lang="en-US" baseline="0" dirty="0" smtClean="0"/>
-              <a:t> are two custom views related to </a:t>
-            </a:r>
-            <a:r>
-              <a:rPr lang="en-US" baseline="0" dirty="0" err="1" smtClean="0"/>
-              <a:t>iPad</a:t>
+              <a:t> with </a:t>
+            </a:r>
+            <a:r>
+              <a:rPr lang="en-US" dirty="0" smtClean="0"/>
+              <a:t>text fields</a:t>
             </a:r>
             <a:r>
               <a:rPr lang="en-US" baseline="0" dirty="0" smtClean="0"/>
-              <a:t> development.  We’ll explore these two in detail.</a:t>
+              <a:t> and text areas</a:t>
             </a:r>
             <a:endParaRPr lang="en-US" dirty="0"/>
           </a:p>
@@ -1603,7 +1612,7 @@
             <a:fld id="{70027AD7-30C5-944D-9F16-1C4EC4C696FB}" type="slidenum">
               <a:rPr lang="en-US" smtClean="0"/>
               <a:pPr/>
-              <a:t>20</a:t>
+              <a:t>15</a:t>
             </a:fld>
             <a:endParaRPr lang="en-US"/>
           </a:p>
@@ -1659,13 +1668,17 @@
         <p:spPr/>
         <p:txBody>
           <a:bodyPr>
-            <a:normAutofit/>
+            <a:normAutofit fontScale="92500" lnSpcReduction="10000"/>
           </a:bodyPr>
           <a:lstStyle/>
           <a:p>
             <a:r>
+              <a:rPr lang="en-US" dirty="0" err="1" smtClean="0"/>
+              <a:t>TabbedBars</a:t>
+            </a:r>
+            <a:r>
               <a:rPr lang="en-US" dirty="0" smtClean="0"/>
-              <a:t>A popover is a self-contained view that hovers above the contents of a screen. It always displays an arrow that indicates the point from which it emerged. A popover can contain a wide variety of objects and views, such as:</a:t>
+              <a:t> are also known as segmented controls.  A segmented control is a linear set of segments, each of which functions as a button that can display a different view.</a:t>
             </a:r>
           </a:p>
           <a:p>
@@ -1674,33 +1687,59 @@
           <a:p>
             <a:r>
               <a:rPr lang="en-US" dirty="0" smtClean="0"/>
-              <a:t>Table, image, map, text, web, or custom views</a:t>
-            </a:r>
+              <a:t>The length of a segmented control is determined by the number of its segments; the height of a segmented control is fixed. The width of each segment is proportional, based on the total number of segments. When users tap a segment, the segment displays a selected state.</a:t>
+            </a:r>
+          </a:p>
+          <a:p>
+            <a:endParaRPr lang="en-US" dirty="0" smtClean="0"/>
           </a:p>
           <a:p>
             <a:r>
               <a:rPr lang="en-US" dirty="0" smtClean="0"/>
-              <a:t>Navigation bars, toolbars, or tab bars</a:t>
-            </a:r>
+              <a:t>Use a segmented control to offer closely related, but mutually exclusive choices.</a:t>
+            </a:r>
+          </a:p>
+          <a:p>
+            <a:endParaRPr lang="en-US" dirty="0" smtClean="0"/>
           </a:p>
           <a:p>
             <a:r>
               <a:rPr lang="en-US" dirty="0" smtClean="0"/>
-              <a:t>Controls or objects that act upon objects in the current application view</a:t>
-            </a:r>
-          </a:p>
-          <a:p>
+              <a:t>Make sure that each segment is easy to tap. To maintain a comfortable hit region of 44 </a:t>
+            </a:r>
+            <a:r>
+              <a:rPr lang="en-US" dirty="0" err="1" smtClean="0"/>
+              <a:t>x</a:t>
+            </a:r>
             <a:r>
               <a:rPr lang="en-US" dirty="0" smtClean="0"/>
-              <a:t>In </a:t>
+              <a:t> 44 points for each segment, you need to limit the number of segments. On </a:t>
             </a:r>
             <a:r>
               <a:rPr lang="en-US" dirty="0" err="1" smtClean="0"/>
-              <a:t>iPad</a:t>
+              <a:t>iPhone</a:t>
             </a:r>
             <a:r>
               <a:rPr lang="en-US" dirty="0" smtClean="0"/>
-              <a:t> apps, an action sheet always appears inside a popover.</a:t>
+              <a:t>, a segmented control should have five or fewer segments.</a:t>
+            </a:r>
+          </a:p>
+          <a:p>
+            <a:endParaRPr lang="en-US" dirty="0" smtClean="0"/>
+          </a:p>
+          <a:p>
+            <a:r>
+              <a:rPr lang="en-US" dirty="0" smtClean="0"/>
+              <a:t>As much as possible, maintain consistency in the size of each segment’s contents. Because all segments in a segmented control have equal width, it does not look good if the content fills some segments, but not others.</a:t>
+            </a:r>
+          </a:p>
+          <a:p>
+            <a:endParaRPr lang="en-US" dirty="0" smtClean="0"/>
+          </a:p>
+          <a:p>
+            <a:r>
+              <a:rPr lang="en-US" dirty="0" smtClean="0"/>
+              <a:t>Avoid mixing text and images in a single segmented control. A segmented control can contain text or images. An individual segment can contain either text or an image, but not both. In general, it’s best to avoid putting text in some segments and images in other segments of a single segmented control.</a:t>
             </a:r>
           </a:p>
           <a:p>
@@ -1726,7 +1765,7 @@
             <a:fld id="{70027AD7-30C5-944D-9F16-1C4EC4C696FB}" type="slidenum">
               <a:rPr lang="en-US" smtClean="0"/>
               <a:pPr/>
-              <a:t>21</a:t>
+              <a:t>16</a:t>
             </a:fld>
             <a:endParaRPr lang="en-US"/>
           </a:p>
@@ -1782,32 +1821,82 @@
         <p:spPr/>
         <p:txBody>
           <a:bodyPr>
-            <a:normAutofit/>
+            <a:normAutofit fontScale="92500" lnSpcReduction="10000"/>
           </a:bodyPr>
           <a:lstStyle/>
           <a:p>
             <a:r>
+              <a:rPr lang="en-US" dirty="0" err="1" smtClean="0"/>
+              <a:t>TabbedBars</a:t>
+            </a:r>
+            <a:r>
               <a:rPr lang="en-US" dirty="0" smtClean="0"/>
-              <a:t>Both panes can contain a wide variety of objects and views, such as:</a:t>
+              <a:t> and button bars are also known as segmented controls.  A segmented control is a linear set of segments, each of which functions as a button that can display a different view. If you set a segmented control to have a momentary style, a segment doesn’t show itself as selected (blue background) when the user touches it. The disclosure button is always momentary and doesn’t affect the actual selection.</a:t>
             </a:r>
           </a:p>
           <a:p>
             <a:endParaRPr lang="en-US" dirty="0" smtClean="0"/>
           </a:p>
           <a:p>
+            <a:endParaRPr lang="en-US" dirty="0" smtClean="0"/>
+          </a:p>
+          <a:p>
             <a:r>
               <a:rPr lang="en-US" dirty="0" smtClean="0"/>
-              <a:t>Table, image, map, text, web, or custom views.</a:t>
-            </a:r>
+              <a:t>The length of a segmented control is determined by the number of its segments; the height of a segmented control is fixed. The width of each segment is proportional, based on the total number of segments. When users tap a segment, the segment displays a selected state.</a:t>
+            </a:r>
+          </a:p>
+          <a:p>
+            <a:endParaRPr lang="en-US" dirty="0" smtClean="0"/>
           </a:p>
           <a:p>
             <a:r>
               <a:rPr lang="en-US" dirty="0" smtClean="0"/>
-              <a:t>Navigation bars, toolbars, or tab bars.</a:t>
+              <a:t>Use a segmented control to offer closely related, but mutually exclusive choices.</a:t>
             </a:r>
           </a:p>
           <a:p>
             <a:endParaRPr lang="en-US" dirty="0" smtClean="0"/>
+          </a:p>
+          <a:p>
+            <a:r>
+              <a:rPr lang="en-US" dirty="0" smtClean="0"/>
+              <a:t>Make sure that each segment is easy to tap. To maintain a comfortable hit region of 44 </a:t>
+            </a:r>
+            <a:r>
+              <a:rPr lang="en-US" dirty="0" err="1" smtClean="0"/>
+              <a:t>x</a:t>
+            </a:r>
+            <a:r>
+              <a:rPr lang="en-US" dirty="0" smtClean="0"/>
+              <a:t> 44 points for each segment, you need to limit the number of segments. On </a:t>
+            </a:r>
+            <a:r>
+              <a:rPr lang="en-US" dirty="0" err="1" smtClean="0"/>
+              <a:t>iPhone</a:t>
+            </a:r>
+            <a:r>
+              <a:rPr lang="en-US" dirty="0" smtClean="0"/>
+              <a:t>, a segmented control should have five or fewer segments.</a:t>
+            </a:r>
+          </a:p>
+          <a:p>
+            <a:endParaRPr lang="en-US" dirty="0" smtClean="0"/>
+          </a:p>
+          <a:p>
+            <a:r>
+              <a:rPr lang="en-US" dirty="0" smtClean="0"/>
+              <a:t>As much as possible, maintain consistency in the size of each segment’s contents. Because all segments in a segmented control have equal width, it does not look good if the content fills some segments, but not others.</a:t>
+            </a:r>
+          </a:p>
+          <a:p>
+            <a:endParaRPr lang="en-US" dirty="0" smtClean="0"/>
+          </a:p>
+          <a:p>
+            <a:r>
+              <a:rPr lang="en-US" dirty="0" smtClean="0"/>
+              <a:t>Avoid mixing text and images in a single segmented control. A segmented control can contain text or images. An individual segment can contain either text or an image, but not both. In general, it’s best to avoid putting text in some segments and images in other segments of a single segmented control.</a:t>
+            </a:r>
           </a:p>
           <a:p>
             <a:endParaRPr lang="en-US" dirty="0"/>
@@ -1832,7 +1921,7 @@
             <a:fld id="{70027AD7-30C5-944D-9F16-1C4EC4C696FB}" type="slidenum">
               <a:rPr lang="en-US" smtClean="0"/>
               <a:pPr/>
-              <a:t>23</a:t>
+              <a:t>17</a:t>
             </a:fld>
             <a:endParaRPr lang="en-US"/>
           </a:p>
@@ -1888,49 +1977,13 @@
         <p:spPr/>
         <p:txBody>
           <a:bodyPr>
-            <a:normAutofit fontScale="92500"/>
+            <a:normAutofit/>
           </a:bodyPr>
           <a:lstStyle/>
           <a:p>
             <a:r>
               <a:rPr lang="en-US" dirty="0" smtClean="0"/>
-              <a:t>You can use a split view to display persistent information in the left pane and related details or subordinate information in the right pane. In this design pattern, when people select an item in the left pane, the right pane should display the information related to that item. (You’re responsible for making this happen in code.)</a:t>
-            </a:r>
-          </a:p>
-          <a:p>
-            <a:endParaRPr lang="en-US" dirty="0" smtClean="0"/>
-          </a:p>
-          <a:p>
-            <a:r>
-              <a:rPr lang="en-US" dirty="0" smtClean="0"/>
-              <a:t>In general, when an app uses a split view in landscape, it displays the contents of the left pane in a popover when it rotates to portrait. However, you are not required to follow this pattern. If it makes sense in your app, you can design your UI to display side-by-side views in all orientations.</a:t>
-            </a:r>
-          </a:p>
-          <a:p>
-            <a:endParaRPr lang="en-US" dirty="0" smtClean="0"/>
-          </a:p>
-          <a:p>
-            <a:r>
-              <a:rPr lang="en-US" dirty="0" smtClean="0"/>
-              <a:t>Avoid creating a right pane that is narrower than the left pane. Although the width of the right pane is up to you, it does not look good to use a width of less than 320 points (which is the width of the left pane).</a:t>
-            </a:r>
-          </a:p>
-          <a:p>
-            <a:endParaRPr lang="en-US" dirty="0" smtClean="0"/>
-          </a:p>
-          <a:p>
-            <a:r>
-              <a:rPr lang="en-US" dirty="0" smtClean="0"/>
-              <a:t>Avoid displaying a navigation bar in both panes at the same time. Doing this would make it very difficult for users to discern the relationship between the two panes.</a:t>
-            </a:r>
-          </a:p>
-          <a:p>
-            <a:endParaRPr lang="en-US" dirty="0" smtClean="0"/>
-          </a:p>
-          <a:p>
-            <a:r>
-              <a:rPr lang="en-US" dirty="0" smtClean="0"/>
-              <a:t>In general, indicate the current selection in the left pane in a persistent way. This behavior helps people understand the relationship between the item in the left pane and the contents of the right pane. This is important because the content of the right pane can change, but it should always remain related to the item selected in the left pane.</a:t>
+              <a:t>A slider consists of a track and a thumb (a circular control that the user can slide) and optional images that convey the meaning of the right and left values. When people drag the thumb along the slider, the value or process is updated continuously and is displayed in the track.</a:t>
             </a:r>
           </a:p>
           <a:p>
@@ -1956,7 +2009,7 @@
             <a:fld id="{70027AD7-30C5-944D-9F16-1C4EC4C696FB}" type="slidenum">
               <a:rPr lang="en-US" smtClean="0"/>
               <a:pPr/>
-              <a:t>24</a:t>
+              <a:t>19</a:t>
             </a:fld>
             <a:endParaRPr lang="en-US"/>
           </a:p>
@@ -2016,29 +2069,22 @@
           </a:bodyPr>
           <a:lstStyle/>
           <a:p>
-            <a:pPr marL="0" marR="0" indent="0" algn="l" defTabSz="457200" rtl="0" eaLnBrk="1" fontAlgn="base" latinLnBrk="0" hangingPunct="1">
-              <a:lnSpc>
-                <a:spcPct val="100000"/>
-              </a:lnSpc>
-              <a:spcBef>
-                <a:spcPct val="30000"/>
-              </a:spcBef>
-              <a:spcAft>
-                <a:spcPct val="0"/>
-              </a:spcAft>
-              <a:buClrTx/>
-              <a:buSzTx/>
-              <a:buFontTx/>
-              <a:buNone/>
-              <a:tabLst/>
-              <a:defRPr/>
-            </a:pPr>
             <a:r>
               <a:rPr lang="en-US" dirty="0" smtClean="0"/>
-              <a:t>A tab bar gives people the ability to switch between different subtasks, views, or modes.</a:t>
-            </a:r>
-          </a:p>
-          <a:p>
+              <a:t>There</a:t>
+            </a:r>
+            <a:r>
+              <a:rPr lang="en-US" baseline="0" dirty="0" smtClean="0"/>
+              <a:t> are two custom views related to </a:t>
+            </a:r>
+            <a:r>
+              <a:rPr lang="en-US" baseline="0" dirty="0" err="1" smtClean="0"/>
+              <a:t>iPad</a:t>
+            </a:r>
+            <a:r>
+              <a:rPr lang="en-US" baseline="0" dirty="0" smtClean="0"/>
+              <a:t> development.  We’ll explore these two in detail.</a:t>
+            </a:r>
             <a:endParaRPr lang="en-US" dirty="0"/>
           </a:p>
         </p:txBody>
@@ -2061,7 +2107,7 @@
             <a:fld id="{70027AD7-30C5-944D-9F16-1C4EC4C696FB}" type="slidenum">
               <a:rPr lang="en-US" smtClean="0"/>
               <a:pPr/>
-              <a:t>25</a:t>
+              <a:t>20</a:t>
             </a:fld>
             <a:endParaRPr lang="en-US"/>
           </a:p>
@@ -2229,61 +2275,42 @@
           <a:p>
             <a:r>
               <a:rPr lang="en-US" dirty="0" smtClean="0"/>
-              <a:t>For more information on the </a:t>
+              <a:t>A popover is a self-contained view that hovers above the contents of a screen. It always displays an arrow that indicates the point from which it emerged. A popover can contain a wide variety of objects and views, such as:</a:t>
+            </a:r>
+          </a:p>
+          <a:p>
+            <a:endParaRPr lang="en-US" dirty="0" smtClean="0"/>
+          </a:p>
+          <a:p>
+            <a:r>
+              <a:rPr lang="en-US" dirty="0" smtClean="0"/>
+              <a:t>Table, image, map, text, web, or custom views</a:t>
+            </a:r>
+          </a:p>
+          <a:p>
+            <a:r>
+              <a:rPr lang="en-US" dirty="0" smtClean="0"/>
+              <a:t>Navigation bars, toolbars, or tab bars</a:t>
+            </a:r>
+          </a:p>
+          <a:p>
+            <a:r>
+              <a:rPr lang="en-US" dirty="0" smtClean="0"/>
+              <a:t>Controls or objects that act upon objects in the current application view</a:t>
+            </a:r>
+          </a:p>
+          <a:p>
+            <a:r>
+              <a:rPr lang="en-US" dirty="0" smtClean="0"/>
+              <a:t>In </a:t>
             </a:r>
             <a:r>
               <a:rPr lang="en-US" dirty="0" err="1" smtClean="0"/>
-              <a:t>iAd</a:t>
+              <a:t>iPad</a:t>
             </a:r>
             <a:r>
               <a:rPr lang="en-US" dirty="0" smtClean="0"/>
-              <a:t> Network, see http://</a:t>
-            </a:r>
-            <a:r>
-              <a:rPr lang="en-US" dirty="0" err="1" smtClean="0"/>
-              <a:t>developer.apple.com/iad</a:t>
-            </a:r>
-            <a:r>
-              <a:rPr lang="en-US" dirty="0" smtClean="0"/>
-              <a:t>/</a:t>
-            </a:r>
-          </a:p>
-          <a:p>
-            <a:endParaRPr lang="en-US" dirty="0" smtClean="0"/>
-          </a:p>
-          <a:p>
-            <a:r>
-              <a:rPr lang="en-US" dirty="0" smtClean="0"/>
-              <a:t>While you are developing your application, </a:t>
-            </a:r>
-            <a:r>
-              <a:rPr lang="en-US" dirty="0" err="1" smtClean="0"/>
-              <a:t>iAd</a:t>
-            </a:r>
-            <a:r>
-              <a:rPr lang="en-US" dirty="0" smtClean="0"/>
-              <a:t> Network sends test advertisements to your application. To assist you in validating your implementation, the </a:t>
-            </a:r>
-            <a:r>
-              <a:rPr lang="en-US" dirty="0" err="1" smtClean="0"/>
-              <a:t>iAd</a:t>
-            </a:r>
-            <a:r>
-              <a:rPr lang="en-US" dirty="0" smtClean="0"/>
-              <a:t> Network occasionally returns errors to test your error handling code. You can also test your error handling support manually by turning your device’s wireless capability off.</a:t>
-            </a:r>
-          </a:p>
-          <a:p>
-            <a:endParaRPr lang="en-US" dirty="0" smtClean="0"/>
-          </a:p>
-          <a:p>
-            <a:r>
-              <a:rPr lang="en-US" dirty="0" err="1" smtClean="0"/>
-              <a:t>iAd</a:t>
-            </a:r>
-            <a:r>
-              <a:rPr lang="en-US" smtClean="0"/>
-              <a:t> Network automatically displays the correct ad depending on the how your application binary was downloaded onto your test device</a:t>
+              <a:t> apps, an action sheet always appears inside a popover.</a:t>
             </a:r>
           </a:p>
           <a:p>
@@ -2309,7 +2336,7 @@
             <a:fld id="{70027AD7-30C5-944D-9F16-1C4EC4C696FB}" type="slidenum">
               <a:rPr lang="en-US" smtClean="0"/>
               <a:pPr/>
-              <a:t>31</a:t>
+              <a:t>21</a:t>
             </a:fld>
             <a:endParaRPr lang="en-US"/>
           </a:p>
@@ -2364,71 +2391,33 @@
         </p:nvSpPr>
         <p:spPr/>
         <p:txBody>
-          <a:bodyPr>
-            <a:normAutofit/>
-          </a:bodyPr>
+          <a:bodyPr/>
           <a:lstStyle/>
           <a:p>
             <a:r>
               <a:rPr lang="en-US" dirty="0" smtClean="0"/>
-              <a:t>For more information on the </a:t>
+              <a:t>The </a:t>
             </a:r>
             <a:r>
               <a:rPr lang="en-US" dirty="0" err="1" smtClean="0"/>
-              <a:t>iAd</a:t>
+              <a:t>view:button</a:t>
             </a:r>
             <a:r>
               <a:rPr lang="en-US" dirty="0" smtClean="0"/>
-              <a:t> Network, see http://</a:t>
-            </a:r>
-            <a:r>
-              <a:rPr lang="en-US" dirty="0" err="1" smtClean="0"/>
-              <a:t>developer.apple.com/iad</a:t>
-            </a:r>
-            <a:r>
-              <a:rPr lang="en-US" dirty="0" smtClean="0"/>
-              <a:t>/</a:t>
-            </a:r>
-          </a:p>
-          <a:p>
-            <a:endParaRPr lang="en-US" dirty="0" smtClean="0"/>
-          </a:p>
-          <a:p>
-            <a:r>
-              <a:rPr lang="en-US" dirty="0" smtClean="0"/>
-              <a:t>While you are developing your application, </a:t>
-            </a:r>
-            <a:r>
-              <a:rPr lang="en-US" dirty="0" err="1" smtClean="0"/>
-              <a:t>iAd</a:t>
-            </a:r>
-            <a:r>
-              <a:rPr lang="en-US" dirty="0" smtClean="0"/>
-              <a:t> Network sends test advertisements to your application. To assist you in validating your implementation, the </a:t>
-            </a:r>
-            <a:r>
-              <a:rPr lang="en-US" dirty="0" err="1" smtClean="0"/>
-              <a:t>iAd</a:t>
-            </a:r>
-            <a:r>
-              <a:rPr lang="en-US" dirty="0" smtClean="0"/>
-              <a:t> Network occasionally returns errors to test your error handling code. You can also test your error handling support manually by turning your device’s wireless capability off.</a:t>
-            </a:r>
-          </a:p>
-          <a:p>
-            <a:endParaRPr lang="en-US" dirty="0" smtClean="0"/>
-          </a:p>
-          <a:p>
-            <a:r>
-              <a:rPr lang="en-US" dirty="0" err="1" smtClean="0"/>
-              <a:t>iAd</a:t>
-            </a:r>
-            <a:r>
-              <a:rPr lang="en-US" smtClean="0"/>
-              <a:t> Network automatically displays the correct ad depending on the how your application binary was downloaded onto your test device</a:t>
-            </a:r>
-          </a:p>
-          <a:p>
+              <a:t> property designates which UI element the pop</a:t>
+            </a:r>
+            <a:r>
+              <a:rPr lang="en-US" baseline="0" dirty="0" smtClean="0"/>
+              <a:t> over is anchored to. In </a:t>
+            </a:r>
+            <a:r>
+              <a:rPr lang="en-US" baseline="0" dirty="0" err="1" smtClean="0"/>
+              <a:t>otherwords</a:t>
+            </a:r>
+            <a:r>
+              <a:rPr lang="en-US" baseline="0" dirty="0" smtClean="0"/>
+              <a:t>, which one the bubble’s triangle points to.</a:t>
+            </a:r>
             <a:endParaRPr lang="en-US" dirty="0"/>
           </a:p>
         </p:txBody>
@@ -2451,13 +2440,18 @@
             <a:fld id="{70027AD7-30C5-944D-9F16-1C4EC4C696FB}" type="slidenum">
               <a:rPr lang="en-US" smtClean="0"/>
               <a:pPr/>
-              <a:t>32</a:t>
+              <a:t>22</a:t>
             </a:fld>
             <a:endParaRPr lang="en-US"/>
           </a:p>
         </p:txBody>
       </p:sp>
     </p:spTree>
+    <p:extLst>
+      <p:ext uri="{BB962C8B-B14F-4D97-AF65-F5344CB8AC3E}">
+        <p14:creationId xmlns:p14="http://schemas.microsoft.com/office/powerpoint/2010/main" val="2867697347"/>
+      </p:ext>
+    </p:extLst>
   </p:cSld>
   <p:clrMapOvr>
     <a:masterClrMapping/>
@@ -2513,20 +2507,28 @@
           <a:p>
             <a:r>
               <a:rPr lang="en-US" dirty="0" smtClean="0"/>
-              <a:t>Four platform</a:t>
-            </a:r>
-            <a:r>
-              <a:rPr lang="en-US" baseline="0" dirty="0" smtClean="0"/>
-              <a:t> specific business logic methods are available for </a:t>
-            </a:r>
-            <a:r>
-              <a:rPr lang="en-US" baseline="0" dirty="0" err="1" smtClean="0"/>
-              <a:t>iOS</a:t>
-            </a:r>
-            <a:r>
-              <a:rPr lang="en-US" baseline="0" dirty="0" smtClean="0"/>
-              <a:t>.</a:t>
-            </a:r>
+              <a:t>Both panes can contain a wide variety of objects and views, such as:</a:t>
+            </a:r>
+          </a:p>
+          <a:p>
+            <a:endParaRPr lang="en-US" dirty="0" smtClean="0"/>
+          </a:p>
+          <a:p>
+            <a:r>
+              <a:rPr lang="en-US" dirty="0" smtClean="0"/>
+              <a:t>Table, image, map, text, web, or custom views.</a:t>
+            </a:r>
+          </a:p>
+          <a:p>
+            <a:r>
+              <a:rPr lang="en-US" dirty="0" smtClean="0"/>
+              <a:t>Navigation bars, toolbars, or tab bars.</a:t>
+            </a:r>
+          </a:p>
+          <a:p>
+            <a:endParaRPr lang="en-US" dirty="0" smtClean="0"/>
+          </a:p>
+          <a:p>
             <a:endParaRPr lang="en-US" dirty="0"/>
           </a:p>
         </p:txBody>
@@ -2549,7 +2551,7 @@
             <a:fld id="{70027AD7-30C5-944D-9F16-1C4EC4C696FB}" type="slidenum">
               <a:rPr lang="en-US" smtClean="0"/>
               <a:pPr/>
-              <a:t>33</a:t>
+              <a:t>23</a:t>
             </a:fld>
             <a:endParaRPr lang="en-US"/>
           </a:p>
@@ -2605,13 +2607,13 @@
         <p:spPr/>
         <p:txBody>
           <a:bodyPr>
-            <a:normAutofit/>
+            <a:normAutofit fontScale="92500"/>
           </a:bodyPr>
           <a:lstStyle/>
           <a:p>
             <a:r>
               <a:rPr lang="en-US" dirty="0" smtClean="0"/>
-              <a:t>This JS will run when the app is paused.</a:t>
+              <a:t>You can use a split view to display persistent information in the left pane and related details or subordinate information in the right pane. In this design pattern, when people select an item in the left pane, the right pane should display the information related to that item. (You’re responsible for making this happen in code.)</a:t>
             </a:r>
           </a:p>
           <a:p>
@@ -2620,23 +2622,34 @@
           <a:p>
             <a:r>
               <a:rPr lang="en-US" dirty="0" smtClean="0"/>
-              <a:t>A local notification is local to an application on an </a:t>
-            </a:r>
-            <a:r>
-              <a:rPr lang="en-US" dirty="0" err="1" smtClean="0"/>
-              <a:t>iPhone</a:t>
-            </a:r>
+              <a:t>In general, when an app uses a split view in landscape, it displays the contents of the left pane in a popover when it rotates to portrait. However, you are not required to follow this pattern. If it makes sense in your app, you can design your UI to display side-by-side views in all orientations.</a:t>
+            </a:r>
+          </a:p>
+          <a:p>
+            <a:endParaRPr lang="en-US" dirty="0" smtClean="0"/>
+          </a:p>
+          <a:p>
             <a:r>
               <a:rPr lang="en-US" dirty="0" smtClean="0"/>
-              <a:t>, </a:t>
-            </a:r>
-            <a:r>
-              <a:rPr lang="en-US" dirty="0" err="1" smtClean="0"/>
-              <a:t>iPad</a:t>
-            </a:r>
+              <a:t>Avoid creating a right pane that is narrower than the left pane. Although the width of the right pane is up to you, it does not look good to use a width of less than 320 points (which is the width of the left pane).</a:t>
+            </a:r>
+          </a:p>
+          <a:p>
+            <a:endParaRPr lang="en-US" dirty="0" smtClean="0"/>
+          </a:p>
+          <a:p>
             <a:r>
               <a:rPr lang="en-US" dirty="0" smtClean="0"/>
-              <a:t>, or iPod touch. Push notifications—also known as remote notifications—arrive from outside a device. </a:t>
+              <a:t>Avoid displaying a navigation bar in both panes at the same time. Doing this would make it very difficult for users to discern the relationship between the two panes.</a:t>
+            </a:r>
+          </a:p>
+          <a:p>
+            <a:endParaRPr lang="en-US" dirty="0" smtClean="0"/>
+          </a:p>
+          <a:p>
+            <a:r>
+              <a:rPr lang="en-US" dirty="0" smtClean="0"/>
+              <a:t>In general, indicate the current selection in the left pane in a persistent way. This behavior helps people understand the relationship between the item in the left pane and the contents of the right pane. This is important because the content of the right pane can change, but it should always remain related to the item selected in the left pane.</a:t>
             </a:r>
           </a:p>
           <a:p>
@@ -2662,7 +2675,7 @@
             <a:fld id="{70027AD7-30C5-944D-9F16-1C4EC4C696FB}" type="slidenum">
               <a:rPr lang="en-US" smtClean="0"/>
               <a:pPr/>
-              <a:t>34</a:t>
+              <a:t>24</a:t>
             </a:fld>
             <a:endParaRPr lang="en-US"/>
           </a:p>
@@ -2722,22 +2735,76 @@
           </a:bodyPr>
           <a:lstStyle/>
           <a:p>
-            <a:r>
-              <a:rPr lang="en-US" dirty="0" smtClean="0"/>
-              <a:t>Do</a:t>
+            <a:pPr marL="0" marR="0" indent="0" algn="l" defTabSz="457200" rtl="0" eaLnBrk="1" fontAlgn="base" latinLnBrk="0" hangingPunct="1">
+              <a:lnSpc>
+                <a:spcPct val="100000"/>
+              </a:lnSpc>
+              <a:spcBef>
+                <a:spcPct val="30000"/>
+              </a:spcBef>
+              <a:spcAft>
+                <a:spcPct val="0"/>
+              </a:spcAft>
+              <a:buClrTx/>
+              <a:buSzTx/>
+              <a:buFontTx/>
+              <a:buNone/>
+              <a:tabLst/>
+              <a:defRPr/>
+            </a:pPr>
+            <a:r>
+              <a:rPr lang="en-US" dirty="0" err="1" smtClean="0"/>
+              <a:t>tab.badge</a:t>
             </a:r>
             <a:r>
               <a:rPr lang="en-US" baseline="0" dirty="0" smtClean="0"/>
-              <a:t> a quick walk through of the various </a:t>
-            </a:r>
-            <a:r>
-              <a:rPr lang="en-US" baseline="0" dirty="0" err="1" smtClean="0"/>
-              <a:t>iPhone</a:t>
-            </a:r>
+              <a:t> has to be set to a number</a:t>
+            </a:r>
+          </a:p>
+          <a:p>
+            <a:pPr marL="0" marR="0" indent="0" algn="l" defTabSz="457200" rtl="0" eaLnBrk="1" fontAlgn="base" latinLnBrk="0" hangingPunct="1">
+              <a:lnSpc>
+                <a:spcPct val="100000"/>
+              </a:lnSpc>
+              <a:spcBef>
+                <a:spcPct val="30000"/>
+              </a:spcBef>
+              <a:spcAft>
+                <a:spcPct val="0"/>
+              </a:spcAft>
+              <a:buClrTx/>
+              <a:buSzTx/>
+              <a:buFontTx/>
+              <a:buNone/>
+              <a:tabLst/>
+              <a:defRPr/>
+            </a:pPr>
             <a:r>
               <a:rPr lang="en-US" baseline="0" dirty="0" smtClean="0"/>
-              <a:t> related properties.  It’s good to point out that these variables exist.</a:t>
-            </a:r>
+              <a:t>Set to NULL to remove</a:t>
+            </a:r>
+          </a:p>
+          <a:p>
+            <a:pPr marL="0" marR="0" indent="0" algn="l" defTabSz="457200" rtl="0" eaLnBrk="1" fontAlgn="base" latinLnBrk="0" hangingPunct="1">
+              <a:lnSpc>
+                <a:spcPct val="100000"/>
+              </a:lnSpc>
+              <a:spcBef>
+                <a:spcPct val="30000"/>
+              </a:spcBef>
+              <a:spcAft>
+                <a:spcPct val="0"/>
+              </a:spcAft>
+              <a:buClrTx/>
+              <a:buSzTx/>
+              <a:buFontTx/>
+              <a:buNone/>
+              <a:tabLst/>
+              <a:defRPr/>
+            </a:pPr>
+            <a:endParaRPr lang="en-US" dirty="0" smtClean="0"/>
+          </a:p>
+          <a:p>
             <a:endParaRPr lang="en-US" dirty="0"/>
           </a:p>
         </p:txBody>
@@ -2760,7 +2827,7 @@
             <a:fld id="{70027AD7-30C5-944D-9F16-1C4EC4C696FB}" type="slidenum">
               <a:rPr lang="en-US" smtClean="0"/>
               <a:pPr/>
-              <a:t>36</a:t>
+              <a:t>25</a:t>
             </a:fld>
             <a:endParaRPr lang="en-US"/>
           </a:p>
@@ -2815,15 +2882,25 @@
         </p:nvSpPr>
         <p:spPr/>
         <p:txBody>
-          <a:bodyPr>
-            <a:normAutofit/>
-          </a:bodyPr>
+          <a:bodyPr/>
           <a:lstStyle/>
           <a:p>
             <a:r>
               <a:rPr lang="en-US" dirty="0" smtClean="0"/>
-              <a:t>“The Settings Bundle”</a:t>
-            </a:r>
+              <a:t>Can be set while the app is running</a:t>
+            </a:r>
+          </a:p>
+          <a:p>
+            <a:r>
+              <a:rPr lang="en-US" dirty="0" smtClean="0"/>
+              <a:t>Or,</a:t>
+            </a:r>
+            <a:r>
+              <a:rPr lang="en-US" baseline="0" dirty="0" smtClean="0"/>
+              <a:t> use a background service to set when the app’s not using</a:t>
+            </a:r>
+          </a:p>
+          <a:p>
             <a:endParaRPr lang="en-US" dirty="0"/>
           </a:p>
         </p:txBody>
@@ -2846,13 +2923,18 @@
             <a:fld id="{70027AD7-30C5-944D-9F16-1C4EC4C696FB}" type="slidenum">
               <a:rPr lang="en-US" smtClean="0"/>
               <a:pPr/>
-              <a:t>49</a:t>
+              <a:t>26</a:t>
             </a:fld>
             <a:endParaRPr lang="en-US"/>
           </a:p>
         </p:txBody>
       </p:sp>
     </p:spTree>
+    <p:extLst>
+      <p:ext uri="{BB962C8B-B14F-4D97-AF65-F5344CB8AC3E}">
+        <p14:creationId xmlns:p14="http://schemas.microsoft.com/office/powerpoint/2010/main" val="3663147279"/>
+      </p:ext>
+    </p:extLst>
   </p:cSld>
   <p:clrMapOvr>
     <a:masterClrMapping/>
@@ -2901,47 +2983,12 @@
         </p:nvSpPr>
         <p:spPr/>
         <p:txBody>
-          <a:bodyPr>
-            <a:normAutofit/>
-          </a:bodyPr>
+          <a:bodyPr/>
           <a:lstStyle/>
           <a:p>
             <a:r>
               <a:rPr lang="en-US" dirty="0" smtClean="0"/>
-              <a:t> In </a:t>
-            </a:r>
-            <a:r>
-              <a:rPr lang="en-US" dirty="0" err="1" smtClean="0"/>
-              <a:t>iOS</a:t>
-            </a:r>
-            <a:r>
-              <a:rPr lang="en-US" dirty="0" smtClean="0"/>
-              <a:t>, the Foundation framework provides the low-level mechanism for storing the actual preference data. </a:t>
-            </a:r>
-          </a:p>
-          <a:p>
-            <a:endParaRPr lang="en-US" dirty="0" smtClean="0"/>
-          </a:p>
-          <a:p>
-            <a:r>
-              <a:rPr lang="en-US" dirty="0" err="1" smtClean="0"/>
-              <a:t>http://developer.apple.com/library/ios/#documentation/iPhone/Conceptual/iPhoneOSProgrammingGuide/Preferences/Preferences.html</a:t>
-            </a:r>
-            <a:endParaRPr lang="en-US" dirty="0" smtClean="0"/>
-          </a:p>
-          <a:p>
-            <a:endParaRPr lang="en-US" dirty="0" smtClean="0"/>
-          </a:p>
-          <a:p>
-            <a:r>
-              <a:rPr lang="en-US" dirty="0" smtClean="0"/>
-              <a:t>Tutorial</a:t>
-            </a:r>
-          </a:p>
-          <a:p>
-            <a:r>
-              <a:rPr lang="en-US" dirty="0" err="1" smtClean="0"/>
-              <a:t>http://iphoneincubator.com/blog/tutorial/how-to-create-an-iphone-preferences-file</a:t>
+              <a:t>If an image is tapped, you can grab an index so you can branch code accordingly</a:t>
             </a:r>
             <a:endParaRPr lang="en-US" dirty="0"/>
           </a:p>
@@ -2965,13 +3012,18 @@
             <a:fld id="{70027AD7-30C5-944D-9F16-1C4EC4C696FB}" type="slidenum">
               <a:rPr lang="en-US" smtClean="0"/>
               <a:pPr/>
-              <a:t>50</a:t>
+              <a:t>27</a:t>
             </a:fld>
             <a:endParaRPr lang="en-US"/>
           </a:p>
         </p:txBody>
       </p:sp>
     </p:spTree>
+    <p:extLst>
+      <p:ext uri="{BB962C8B-B14F-4D97-AF65-F5344CB8AC3E}">
+        <p14:creationId xmlns:p14="http://schemas.microsoft.com/office/powerpoint/2010/main" val="336260311"/>
+      </p:ext>
+    </p:extLst>
   </p:cSld>
   <p:clrMapOvr>
     <a:masterClrMapping/>
@@ -3025,11 +3077,17 @@
           <a:p>
             <a:r>
               <a:rPr lang="en-US" dirty="0" smtClean="0"/>
-              <a:t>Let’s create a background service to poll a server for </a:t>
-            </a:r>
-            <a:r>
-              <a:rPr lang="en-US" smtClean="0"/>
-              <a:t>new fugitives.</a:t>
+              <a:t>This isn’t setting or accessing the actual Springboard</a:t>
+            </a:r>
+          </a:p>
+          <a:p>
+            <a:r>
+              <a:rPr lang="en-US" dirty="0" smtClean="0"/>
+              <a:t>Just presenting</a:t>
+            </a:r>
+            <a:r>
+              <a:rPr lang="en-US" baseline="0" dirty="0" smtClean="0"/>
+              <a:t> a similar view</a:t>
             </a:r>
             <a:endParaRPr lang="en-US" dirty="0"/>
           </a:p>
@@ -3053,7 +3111,7 @@
             <a:fld id="{70027AD7-30C5-944D-9F16-1C4EC4C696FB}" type="slidenum">
               <a:rPr lang="en-US" smtClean="0"/>
               <a:pPr/>
-              <a:t>53</a:t>
+              <a:t>28</a:t>
             </a:fld>
             <a:endParaRPr lang="en-US"/>
           </a:p>
@@ -3062,7 +3120,177 @@
     </p:spTree>
     <p:extLst>
       <p:ext uri="{BB962C8B-B14F-4D97-AF65-F5344CB8AC3E}">
-        <p14:creationId xmlns:p14="http://schemas.microsoft.com/office/powerpoint/2010/main" val="1267220614"/>
+        <p14:creationId xmlns:p14="http://schemas.microsoft.com/office/powerpoint/2010/main" val="1374219516"/>
+      </p:ext>
+    </p:extLst>
+  </p:cSld>
+  <p:clrMapOvr>
+    <a:masterClrMapping/>
+  </p:clrMapOvr>
+</p:notes>
+</file>
+
+<file path=ppt/notesSlides/notesSlide28.xml><?xml version="1.0" encoding="utf-8"?>
+<p:notes xmlns:a="http://schemas.openxmlformats.org/drawingml/2006/main" xmlns:r="http://schemas.openxmlformats.org/officeDocument/2006/relationships" xmlns:p="http://schemas.openxmlformats.org/presentationml/2006/main">
+  <p:cSld>
+    <p:spTree>
+      <p:nvGrpSpPr>
+        <p:cNvPr id="1" name=""/>
+        <p:cNvGrpSpPr/>
+        <p:nvPr/>
+      </p:nvGrpSpPr>
+      <p:grpSpPr>
+        <a:xfrm>
+          <a:off x="0" y="0"/>
+          <a:ext cx="0" cy="0"/>
+          <a:chOff x="0" y="0"/>
+          <a:chExt cx="0" cy="0"/>
+        </a:xfrm>
+      </p:grpSpPr>
+      <p:sp>
+        <p:nvSpPr>
+          <p:cNvPr id="2" name="Slide Image Placeholder 1"/>
+          <p:cNvSpPr>
+            <a:spLocks noGrp="1" noRot="1" noChangeAspect="1"/>
+          </p:cNvSpPr>
+          <p:nvPr>
+            <p:ph type="sldImg"/>
+          </p:nvPr>
+        </p:nvSpPr>
+        <p:spPr/>
+      </p:sp>
+      <p:sp>
+        <p:nvSpPr>
+          <p:cNvPr id="3" name="Notes Placeholder 2"/>
+          <p:cNvSpPr>
+            <a:spLocks noGrp="1"/>
+          </p:cNvSpPr>
+          <p:nvPr>
+            <p:ph type="body" idx="1"/>
+          </p:nvPr>
+        </p:nvSpPr>
+        <p:spPr/>
+        <p:txBody>
+          <a:bodyPr/>
+          <a:lstStyle/>
+          <a:p>
+            <a:endParaRPr lang="en-US" dirty="0"/>
+          </a:p>
+        </p:txBody>
+      </p:sp>
+      <p:sp>
+        <p:nvSpPr>
+          <p:cNvPr id="4" name="Slide Number Placeholder 3"/>
+          <p:cNvSpPr>
+            <a:spLocks noGrp="1"/>
+          </p:cNvSpPr>
+          <p:nvPr>
+            <p:ph type="sldNum" sz="quarter" idx="10"/>
+          </p:nvPr>
+        </p:nvSpPr>
+        <p:spPr/>
+        <p:txBody>
+          <a:bodyPr/>
+          <a:lstStyle/>
+          <a:p>
+            <a:fld id="{70027AD7-30C5-944D-9F16-1C4EC4C696FB}" type="slidenum">
+              <a:rPr lang="en-US" smtClean="0"/>
+              <a:pPr/>
+              <a:t>29</a:t>
+            </a:fld>
+            <a:endParaRPr lang="en-US"/>
+          </a:p>
+        </p:txBody>
+      </p:sp>
+    </p:spTree>
+    <p:extLst>
+      <p:ext uri="{BB962C8B-B14F-4D97-AF65-F5344CB8AC3E}">
+        <p14:creationId xmlns:p14="http://schemas.microsoft.com/office/powerpoint/2010/main" val="348076192"/>
+      </p:ext>
+    </p:extLst>
+  </p:cSld>
+  <p:clrMapOvr>
+    <a:masterClrMapping/>
+  </p:clrMapOvr>
+</p:notes>
+</file>
+
+<file path=ppt/notesSlides/notesSlide29.xml><?xml version="1.0" encoding="utf-8"?>
+<p:notes xmlns:a="http://schemas.openxmlformats.org/drawingml/2006/main" xmlns:r="http://schemas.openxmlformats.org/officeDocument/2006/relationships" xmlns:p="http://schemas.openxmlformats.org/presentationml/2006/main">
+  <p:cSld>
+    <p:spTree>
+      <p:nvGrpSpPr>
+        <p:cNvPr id="1" name=""/>
+        <p:cNvGrpSpPr/>
+        <p:nvPr/>
+      </p:nvGrpSpPr>
+      <p:grpSpPr>
+        <a:xfrm>
+          <a:off x="0" y="0"/>
+          <a:ext cx="0" cy="0"/>
+          <a:chOff x="0" y="0"/>
+          <a:chExt cx="0" cy="0"/>
+        </a:xfrm>
+      </p:grpSpPr>
+      <p:sp>
+        <p:nvSpPr>
+          <p:cNvPr id="2" name="Slide Image Placeholder 1"/>
+          <p:cNvSpPr>
+            <a:spLocks noGrp="1" noRot="1" noChangeAspect="1"/>
+          </p:cNvSpPr>
+          <p:nvPr>
+            <p:ph type="sldImg"/>
+          </p:nvPr>
+        </p:nvSpPr>
+        <p:spPr/>
+      </p:sp>
+      <p:sp>
+        <p:nvSpPr>
+          <p:cNvPr id="3" name="Notes Placeholder 2"/>
+          <p:cNvSpPr>
+            <a:spLocks noGrp="1"/>
+          </p:cNvSpPr>
+          <p:nvPr>
+            <p:ph type="body" idx="1"/>
+          </p:nvPr>
+        </p:nvSpPr>
+        <p:spPr/>
+        <p:txBody>
+          <a:bodyPr/>
+          <a:lstStyle/>
+          <a:p>
+            <a:endParaRPr lang="en-US" dirty="0"/>
+          </a:p>
+        </p:txBody>
+      </p:sp>
+      <p:sp>
+        <p:nvSpPr>
+          <p:cNvPr id="4" name="Slide Number Placeholder 3"/>
+          <p:cNvSpPr>
+            <a:spLocks noGrp="1"/>
+          </p:cNvSpPr>
+          <p:nvPr>
+            <p:ph type="sldNum" sz="quarter" idx="10"/>
+          </p:nvPr>
+        </p:nvSpPr>
+        <p:spPr/>
+        <p:txBody>
+          <a:bodyPr/>
+          <a:lstStyle/>
+          <a:p>
+            <a:fld id="{70027AD7-30C5-944D-9F16-1C4EC4C696FB}" type="slidenum">
+              <a:rPr lang="en-US" smtClean="0"/>
+              <a:pPr/>
+              <a:t>30</a:t>
+            </a:fld>
+            <a:endParaRPr lang="en-US"/>
+          </a:p>
+        </p:txBody>
+      </p:sp>
+    </p:spTree>
+    <p:extLst>
+      <p:ext uri="{BB962C8B-B14F-4D97-AF65-F5344CB8AC3E}">
+        <p14:creationId xmlns:p14="http://schemas.microsoft.com/office/powerpoint/2010/main" val="1964615792"/>
       </p:ext>
     </p:extLst>
   </p:cSld>
@@ -3296,7 +3524,7 @@
             </a:pPr>
             <a:r>
               <a:rPr lang="en-US" dirty="0" smtClean="0"/>
-              <a:t>Map Kit Framework</a:t>
+              <a:t> Map Kit Framework</a:t>
             </a:r>
           </a:p>
           <a:p>
@@ -3374,6 +3602,1081 @@
         </p:txBody>
       </p:sp>
     </p:spTree>
+  </p:cSld>
+  <p:clrMapOvr>
+    <a:masterClrMapping/>
+  </p:clrMapOvr>
+</p:notes>
+</file>
+
+<file path=ppt/notesSlides/notesSlide30.xml><?xml version="1.0" encoding="utf-8"?>
+<p:notes xmlns:a="http://schemas.openxmlformats.org/drawingml/2006/main" xmlns:r="http://schemas.openxmlformats.org/officeDocument/2006/relationships" xmlns:p="http://schemas.openxmlformats.org/presentationml/2006/main">
+  <p:cSld>
+    <p:spTree>
+      <p:nvGrpSpPr>
+        <p:cNvPr id="1" name=""/>
+        <p:cNvGrpSpPr/>
+        <p:nvPr/>
+      </p:nvGrpSpPr>
+      <p:grpSpPr>
+        <a:xfrm>
+          <a:off x="0" y="0"/>
+          <a:ext cx="0" cy="0"/>
+          <a:chOff x="0" y="0"/>
+          <a:chExt cx="0" cy="0"/>
+        </a:xfrm>
+      </p:grpSpPr>
+      <p:sp>
+        <p:nvSpPr>
+          <p:cNvPr id="2" name="Slide Image Placeholder 1"/>
+          <p:cNvSpPr>
+            <a:spLocks noGrp="1" noRot="1" noChangeAspect="1"/>
+          </p:cNvSpPr>
+          <p:nvPr>
+            <p:ph type="sldImg"/>
+          </p:nvPr>
+        </p:nvSpPr>
+        <p:spPr/>
+      </p:sp>
+      <p:sp>
+        <p:nvSpPr>
+          <p:cNvPr id="3" name="Notes Placeholder 2"/>
+          <p:cNvSpPr>
+            <a:spLocks noGrp="1"/>
+          </p:cNvSpPr>
+          <p:nvPr>
+            <p:ph type="body" idx="1"/>
+          </p:nvPr>
+        </p:nvSpPr>
+        <p:spPr/>
+        <p:txBody>
+          <a:bodyPr>
+            <a:normAutofit/>
+          </a:bodyPr>
+          <a:lstStyle/>
+          <a:p>
+            <a:r>
+              <a:rPr lang="en-US" dirty="0" smtClean="0"/>
+              <a:t>For more information on the </a:t>
+            </a:r>
+            <a:r>
+              <a:rPr lang="en-US" dirty="0" err="1" smtClean="0"/>
+              <a:t>iAd</a:t>
+            </a:r>
+            <a:r>
+              <a:rPr lang="en-US" dirty="0" smtClean="0"/>
+              <a:t> Network, see http://</a:t>
+            </a:r>
+            <a:r>
+              <a:rPr lang="en-US" dirty="0" err="1" smtClean="0"/>
+              <a:t>developer.apple.com/iad</a:t>
+            </a:r>
+            <a:r>
+              <a:rPr lang="en-US" dirty="0" smtClean="0"/>
+              <a:t>/</a:t>
+            </a:r>
+          </a:p>
+          <a:p>
+            <a:endParaRPr lang="en-US" dirty="0" smtClean="0"/>
+          </a:p>
+          <a:p>
+            <a:r>
+              <a:rPr lang="en-US" dirty="0" smtClean="0"/>
+              <a:t>While you are developing your application, </a:t>
+            </a:r>
+            <a:r>
+              <a:rPr lang="en-US" dirty="0" err="1" smtClean="0"/>
+              <a:t>iAd</a:t>
+            </a:r>
+            <a:r>
+              <a:rPr lang="en-US" dirty="0" smtClean="0"/>
+              <a:t> Network sends test advertisements to your application. To assist you in validating your implementation, the </a:t>
+            </a:r>
+            <a:r>
+              <a:rPr lang="en-US" dirty="0" err="1" smtClean="0"/>
+              <a:t>iAd</a:t>
+            </a:r>
+            <a:r>
+              <a:rPr lang="en-US" dirty="0" smtClean="0"/>
+              <a:t> Network occasionally returns errors to test your error handling code. You can also test your error handling support manually by turning your device’s wireless capability off.</a:t>
+            </a:r>
+          </a:p>
+          <a:p>
+            <a:endParaRPr lang="en-US" dirty="0" smtClean="0"/>
+          </a:p>
+          <a:p>
+            <a:r>
+              <a:rPr lang="en-US" dirty="0" err="1" smtClean="0"/>
+              <a:t>iAd</a:t>
+            </a:r>
+            <a:r>
+              <a:rPr lang="en-US" smtClean="0"/>
+              <a:t> Network automatically displays the correct ad depending on the how your application binary was downloaded onto your test device</a:t>
+            </a:r>
+          </a:p>
+          <a:p>
+            <a:endParaRPr lang="en-US" dirty="0"/>
+          </a:p>
+        </p:txBody>
+      </p:sp>
+      <p:sp>
+        <p:nvSpPr>
+          <p:cNvPr id="4" name="Slide Number Placeholder 3"/>
+          <p:cNvSpPr>
+            <a:spLocks noGrp="1"/>
+          </p:cNvSpPr>
+          <p:nvPr>
+            <p:ph type="sldNum" sz="quarter" idx="10"/>
+          </p:nvPr>
+        </p:nvSpPr>
+        <p:spPr/>
+        <p:txBody>
+          <a:bodyPr/>
+          <a:lstStyle/>
+          <a:p>
+            <a:fld id="{70027AD7-30C5-944D-9F16-1C4EC4C696FB}" type="slidenum">
+              <a:rPr lang="en-US" smtClean="0"/>
+              <a:pPr/>
+              <a:t>31</a:t>
+            </a:fld>
+            <a:endParaRPr lang="en-US"/>
+          </a:p>
+        </p:txBody>
+      </p:sp>
+    </p:spTree>
+  </p:cSld>
+  <p:clrMapOvr>
+    <a:masterClrMapping/>
+  </p:clrMapOvr>
+</p:notes>
+</file>
+
+<file path=ppt/notesSlides/notesSlide31.xml><?xml version="1.0" encoding="utf-8"?>
+<p:notes xmlns:a="http://schemas.openxmlformats.org/drawingml/2006/main" xmlns:r="http://schemas.openxmlformats.org/officeDocument/2006/relationships" xmlns:p="http://schemas.openxmlformats.org/presentationml/2006/main">
+  <p:cSld>
+    <p:spTree>
+      <p:nvGrpSpPr>
+        <p:cNvPr id="1" name=""/>
+        <p:cNvGrpSpPr/>
+        <p:nvPr/>
+      </p:nvGrpSpPr>
+      <p:grpSpPr>
+        <a:xfrm>
+          <a:off x="0" y="0"/>
+          <a:ext cx="0" cy="0"/>
+          <a:chOff x="0" y="0"/>
+          <a:chExt cx="0" cy="0"/>
+        </a:xfrm>
+      </p:grpSpPr>
+      <p:sp>
+        <p:nvSpPr>
+          <p:cNvPr id="2" name="Slide Image Placeholder 1"/>
+          <p:cNvSpPr>
+            <a:spLocks noGrp="1" noRot="1" noChangeAspect="1"/>
+          </p:cNvSpPr>
+          <p:nvPr>
+            <p:ph type="sldImg"/>
+          </p:nvPr>
+        </p:nvSpPr>
+        <p:spPr/>
+      </p:sp>
+      <p:sp>
+        <p:nvSpPr>
+          <p:cNvPr id="3" name="Notes Placeholder 2"/>
+          <p:cNvSpPr>
+            <a:spLocks noGrp="1"/>
+          </p:cNvSpPr>
+          <p:nvPr>
+            <p:ph type="body" idx="1"/>
+          </p:nvPr>
+        </p:nvSpPr>
+        <p:spPr/>
+        <p:txBody>
+          <a:bodyPr>
+            <a:normAutofit/>
+          </a:bodyPr>
+          <a:lstStyle/>
+          <a:p>
+            <a:r>
+              <a:rPr lang="en-US" dirty="0" smtClean="0"/>
+              <a:t>Set bottom:0 to dock</a:t>
+            </a:r>
+            <a:r>
+              <a:rPr lang="en-US" baseline="0" dirty="0" smtClean="0"/>
+              <a:t> the ad to the bottom of your window</a:t>
+            </a:r>
+            <a:endParaRPr lang="en-US" dirty="0"/>
+          </a:p>
+        </p:txBody>
+      </p:sp>
+      <p:sp>
+        <p:nvSpPr>
+          <p:cNvPr id="4" name="Slide Number Placeholder 3"/>
+          <p:cNvSpPr>
+            <a:spLocks noGrp="1"/>
+          </p:cNvSpPr>
+          <p:nvPr>
+            <p:ph type="sldNum" sz="quarter" idx="10"/>
+          </p:nvPr>
+        </p:nvSpPr>
+        <p:spPr/>
+        <p:txBody>
+          <a:bodyPr/>
+          <a:lstStyle/>
+          <a:p>
+            <a:fld id="{70027AD7-30C5-944D-9F16-1C4EC4C696FB}" type="slidenum">
+              <a:rPr lang="en-US" smtClean="0"/>
+              <a:pPr/>
+              <a:t>32</a:t>
+            </a:fld>
+            <a:endParaRPr lang="en-US"/>
+          </a:p>
+        </p:txBody>
+      </p:sp>
+    </p:spTree>
+  </p:cSld>
+  <p:clrMapOvr>
+    <a:masterClrMapping/>
+  </p:clrMapOvr>
+</p:notes>
+</file>
+
+<file path=ppt/notesSlides/notesSlide32.xml><?xml version="1.0" encoding="utf-8"?>
+<p:notes xmlns:a="http://schemas.openxmlformats.org/drawingml/2006/main" xmlns:r="http://schemas.openxmlformats.org/officeDocument/2006/relationships" xmlns:p="http://schemas.openxmlformats.org/presentationml/2006/main">
+  <p:cSld>
+    <p:spTree>
+      <p:nvGrpSpPr>
+        <p:cNvPr id="1" name=""/>
+        <p:cNvGrpSpPr/>
+        <p:nvPr/>
+      </p:nvGrpSpPr>
+      <p:grpSpPr>
+        <a:xfrm>
+          <a:off x="0" y="0"/>
+          <a:ext cx="0" cy="0"/>
+          <a:chOff x="0" y="0"/>
+          <a:chExt cx="0" cy="0"/>
+        </a:xfrm>
+      </p:grpSpPr>
+      <p:sp>
+        <p:nvSpPr>
+          <p:cNvPr id="2" name="Slide Image Placeholder 1"/>
+          <p:cNvSpPr>
+            <a:spLocks noGrp="1" noRot="1" noChangeAspect="1"/>
+          </p:cNvSpPr>
+          <p:nvPr>
+            <p:ph type="sldImg"/>
+          </p:nvPr>
+        </p:nvSpPr>
+        <p:spPr/>
+      </p:sp>
+      <p:sp>
+        <p:nvSpPr>
+          <p:cNvPr id="3" name="Notes Placeholder 2"/>
+          <p:cNvSpPr>
+            <a:spLocks noGrp="1"/>
+          </p:cNvSpPr>
+          <p:nvPr>
+            <p:ph type="body" idx="1"/>
+          </p:nvPr>
+        </p:nvSpPr>
+        <p:spPr/>
+        <p:txBody>
+          <a:bodyPr>
+            <a:normAutofit/>
+          </a:bodyPr>
+          <a:lstStyle/>
+          <a:p>
+            <a:r>
+              <a:rPr lang="en-US" dirty="0" smtClean="0"/>
+              <a:t>Platform</a:t>
+            </a:r>
+            <a:r>
+              <a:rPr lang="en-US" baseline="0" dirty="0" smtClean="0"/>
+              <a:t> specific business logic methods are available for </a:t>
+            </a:r>
+            <a:r>
+              <a:rPr lang="en-US" baseline="0" dirty="0" err="1" smtClean="0"/>
+              <a:t>iOS</a:t>
+            </a:r>
+            <a:r>
+              <a:rPr lang="en-US" baseline="0" dirty="0" smtClean="0"/>
+              <a:t>.</a:t>
+            </a:r>
+            <a:endParaRPr lang="en-US" dirty="0"/>
+          </a:p>
+        </p:txBody>
+      </p:sp>
+      <p:sp>
+        <p:nvSpPr>
+          <p:cNvPr id="4" name="Slide Number Placeholder 3"/>
+          <p:cNvSpPr>
+            <a:spLocks noGrp="1"/>
+          </p:cNvSpPr>
+          <p:nvPr>
+            <p:ph type="sldNum" sz="quarter" idx="10"/>
+          </p:nvPr>
+        </p:nvSpPr>
+        <p:spPr/>
+        <p:txBody>
+          <a:bodyPr/>
+          <a:lstStyle/>
+          <a:p>
+            <a:fld id="{70027AD7-30C5-944D-9F16-1C4EC4C696FB}" type="slidenum">
+              <a:rPr lang="en-US" smtClean="0"/>
+              <a:pPr/>
+              <a:t>33</a:t>
+            </a:fld>
+            <a:endParaRPr lang="en-US"/>
+          </a:p>
+        </p:txBody>
+      </p:sp>
+    </p:spTree>
+  </p:cSld>
+  <p:clrMapOvr>
+    <a:masterClrMapping/>
+  </p:clrMapOvr>
+</p:notes>
+</file>
+
+<file path=ppt/notesSlides/notesSlide33.xml><?xml version="1.0" encoding="utf-8"?>
+<p:notes xmlns:a="http://schemas.openxmlformats.org/drawingml/2006/main" xmlns:r="http://schemas.openxmlformats.org/officeDocument/2006/relationships" xmlns:p="http://schemas.openxmlformats.org/presentationml/2006/main">
+  <p:cSld>
+    <p:spTree>
+      <p:nvGrpSpPr>
+        <p:cNvPr id="1" name=""/>
+        <p:cNvGrpSpPr/>
+        <p:nvPr/>
+      </p:nvGrpSpPr>
+      <p:grpSpPr>
+        <a:xfrm>
+          <a:off x="0" y="0"/>
+          <a:ext cx="0" cy="0"/>
+          <a:chOff x="0" y="0"/>
+          <a:chExt cx="0" cy="0"/>
+        </a:xfrm>
+      </p:grpSpPr>
+      <p:sp>
+        <p:nvSpPr>
+          <p:cNvPr id="2" name="Slide Image Placeholder 1"/>
+          <p:cNvSpPr>
+            <a:spLocks noGrp="1" noRot="1" noChangeAspect="1"/>
+          </p:cNvSpPr>
+          <p:nvPr>
+            <p:ph type="sldImg"/>
+          </p:nvPr>
+        </p:nvSpPr>
+        <p:spPr/>
+      </p:sp>
+      <p:sp>
+        <p:nvSpPr>
+          <p:cNvPr id="3" name="Notes Placeholder 2"/>
+          <p:cNvSpPr>
+            <a:spLocks noGrp="1"/>
+          </p:cNvSpPr>
+          <p:nvPr>
+            <p:ph type="body" idx="1"/>
+          </p:nvPr>
+        </p:nvSpPr>
+        <p:spPr/>
+        <p:txBody>
+          <a:bodyPr>
+            <a:normAutofit/>
+          </a:bodyPr>
+          <a:lstStyle/>
+          <a:p>
+            <a:r>
+              <a:rPr lang="en-US" dirty="0" smtClean="0"/>
+              <a:t>This JS will run when the app is paused.</a:t>
+            </a:r>
+          </a:p>
+          <a:p>
+            <a:endParaRPr lang="en-US" dirty="0" smtClean="0"/>
+          </a:p>
+          <a:p>
+            <a:r>
+              <a:rPr lang="en-US" dirty="0" smtClean="0"/>
+              <a:t>A local notification is local to an application on an </a:t>
+            </a:r>
+            <a:r>
+              <a:rPr lang="en-US" dirty="0" err="1" smtClean="0"/>
+              <a:t>iPhone</a:t>
+            </a:r>
+            <a:r>
+              <a:rPr lang="en-US" dirty="0" smtClean="0"/>
+              <a:t>, </a:t>
+            </a:r>
+            <a:r>
+              <a:rPr lang="en-US" dirty="0" err="1" smtClean="0"/>
+              <a:t>iPad</a:t>
+            </a:r>
+            <a:r>
+              <a:rPr lang="en-US" dirty="0" smtClean="0"/>
+              <a:t>, or iPod touch. Push notifications—also known as remote notifications—arrive from outside a device. </a:t>
+            </a:r>
+          </a:p>
+          <a:p>
+            <a:endParaRPr lang="en-US" dirty="0"/>
+          </a:p>
+        </p:txBody>
+      </p:sp>
+      <p:sp>
+        <p:nvSpPr>
+          <p:cNvPr id="4" name="Slide Number Placeholder 3"/>
+          <p:cNvSpPr>
+            <a:spLocks noGrp="1"/>
+          </p:cNvSpPr>
+          <p:nvPr>
+            <p:ph type="sldNum" sz="quarter" idx="10"/>
+          </p:nvPr>
+        </p:nvSpPr>
+        <p:spPr/>
+        <p:txBody>
+          <a:bodyPr/>
+          <a:lstStyle/>
+          <a:p>
+            <a:fld id="{70027AD7-30C5-944D-9F16-1C4EC4C696FB}" type="slidenum">
+              <a:rPr lang="en-US" smtClean="0"/>
+              <a:pPr/>
+              <a:t>34</a:t>
+            </a:fld>
+            <a:endParaRPr lang="en-US"/>
+          </a:p>
+        </p:txBody>
+      </p:sp>
+    </p:spTree>
+  </p:cSld>
+  <p:clrMapOvr>
+    <a:masterClrMapping/>
+  </p:clrMapOvr>
+</p:notes>
+</file>
+
+<file path=ppt/notesSlides/notesSlide34.xml><?xml version="1.0" encoding="utf-8"?>
+<p:notes xmlns:a="http://schemas.openxmlformats.org/drawingml/2006/main" xmlns:r="http://schemas.openxmlformats.org/officeDocument/2006/relationships" xmlns:p="http://schemas.openxmlformats.org/presentationml/2006/main">
+  <p:cSld>
+    <p:spTree>
+      <p:nvGrpSpPr>
+        <p:cNvPr id="1" name=""/>
+        <p:cNvGrpSpPr/>
+        <p:nvPr/>
+      </p:nvGrpSpPr>
+      <p:grpSpPr>
+        <a:xfrm>
+          <a:off x="0" y="0"/>
+          <a:ext cx="0" cy="0"/>
+          <a:chOff x="0" y="0"/>
+          <a:chExt cx="0" cy="0"/>
+        </a:xfrm>
+      </p:grpSpPr>
+      <p:sp>
+        <p:nvSpPr>
+          <p:cNvPr id="2" name="Slide Image Placeholder 1"/>
+          <p:cNvSpPr>
+            <a:spLocks noGrp="1" noRot="1" noChangeAspect="1"/>
+          </p:cNvSpPr>
+          <p:nvPr>
+            <p:ph type="sldImg"/>
+          </p:nvPr>
+        </p:nvSpPr>
+        <p:spPr/>
+      </p:sp>
+      <p:sp>
+        <p:nvSpPr>
+          <p:cNvPr id="3" name="Notes Placeholder 2"/>
+          <p:cNvSpPr>
+            <a:spLocks noGrp="1"/>
+          </p:cNvSpPr>
+          <p:nvPr>
+            <p:ph type="body" idx="1"/>
+          </p:nvPr>
+        </p:nvSpPr>
+        <p:spPr/>
+        <p:txBody>
+          <a:bodyPr/>
+          <a:lstStyle/>
+          <a:p>
+            <a:r>
+              <a:rPr lang="en-US" dirty="0" smtClean="0"/>
+              <a:t>Use the newer </a:t>
+            </a:r>
+            <a:r>
+              <a:rPr lang="en-US" dirty="0" err="1" smtClean="0"/>
+              <a:t>Titanium.Network.Socket.TCP</a:t>
+            </a:r>
+            <a:r>
+              <a:rPr lang="en-US" baseline="0" dirty="0" smtClean="0"/>
+              <a:t> for sockets rather than the older </a:t>
+            </a:r>
+            <a:r>
+              <a:rPr lang="en-US" baseline="0" dirty="0" err="1" smtClean="0"/>
+              <a:t>TCPSocket</a:t>
+            </a:r>
+            <a:endParaRPr lang="en-US" baseline="0" dirty="0" smtClean="0"/>
+          </a:p>
+          <a:p>
+            <a:r>
+              <a:rPr lang="en-US" baseline="0" dirty="0" err="1" smtClean="0"/>
+              <a:t>Network.Socket</a:t>
+            </a:r>
+            <a:r>
+              <a:rPr lang="en-US" baseline="0" dirty="0" smtClean="0"/>
+              <a:t> is cross-platform</a:t>
+            </a:r>
+            <a:endParaRPr lang="en-US" dirty="0"/>
+          </a:p>
+        </p:txBody>
+      </p:sp>
+      <p:sp>
+        <p:nvSpPr>
+          <p:cNvPr id="4" name="Slide Number Placeholder 3"/>
+          <p:cNvSpPr>
+            <a:spLocks noGrp="1"/>
+          </p:cNvSpPr>
+          <p:nvPr>
+            <p:ph type="sldNum" sz="quarter" idx="10"/>
+          </p:nvPr>
+        </p:nvSpPr>
+        <p:spPr/>
+        <p:txBody>
+          <a:bodyPr/>
+          <a:lstStyle/>
+          <a:p>
+            <a:fld id="{70027AD7-30C5-944D-9F16-1C4EC4C696FB}" type="slidenum">
+              <a:rPr lang="en-US" smtClean="0"/>
+              <a:pPr/>
+              <a:t>35</a:t>
+            </a:fld>
+            <a:endParaRPr lang="en-US"/>
+          </a:p>
+        </p:txBody>
+      </p:sp>
+    </p:spTree>
+    <p:extLst>
+      <p:ext uri="{BB962C8B-B14F-4D97-AF65-F5344CB8AC3E}">
+        <p14:creationId xmlns:p14="http://schemas.microsoft.com/office/powerpoint/2010/main" val="1157763825"/>
+      </p:ext>
+    </p:extLst>
+  </p:cSld>
+  <p:clrMapOvr>
+    <a:masterClrMapping/>
+  </p:clrMapOvr>
+</p:notes>
+</file>
+
+<file path=ppt/notesSlides/notesSlide35.xml><?xml version="1.0" encoding="utf-8"?>
+<p:notes xmlns:a="http://schemas.openxmlformats.org/drawingml/2006/main" xmlns:r="http://schemas.openxmlformats.org/officeDocument/2006/relationships" xmlns:p="http://schemas.openxmlformats.org/presentationml/2006/main">
+  <p:cSld>
+    <p:spTree>
+      <p:nvGrpSpPr>
+        <p:cNvPr id="1" name=""/>
+        <p:cNvGrpSpPr/>
+        <p:nvPr/>
+      </p:nvGrpSpPr>
+      <p:grpSpPr>
+        <a:xfrm>
+          <a:off x="0" y="0"/>
+          <a:ext cx="0" cy="0"/>
+          <a:chOff x="0" y="0"/>
+          <a:chExt cx="0" cy="0"/>
+        </a:xfrm>
+      </p:grpSpPr>
+      <p:sp>
+        <p:nvSpPr>
+          <p:cNvPr id="2" name="Slide Image Placeholder 1"/>
+          <p:cNvSpPr>
+            <a:spLocks noGrp="1" noRot="1" noChangeAspect="1"/>
+          </p:cNvSpPr>
+          <p:nvPr>
+            <p:ph type="sldImg"/>
+          </p:nvPr>
+        </p:nvSpPr>
+        <p:spPr/>
+      </p:sp>
+      <p:sp>
+        <p:nvSpPr>
+          <p:cNvPr id="3" name="Notes Placeholder 2"/>
+          <p:cNvSpPr>
+            <a:spLocks noGrp="1"/>
+          </p:cNvSpPr>
+          <p:nvPr>
+            <p:ph type="body" idx="1"/>
+          </p:nvPr>
+        </p:nvSpPr>
+        <p:spPr/>
+        <p:txBody>
+          <a:bodyPr>
+            <a:normAutofit/>
+          </a:bodyPr>
+          <a:lstStyle/>
+          <a:p>
+            <a:r>
+              <a:rPr lang="en-US" dirty="0" smtClean="0"/>
+              <a:t>Do</a:t>
+            </a:r>
+            <a:r>
+              <a:rPr lang="en-US" baseline="0" dirty="0" smtClean="0"/>
+              <a:t> a quick walk through of the various </a:t>
+            </a:r>
+            <a:r>
+              <a:rPr lang="en-US" baseline="0" dirty="0" err="1" smtClean="0"/>
+              <a:t>iPhone</a:t>
+            </a:r>
+            <a:r>
+              <a:rPr lang="en-US" baseline="0" dirty="0" smtClean="0"/>
+              <a:t> related properties.  It’s good to point out that these variables exist.</a:t>
+            </a:r>
+            <a:endParaRPr lang="en-US" dirty="0"/>
+          </a:p>
+        </p:txBody>
+      </p:sp>
+      <p:sp>
+        <p:nvSpPr>
+          <p:cNvPr id="4" name="Slide Number Placeholder 3"/>
+          <p:cNvSpPr>
+            <a:spLocks noGrp="1"/>
+          </p:cNvSpPr>
+          <p:nvPr>
+            <p:ph type="sldNum" sz="quarter" idx="10"/>
+          </p:nvPr>
+        </p:nvSpPr>
+        <p:spPr/>
+        <p:txBody>
+          <a:bodyPr/>
+          <a:lstStyle/>
+          <a:p>
+            <a:fld id="{70027AD7-30C5-944D-9F16-1C4EC4C696FB}" type="slidenum">
+              <a:rPr lang="en-US" smtClean="0"/>
+              <a:pPr/>
+              <a:t>36</a:t>
+            </a:fld>
+            <a:endParaRPr lang="en-US"/>
+          </a:p>
+        </p:txBody>
+      </p:sp>
+    </p:spTree>
+  </p:cSld>
+  <p:clrMapOvr>
+    <a:masterClrMapping/>
+  </p:clrMapOvr>
+</p:notes>
+</file>
+
+<file path=ppt/notesSlides/notesSlide36.xml><?xml version="1.0" encoding="utf-8"?>
+<p:notes xmlns:a="http://schemas.openxmlformats.org/drawingml/2006/main" xmlns:r="http://schemas.openxmlformats.org/officeDocument/2006/relationships" xmlns:p="http://schemas.openxmlformats.org/presentationml/2006/main">
+  <p:cSld>
+    <p:spTree>
+      <p:nvGrpSpPr>
+        <p:cNvPr id="1" name=""/>
+        <p:cNvGrpSpPr/>
+        <p:nvPr/>
+      </p:nvGrpSpPr>
+      <p:grpSpPr>
+        <a:xfrm>
+          <a:off x="0" y="0"/>
+          <a:ext cx="0" cy="0"/>
+          <a:chOff x="0" y="0"/>
+          <a:chExt cx="0" cy="0"/>
+        </a:xfrm>
+      </p:grpSpPr>
+      <p:sp>
+        <p:nvSpPr>
+          <p:cNvPr id="2" name="Slide Image Placeholder 1"/>
+          <p:cNvSpPr>
+            <a:spLocks noGrp="1" noRot="1" noChangeAspect="1"/>
+          </p:cNvSpPr>
+          <p:nvPr>
+            <p:ph type="sldImg"/>
+          </p:nvPr>
+        </p:nvSpPr>
+        <p:spPr/>
+      </p:sp>
+      <p:sp>
+        <p:nvSpPr>
+          <p:cNvPr id="3" name="Notes Placeholder 2"/>
+          <p:cNvSpPr>
+            <a:spLocks noGrp="1"/>
+          </p:cNvSpPr>
+          <p:nvPr>
+            <p:ph type="body" idx="1"/>
+          </p:nvPr>
+        </p:nvSpPr>
+        <p:spPr/>
+        <p:txBody>
+          <a:bodyPr/>
+          <a:lstStyle/>
+          <a:p>
+            <a:r>
+              <a:rPr lang="en-US" dirty="0" smtClean="0"/>
+              <a:t>Used in conjunction</a:t>
+            </a:r>
+            <a:r>
+              <a:rPr lang="en-US" baseline="0" dirty="0" smtClean="0"/>
+              <a:t> with the </a:t>
+            </a:r>
+            <a:r>
+              <a:rPr lang="en-US" baseline="0" dirty="0" err="1" smtClean="0"/>
+              <a:t>ScrollView</a:t>
+            </a:r>
+            <a:endParaRPr lang="en-US" dirty="0"/>
+          </a:p>
+        </p:txBody>
+      </p:sp>
+      <p:sp>
+        <p:nvSpPr>
+          <p:cNvPr id="4" name="Slide Number Placeholder 3"/>
+          <p:cNvSpPr>
+            <a:spLocks noGrp="1"/>
+          </p:cNvSpPr>
+          <p:nvPr>
+            <p:ph type="sldNum" sz="quarter" idx="10"/>
+          </p:nvPr>
+        </p:nvSpPr>
+        <p:spPr/>
+        <p:txBody>
+          <a:bodyPr/>
+          <a:lstStyle/>
+          <a:p>
+            <a:fld id="{70027AD7-30C5-944D-9F16-1C4EC4C696FB}" type="slidenum">
+              <a:rPr lang="en-US" smtClean="0"/>
+              <a:pPr/>
+              <a:t>40</a:t>
+            </a:fld>
+            <a:endParaRPr lang="en-US"/>
+          </a:p>
+        </p:txBody>
+      </p:sp>
+    </p:spTree>
+    <p:extLst>
+      <p:ext uri="{BB962C8B-B14F-4D97-AF65-F5344CB8AC3E}">
+        <p14:creationId xmlns:p14="http://schemas.microsoft.com/office/powerpoint/2010/main" val="2790521099"/>
+      </p:ext>
+    </p:extLst>
+  </p:cSld>
+  <p:clrMapOvr>
+    <a:masterClrMapping/>
+  </p:clrMapOvr>
+</p:notes>
+</file>
+
+<file path=ppt/notesSlides/notesSlide37.xml><?xml version="1.0" encoding="utf-8"?>
+<p:notes xmlns:a="http://schemas.openxmlformats.org/drawingml/2006/main" xmlns:r="http://schemas.openxmlformats.org/officeDocument/2006/relationships" xmlns:p="http://schemas.openxmlformats.org/presentationml/2006/main">
+  <p:cSld>
+    <p:spTree>
+      <p:nvGrpSpPr>
+        <p:cNvPr id="1" name=""/>
+        <p:cNvGrpSpPr/>
+        <p:nvPr/>
+      </p:nvGrpSpPr>
+      <p:grpSpPr>
+        <a:xfrm>
+          <a:off x="0" y="0"/>
+          <a:ext cx="0" cy="0"/>
+          <a:chOff x="0" y="0"/>
+          <a:chExt cx="0" cy="0"/>
+        </a:xfrm>
+      </p:grpSpPr>
+      <p:sp>
+        <p:nvSpPr>
+          <p:cNvPr id="2" name="Slide Image Placeholder 1"/>
+          <p:cNvSpPr>
+            <a:spLocks noGrp="1" noRot="1" noChangeAspect="1"/>
+          </p:cNvSpPr>
+          <p:nvPr>
+            <p:ph type="sldImg"/>
+          </p:nvPr>
+        </p:nvSpPr>
+        <p:spPr/>
+      </p:sp>
+      <p:sp>
+        <p:nvSpPr>
+          <p:cNvPr id="3" name="Notes Placeholder 2"/>
+          <p:cNvSpPr>
+            <a:spLocks noGrp="1"/>
+          </p:cNvSpPr>
+          <p:nvPr>
+            <p:ph type="body" idx="1"/>
+          </p:nvPr>
+        </p:nvSpPr>
+        <p:spPr/>
+        <p:txBody>
+          <a:bodyPr/>
+          <a:lstStyle/>
+          <a:p>
+            <a:r>
+              <a:rPr lang="en-US" dirty="0" smtClean="0"/>
+              <a:t>Status bar is the top bar that shows battery,</a:t>
+            </a:r>
+            <a:r>
+              <a:rPr lang="en-US" baseline="0" dirty="0" smtClean="0"/>
+              <a:t> </a:t>
+            </a:r>
+            <a:r>
+              <a:rPr lang="en-US" baseline="0" dirty="0" err="1" smtClean="0"/>
+              <a:t>wifi</a:t>
+            </a:r>
+            <a:r>
+              <a:rPr lang="en-US" baseline="0" dirty="0" smtClean="0"/>
+              <a:t> state, etc.</a:t>
+            </a:r>
+            <a:endParaRPr lang="en-US" dirty="0"/>
+          </a:p>
+        </p:txBody>
+      </p:sp>
+      <p:sp>
+        <p:nvSpPr>
+          <p:cNvPr id="4" name="Slide Number Placeholder 3"/>
+          <p:cNvSpPr>
+            <a:spLocks noGrp="1"/>
+          </p:cNvSpPr>
+          <p:nvPr>
+            <p:ph type="sldNum" sz="quarter" idx="10"/>
+          </p:nvPr>
+        </p:nvSpPr>
+        <p:spPr/>
+        <p:txBody>
+          <a:bodyPr/>
+          <a:lstStyle/>
+          <a:p>
+            <a:fld id="{70027AD7-30C5-944D-9F16-1C4EC4C696FB}" type="slidenum">
+              <a:rPr lang="en-US" smtClean="0"/>
+              <a:pPr/>
+              <a:t>41</a:t>
+            </a:fld>
+            <a:endParaRPr lang="en-US"/>
+          </a:p>
+        </p:txBody>
+      </p:sp>
+    </p:spTree>
+    <p:extLst>
+      <p:ext uri="{BB962C8B-B14F-4D97-AF65-F5344CB8AC3E}">
+        <p14:creationId xmlns:p14="http://schemas.microsoft.com/office/powerpoint/2010/main" val="4275870956"/>
+      </p:ext>
+    </p:extLst>
+  </p:cSld>
+  <p:clrMapOvr>
+    <a:masterClrMapping/>
+  </p:clrMapOvr>
+</p:notes>
+</file>
+
+<file path=ppt/notesSlides/notesSlide38.xml><?xml version="1.0" encoding="utf-8"?>
+<p:notes xmlns:a="http://schemas.openxmlformats.org/drawingml/2006/main" xmlns:r="http://schemas.openxmlformats.org/officeDocument/2006/relationships" xmlns:p="http://schemas.openxmlformats.org/presentationml/2006/main">
+  <p:cSld>
+    <p:spTree>
+      <p:nvGrpSpPr>
+        <p:cNvPr id="1" name=""/>
+        <p:cNvGrpSpPr/>
+        <p:nvPr/>
+      </p:nvGrpSpPr>
+      <p:grpSpPr>
+        <a:xfrm>
+          <a:off x="0" y="0"/>
+          <a:ext cx="0" cy="0"/>
+          <a:chOff x="0" y="0"/>
+          <a:chExt cx="0" cy="0"/>
+        </a:xfrm>
+      </p:grpSpPr>
+      <p:sp>
+        <p:nvSpPr>
+          <p:cNvPr id="2" name="Slide Image Placeholder 1"/>
+          <p:cNvSpPr>
+            <a:spLocks noGrp="1" noRot="1" noChangeAspect="1"/>
+          </p:cNvSpPr>
+          <p:nvPr>
+            <p:ph type="sldImg"/>
+          </p:nvPr>
+        </p:nvSpPr>
+        <p:spPr/>
+      </p:sp>
+      <p:sp>
+        <p:nvSpPr>
+          <p:cNvPr id="3" name="Notes Placeholder 2"/>
+          <p:cNvSpPr>
+            <a:spLocks noGrp="1"/>
+          </p:cNvSpPr>
+          <p:nvPr>
+            <p:ph type="body" idx="1"/>
+          </p:nvPr>
+        </p:nvSpPr>
+        <p:spPr/>
+        <p:txBody>
+          <a:bodyPr/>
+          <a:lstStyle/>
+          <a:p>
+            <a:r>
+              <a:rPr lang="en-US" dirty="0" smtClean="0"/>
+              <a:t>Use these</a:t>
+            </a:r>
+            <a:r>
+              <a:rPr lang="en-US" baseline="0" dirty="0" smtClean="0"/>
+              <a:t> with a tab bar or maybe a toolbar</a:t>
+            </a:r>
+            <a:endParaRPr lang="en-US" dirty="0"/>
+          </a:p>
+        </p:txBody>
+      </p:sp>
+      <p:sp>
+        <p:nvSpPr>
+          <p:cNvPr id="4" name="Slide Number Placeholder 3"/>
+          <p:cNvSpPr>
+            <a:spLocks noGrp="1"/>
+          </p:cNvSpPr>
+          <p:nvPr>
+            <p:ph type="sldNum" sz="quarter" idx="10"/>
+          </p:nvPr>
+        </p:nvSpPr>
+        <p:spPr/>
+        <p:txBody>
+          <a:bodyPr/>
+          <a:lstStyle/>
+          <a:p>
+            <a:fld id="{70027AD7-30C5-944D-9F16-1C4EC4C696FB}" type="slidenum">
+              <a:rPr lang="en-US" smtClean="0"/>
+              <a:pPr/>
+              <a:t>44</a:t>
+            </a:fld>
+            <a:endParaRPr lang="en-US"/>
+          </a:p>
+        </p:txBody>
+      </p:sp>
+    </p:spTree>
+    <p:extLst>
+      <p:ext uri="{BB962C8B-B14F-4D97-AF65-F5344CB8AC3E}">
+        <p14:creationId xmlns:p14="http://schemas.microsoft.com/office/powerpoint/2010/main" val="1023111451"/>
+      </p:ext>
+    </p:extLst>
+  </p:cSld>
+  <p:clrMapOvr>
+    <a:masterClrMapping/>
+  </p:clrMapOvr>
+</p:notes>
+</file>
+
+<file path=ppt/notesSlides/notesSlide39.xml><?xml version="1.0" encoding="utf-8"?>
+<p:notes xmlns:a="http://schemas.openxmlformats.org/drawingml/2006/main" xmlns:r="http://schemas.openxmlformats.org/officeDocument/2006/relationships" xmlns:p="http://schemas.openxmlformats.org/presentationml/2006/main">
+  <p:cSld>
+    <p:spTree>
+      <p:nvGrpSpPr>
+        <p:cNvPr id="1" name=""/>
+        <p:cNvGrpSpPr/>
+        <p:nvPr/>
+      </p:nvGrpSpPr>
+      <p:grpSpPr>
+        <a:xfrm>
+          <a:off x="0" y="0"/>
+          <a:ext cx="0" cy="0"/>
+          <a:chOff x="0" y="0"/>
+          <a:chExt cx="0" cy="0"/>
+        </a:xfrm>
+      </p:grpSpPr>
+      <p:sp>
+        <p:nvSpPr>
+          <p:cNvPr id="2" name="Slide Image Placeholder 1"/>
+          <p:cNvSpPr>
+            <a:spLocks noGrp="1" noRot="1" noChangeAspect="1"/>
+          </p:cNvSpPr>
+          <p:nvPr>
+            <p:ph type="sldImg"/>
+          </p:nvPr>
+        </p:nvSpPr>
+        <p:spPr/>
+      </p:sp>
+      <p:sp>
+        <p:nvSpPr>
+          <p:cNvPr id="3" name="Notes Placeholder 2"/>
+          <p:cNvSpPr>
+            <a:spLocks noGrp="1"/>
+          </p:cNvSpPr>
+          <p:nvPr>
+            <p:ph type="body" idx="1"/>
+          </p:nvPr>
+        </p:nvSpPr>
+        <p:spPr/>
+        <p:txBody>
+          <a:bodyPr/>
+          <a:lstStyle/>
+          <a:p>
+            <a:r>
+              <a:rPr lang="en-US" dirty="0" smtClean="0"/>
+              <a:t>When you programmatically scroll to a </a:t>
+            </a:r>
+            <a:r>
+              <a:rPr lang="en-US" dirty="0" smtClean="0"/>
+              <a:t>row within </a:t>
+            </a:r>
+            <a:r>
+              <a:rPr lang="en-US" dirty="0" smtClean="0"/>
+              <a:t>a </a:t>
+            </a:r>
+            <a:r>
+              <a:rPr lang="en-US" dirty="0" err="1" smtClean="0"/>
+              <a:t>tableview</a:t>
+            </a:r>
+            <a:r>
+              <a:rPr lang="en-US" dirty="0" smtClean="0"/>
+              <a:t>, this constant controls </a:t>
+            </a:r>
+            <a:r>
+              <a:rPr lang="en-US" dirty="0" smtClean="0"/>
+              <a:t>what portion of that </a:t>
+            </a:r>
+            <a:r>
+              <a:rPr lang="en-US" dirty="0" smtClean="0"/>
+              <a:t>target row is </a:t>
+            </a:r>
+            <a:r>
+              <a:rPr lang="en-US" dirty="0" smtClean="0"/>
+              <a:t>shown</a:t>
+            </a:r>
+          </a:p>
+          <a:p>
+            <a:r>
+              <a:rPr lang="en-US" dirty="0" smtClean="0"/>
+              <a:t>The screenshot shows using</a:t>
+            </a:r>
+            <a:r>
+              <a:rPr lang="en-US" baseline="0" dirty="0" smtClean="0"/>
+              <a:t> the </a:t>
+            </a:r>
+            <a:r>
+              <a:rPr lang="en-US" baseline="0" smtClean="0"/>
+              <a:t>MIDDLE option</a:t>
+            </a:r>
+            <a:endParaRPr lang="en-US" dirty="0" smtClean="0"/>
+          </a:p>
+        </p:txBody>
+      </p:sp>
+      <p:sp>
+        <p:nvSpPr>
+          <p:cNvPr id="4" name="Slide Number Placeholder 3"/>
+          <p:cNvSpPr>
+            <a:spLocks noGrp="1"/>
+          </p:cNvSpPr>
+          <p:nvPr>
+            <p:ph type="sldNum" sz="quarter" idx="10"/>
+          </p:nvPr>
+        </p:nvSpPr>
+        <p:spPr/>
+        <p:txBody>
+          <a:bodyPr/>
+          <a:lstStyle/>
+          <a:p>
+            <a:fld id="{70027AD7-30C5-944D-9F16-1C4EC4C696FB}" type="slidenum">
+              <a:rPr lang="en-US" smtClean="0"/>
+              <a:pPr/>
+              <a:t>46</a:t>
+            </a:fld>
+            <a:endParaRPr lang="en-US"/>
+          </a:p>
+        </p:txBody>
+      </p:sp>
+    </p:spTree>
+    <p:extLst>
+      <p:ext uri="{BB962C8B-B14F-4D97-AF65-F5344CB8AC3E}">
+        <p14:creationId xmlns:p14="http://schemas.microsoft.com/office/powerpoint/2010/main" val="4019326409"/>
+      </p:ext>
+    </p:extLst>
   </p:cSld>
   <p:clrMapOvr>
     <a:masterClrMapping/>
@@ -3422,6 +4725,225 @@
         </p:nvSpPr>
         <p:spPr/>
         <p:txBody>
+          <a:bodyPr/>
+          <a:lstStyle/>
+          <a:p>
+            <a:r>
+              <a:rPr lang="en-US" dirty="0" smtClean="0"/>
+              <a:t>These are taken from Apple’s HIG (Human Interface</a:t>
+            </a:r>
+            <a:r>
+              <a:rPr lang="en-US" baseline="0" dirty="0" smtClean="0"/>
+              <a:t> Guidelines)</a:t>
+            </a:r>
+          </a:p>
+          <a:p>
+            <a:endParaRPr lang="en-US" baseline="0" dirty="0" smtClean="0"/>
+          </a:p>
+          <a:p>
+            <a:r>
+              <a:rPr lang="en-US" baseline="0" dirty="0" smtClean="0"/>
+              <a:t>- Single Window = there’s a single </a:t>
+            </a:r>
+            <a:r>
+              <a:rPr lang="en-US" baseline="0" dirty="0" err="1" smtClean="0"/>
+              <a:t>UIKit</a:t>
+            </a:r>
+            <a:r>
+              <a:rPr lang="en-US" baseline="0" dirty="0" smtClean="0"/>
+              <a:t> / </a:t>
+            </a:r>
+            <a:r>
+              <a:rPr lang="en-US" baseline="0" dirty="0" err="1" smtClean="0"/>
+              <a:t>iOS</a:t>
+            </a:r>
+            <a:r>
+              <a:rPr lang="en-US" baseline="0" dirty="0" smtClean="0"/>
+              <a:t> window object regardless of the number of Titanium windows you create.</a:t>
+            </a:r>
+            <a:endParaRPr lang="en-US" dirty="0"/>
+          </a:p>
+        </p:txBody>
+      </p:sp>
+      <p:sp>
+        <p:nvSpPr>
+          <p:cNvPr id="4" name="Slide Number Placeholder 3"/>
+          <p:cNvSpPr>
+            <a:spLocks noGrp="1"/>
+          </p:cNvSpPr>
+          <p:nvPr>
+            <p:ph type="sldNum" sz="quarter" idx="10"/>
+          </p:nvPr>
+        </p:nvSpPr>
+        <p:spPr/>
+        <p:txBody>
+          <a:bodyPr/>
+          <a:lstStyle/>
+          <a:p>
+            <a:fld id="{70027AD7-30C5-944D-9F16-1C4EC4C696FB}" type="slidenum">
+              <a:rPr lang="en-US" smtClean="0"/>
+              <a:pPr/>
+              <a:t>4</a:t>
+            </a:fld>
+            <a:endParaRPr lang="en-US"/>
+          </a:p>
+        </p:txBody>
+      </p:sp>
+    </p:spTree>
+    <p:extLst>
+      <p:ext uri="{BB962C8B-B14F-4D97-AF65-F5344CB8AC3E}">
+        <p14:creationId xmlns:p14="http://schemas.microsoft.com/office/powerpoint/2010/main" val="1599838362"/>
+      </p:ext>
+    </p:extLst>
+  </p:cSld>
+  <p:clrMapOvr>
+    <a:masterClrMapping/>
+  </p:clrMapOvr>
+</p:notes>
+</file>
+
+<file path=ppt/notesSlides/notesSlide40.xml><?xml version="1.0" encoding="utf-8"?>
+<p:notes xmlns:a="http://schemas.openxmlformats.org/drawingml/2006/main" xmlns:r="http://schemas.openxmlformats.org/officeDocument/2006/relationships" xmlns:p="http://schemas.openxmlformats.org/presentationml/2006/main">
+  <p:cSld>
+    <p:spTree>
+      <p:nvGrpSpPr>
+        <p:cNvPr id="1" name=""/>
+        <p:cNvGrpSpPr/>
+        <p:nvPr/>
+      </p:nvGrpSpPr>
+      <p:grpSpPr>
+        <a:xfrm>
+          <a:off x="0" y="0"/>
+          <a:ext cx="0" cy="0"/>
+          <a:chOff x="0" y="0"/>
+          <a:chExt cx="0" cy="0"/>
+        </a:xfrm>
+      </p:grpSpPr>
+      <p:sp>
+        <p:nvSpPr>
+          <p:cNvPr id="2" name="Slide Image Placeholder 1"/>
+          <p:cNvSpPr>
+            <a:spLocks noGrp="1" noRot="1" noChangeAspect="1"/>
+          </p:cNvSpPr>
+          <p:nvPr>
+            <p:ph type="sldImg"/>
+          </p:nvPr>
+        </p:nvSpPr>
+        <p:spPr/>
+      </p:sp>
+      <p:sp>
+        <p:nvSpPr>
+          <p:cNvPr id="3" name="Notes Placeholder 2"/>
+          <p:cNvSpPr>
+            <a:spLocks noGrp="1"/>
+          </p:cNvSpPr>
+          <p:nvPr>
+            <p:ph type="body" idx="1"/>
+          </p:nvPr>
+        </p:nvSpPr>
+        <p:spPr/>
+        <p:txBody>
+          <a:bodyPr/>
+          <a:lstStyle/>
+          <a:p>
+            <a:r>
+              <a:rPr lang="en-US" dirty="0" smtClean="0"/>
+              <a:t>Set to none so that you don’t get empty row</a:t>
+            </a:r>
+            <a:r>
+              <a:rPr lang="en-US" baseline="0" dirty="0" smtClean="0"/>
+              <a:t>s &amp; separators showing up when your </a:t>
+            </a:r>
+            <a:r>
+              <a:rPr lang="en-US" baseline="0" dirty="0" err="1" smtClean="0"/>
+              <a:t>tableview</a:t>
+            </a:r>
+            <a:r>
+              <a:rPr lang="en-US" baseline="0" dirty="0" smtClean="0"/>
+              <a:t> has fewer rows than will fill the viewport</a:t>
+            </a:r>
+            <a:endParaRPr lang="en-US" dirty="0"/>
+          </a:p>
+        </p:txBody>
+      </p:sp>
+      <p:sp>
+        <p:nvSpPr>
+          <p:cNvPr id="4" name="Slide Number Placeholder 3"/>
+          <p:cNvSpPr>
+            <a:spLocks noGrp="1"/>
+          </p:cNvSpPr>
+          <p:nvPr>
+            <p:ph type="sldNum" sz="quarter" idx="10"/>
+          </p:nvPr>
+        </p:nvSpPr>
+        <p:spPr/>
+        <p:txBody>
+          <a:bodyPr/>
+          <a:lstStyle/>
+          <a:p>
+            <a:fld id="{70027AD7-30C5-944D-9F16-1C4EC4C696FB}" type="slidenum">
+              <a:rPr lang="en-US" smtClean="0"/>
+              <a:pPr/>
+              <a:t>47</a:t>
+            </a:fld>
+            <a:endParaRPr lang="en-US"/>
+          </a:p>
+        </p:txBody>
+      </p:sp>
+    </p:spTree>
+    <p:extLst>
+      <p:ext uri="{BB962C8B-B14F-4D97-AF65-F5344CB8AC3E}">
+        <p14:creationId xmlns:p14="http://schemas.microsoft.com/office/powerpoint/2010/main" val="3228994789"/>
+      </p:ext>
+    </p:extLst>
+  </p:cSld>
+  <p:clrMapOvr>
+    <a:masterClrMapping/>
+  </p:clrMapOvr>
+</p:notes>
+</file>
+
+<file path=ppt/notesSlides/notesSlide41.xml><?xml version="1.0" encoding="utf-8"?>
+<p:notes xmlns:a="http://schemas.openxmlformats.org/drawingml/2006/main" xmlns:r="http://schemas.openxmlformats.org/officeDocument/2006/relationships" xmlns:p="http://schemas.openxmlformats.org/presentationml/2006/main">
+  <p:cSld>
+    <p:spTree>
+      <p:nvGrpSpPr>
+        <p:cNvPr id="1" name=""/>
+        <p:cNvGrpSpPr/>
+        <p:nvPr/>
+      </p:nvGrpSpPr>
+      <p:grpSpPr>
+        <a:xfrm>
+          <a:off x="0" y="0"/>
+          <a:ext cx="0" cy="0"/>
+          <a:chOff x="0" y="0"/>
+          <a:chExt cx="0" cy="0"/>
+        </a:xfrm>
+      </p:grpSpPr>
+      <p:sp>
+        <p:nvSpPr>
+          <p:cNvPr id="2" name="Slide Image Placeholder 1"/>
+          <p:cNvSpPr>
+            <a:spLocks noGrp="1" noRot="1" noChangeAspect="1"/>
+          </p:cNvSpPr>
+          <p:nvPr>
+            <p:ph type="sldImg"/>
+          </p:nvPr>
+        </p:nvSpPr>
+        <p:spPr/>
+      </p:sp>
+      <p:sp>
+        <p:nvSpPr>
+          <p:cNvPr id="3" name="Notes Placeholder 2"/>
+          <p:cNvSpPr>
+            <a:spLocks noGrp="1"/>
+          </p:cNvSpPr>
+          <p:nvPr>
+            <p:ph type="body" idx="1"/>
+          </p:nvPr>
+        </p:nvSpPr>
+        <p:spPr/>
+        <p:txBody>
           <a:bodyPr>
             <a:normAutofit/>
           </a:bodyPr>
@@ -3429,16 +4951,7 @@
           <a:p>
             <a:r>
               <a:rPr lang="en-US" dirty="0" smtClean="0"/>
-              <a:t>A tab bar gives people the ability to switch between different subtasks, views, or modes.</a:t>
-            </a:r>
-          </a:p>
-          <a:p>
-            <a:endParaRPr lang="en-US" dirty="0" smtClean="0"/>
-          </a:p>
-          <a:p>
-            <a:r>
-              <a:rPr lang="en-US" dirty="0" smtClean="0"/>
-              <a:t>Use a tab bar to give users access to different perspectives on the same set of data or different subtasks related to the overall function of your app. </a:t>
+              <a:t>“The Settings Bundle”</a:t>
             </a:r>
             <a:endParaRPr lang="en-US" dirty="0"/>
           </a:p>
@@ -3462,13 +4975,412 @@
             <a:fld id="{70027AD7-30C5-944D-9F16-1C4EC4C696FB}" type="slidenum">
               <a:rPr lang="en-US" smtClean="0"/>
               <a:pPr/>
-              <a:t>5</a:t>
+              <a:t>49</a:t>
             </a:fld>
             <a:endParaRPr lang="en-US"/>
           </a:p>
         </p:txBody>
       </p:sp>
     </p:spTree>
+  </p:cSld>
+  <p:clrMapOvr>
+    <a:masterClrMapping/>
+  </p:clrMapOvr>
+</p:notes>
+</file>
+
+<file path=ppt/notesSlides/notesSlide42.xml><?xml version="1.0" encoding="utf-8"?>
+<p:notes xmlns:a="http://schemas.openxmlformats.org/drawingml/2006/main" xmlns:r="http://schemas.openxmlformats.org/officeDocument/2006/relationships" xmlns:p="http://schemas.openxmlformats.org/presentationml/2006/main">
+  <p:cSld>
+    <p:spTree>
+      <p:nvGrpSpPr>
+        <p:cNvPr id="1" name=""/>
+        <p:cNvGrpSpPr/>
+        <p:nvPr/>
+      </p:nvGrpSpPr>
+      <p:grpSpPr>
+        <a:xfrm>
+          <a:off x="0" y="0"/>
+          <a:ext cx="0" cy="0"/>
+          <a:chOff x="0" y="0"/>
+          <a:chExt cx="0" cy="0"/>
+        </a:xfrm>
+      </p:grpSpPr>
+      <p:sp>
+        <p:nvSpPr>
+          <p:cNvPr id="2" name="Slide Image Placeholder 1"/>
+          <p:cNvSpPr>
+            <a:spLocks noGrp="1" noRot="1" noChangeAspect="1"/>
+          </p:cNvSpPr>
+          <p:nvPr>
+            <p:ph type="sldImg"/>
+          </p:nvPr>
+        </p:nvSpPr>
+        <p:spPr/>
+      </p:sp>
+      <p:sp>
+        <p:nvSpPr>
+          <p:cNvPr id="3" name="Notes Placeholder 2"/>
+          <p:cNvSpPr>
+            <a:spLocks noGrp="1"/>
+          </p:cNvSpPr>
+          <p:nvPr>
+            <p:ph type="body" idx="1"/>
+          </p:nvPr>
+        </p:nvSpPr>
+        <p:spPr/>
+        <p:txBody>
+          <a:bodyPr>
+            <a:normAutofit/>
+          </a:bodyPr>
+          <a:lstStyle/>
+          <a:p>
+            <a:r>
+              <a:rPr lang="en-US" dirty="0" smtClean="0"/>
+              <a:t> In </a:t>
+            </a:r>
+            <a:r>
+              <a:rPr lang="en-US" dirty="0" err="1" smtClean="0"/>
+              <a:t>iOS</a:t>
+            </a:r>
+            <a:r>
+              <a:rPr lang="en-US" dirty="0" smtClean="0"/>
+              <a:t>, the Foundation framework provides the low-level mechanism for storing the actual preference data. </a:t>
+            </a:r>
+          </a:p>
+          <a:p>
+            <a:endParaRPr lang="en-US" dirty="0" smtClean="0"/>
+          </a:p>
+          <a:p>
+            <a:r>
+              <a:rPr lang="en-US" dirty="0" err="1" smtClean="0"/>
+              <a:t>http://developer.apple.com/library/ios/#documentation/iPhone/Conceptual/iPhoneOSProgrammingGuide/Preferences/Preferences.html</a:t>
+            </a:r>
+            <a:endParaRPr lang="en-US" dirty="0" smtClean="0"/>
+          </a:p>
+          <a:p>
+            <a:endParaRPr lang="en-US" dirty="0" smtClean="0"/>
+          </a:p>
+          <a:p>
+            <a:r>
+              <a:rPr lang="en-US" dirty="0" smtClean="0"/>
+              <a:t>Tutorial</a:t>
+            </a:r>
+          </a:p>
+          <a:p>
+            <a:r>
+              <a:rPr lang="en-US" dirty="0" err="1" smtClean="0"/>
+              <a:t>http://iphoneincubator.com/blog/tutorial/how-to-create-an-iphone-preferences-file</a:t>
+            </a:r>
+            <a:endParaRPr lang="en-US" dirty="0"/>
+          </a:p>
+        </p:txBody>
+      </p:sp>
+      <p:sp>
+        <p:nvSpPr>
+          <p:cNvPr id="4" name="Slide Number Placeholder 3"/>
+          <p:cNvSpPr>
+            <a:spLocks noGrp="1"/>
+          </p:cNvSpPr>
+          <p:nvPr>
+            <p:ph type="sldNum" sz="quarter" idx="10"/>
+          </p:nvPr>
+        </p:nvSpPr>
+        <p:spPr/>
+        <p:txBody>
+          <a:bodyPr/>
+          <a:lstStyle/>
+          <a:p>
+            <a:fld id="{70027AD7-30C5-944D-9F16-1C4EC4C696FB}" type="slidenum">
+              <a:rPr lang="en-US" smtClean="0"/>
+              <a:pPr/>
+              <a:t>50</a:t>
+            </a:fld>
+            <a:endParaRPr lang="en-US"/>
+          </a:p>
+        </p:txBody>
+      </p:sp>
+    </p:spTree>
+  </p:cSld>
+  <p:clrMapOvr>
+    <a:masterClrMapping/>
+  </p:clrMapOvr>
+</p:notes>
+</file>
+
+<file path=ppt/notesSlides/notesSlide43.xml><?xml version="1.0" encoding="utf-8"?>
+<p:notes xmlns:a="http://schemas.openxmlformats.org/drawingml/2006/main" xmlns:r="http://schemas.openxmlformats.org/officeDocument/2006/relationships" xmlns:p="http://schemas.openxmlformats.org/presentationml/2006/main">
+  <p:cSld>
+    <p:spTree>
+      <p:nvGrpSpPr>
+        <p:cNvPr id="1" name=""/>
+        <p:cNvGrpSpPr/>
+        <p:nvPr/>
+      </p:nvGrpSpPr>
+      <p:grpSpPr>
+        <a:xfrm>
+          <a:off x="0" y="0"/>
+          <a:ext cx="0" cy="0"/>
+          <a:chOff x="0" y="0"/>
+          <a:chExt cx="0" cy="0"/>
+        </a:xfrm>
+      </p:grpSpPr>
+      <p:sp>
+        <p:nvSpPr>
+          <p:cNvPr id="2" name="Slide Image Placeholder 1"/>
+          <p:cNvSpPr>
+            <a:spLocks noGrp="1" noRot="1" noChangeAspect="1"/>
+          </p:cNvSpPr>
+          <p:nvPr>
+            <p:ph type="sldImg"/>
+          </p:nvPr>
+        </p:nvSpPr>
+        <p:spPr/>
+      </p:sp>
+      <p:sp>
+        <p:nvSpPr>
+          <p:cNvPr id="3" name="Notes Placeholder 2"/>
+          <p:cNvSpPr>
+            <a:spLocks noGrp="1"/>
+          </p:cNvSpPr>
+          <p:nvPr>
+            <p:ph type="body" idx="1"/>
+          </p:nvPr>
+        </p:nvSpPr>
+        <p:spPr/>
+        <p:txBody>
+          <a:bodyPr/>
+          <a:lstStyle/>
+          <a:p>
+            <a:r>
+              <a:rPr lang="en-US" dirty="0" err="1" smtClean="0"/>
+              <a:t>iPad</a:t>
+            </a:r>
+            <a:r>
+              <a:rPr lang="en-US" dirty="0" smtClean="0"/>
+              <a:t> 2 is double</a:t>
+            </a:r>
+            <a:r>
+              <a:rPr lang="en-US" baseline="0" dirty="0" smtClean="0"/>
+              <a:t> the pixels of </a:t>
+            </a:r>
+            <a:r>
+              <a:rPr lang="en-US" baseline="0" dirty="0" err="1" smtClean="0"/>
+              <a:t>iPad</a:t>
+            </a:r>
+            <a:r>
+              <a:rPr lang="en-US" baseline="0" dirty="0" smtClean="0"/>
+              <a:t> 1</a:t>
+            </a:r>
+            <a:endParaRPr lang="en-US" dirty="0"/>
+          </a:p>
+        </p:txBody>
+      </p:sp>
+      <p:sp>
+        <p:nvSpPr>
+          <p:cNvPr id="4" name="Slide Number Placeholder 3"/>
+          <p:cNvSpPr>
+            <a:spLocks noGrp="1"/>
+          </p:cNvSpPr>
+          <p:nvPr>
+            <p:ph type="sldNum" sz="quarter" idx="10"/>
+          </p:nvPr>
+        </p:nvSpPr>
+        <p:spPr/>
+        <p:txBody>
+          <a:bodyPr/>
+          <a:lstStyle/>
+          <a:p>
+            <a:fld id="{70027AD7-30C5-944D-9F16-1C4EC4C696FB}" type="slidenum">
+              <a:rPr lang="en-US" smtClean="0"/>
+              <a:pPr/>
+              <a:t>51</a:t>
+            </a:fld>
+            <a:endParaRPr lang="en-US"/>
+          </a:p>
+        </p:txBody>
+      </p:sp>
+    </p:spTree>
+    <p:extLst>
+      <p:ext uri="{BB962C8B-B14F-4D97-AF65-F5344CB8AC3E}">
+        <p14:creationId xmlns:p14="http://schemas.microsoft.com/office/powerpoint/2010/main" val="2448217902"/>
+      </p:ext>
+    </p:extLst>
+  </p:cSld>
+  <p:clrMapOvr>
+    <a:masterClrMapping/>
+  </p:clrMapOvr>
+</p:notes>
+</file>
+
+<file path=ppt/notesSlides/notesSlide44.xml><?xml version="1.0" encoding="utf-8"?>
+<p:notes xmlns:a="http://schemas.openxmlformats.org/drawingml/2006/main" xmlns:r="http://schemas.openxmlformats.org/officeDocument/2006/relationships" xmlns:p="http://schemas.openxmlformats.org/presentationml/2006/main">
+  <p:cSld>
+    <p:spTree>
+      <p:nvGrpSpPr>
+        <p:cNvPr id="1" name=""/>
+        <p:cNvGrpSpPr/>
+        <p:nvPr/>
+      </p:nvGrpSpPr>
+      <p:grpSpPr>
+        <a:xfrm>
+          <a:off x="0" y="0"/>
+          <a:ext cx="0" cy="0"/>
+          <a:chOff x="0" y="0"/>
+          <a:chExt cx="0" cy="0"/>
+        </a:xfrm>
+      </p:grpSpPr>
+      <p:sp>
+        <p:nvSpPr>
+          <p:cNvPr id="2" name="Slide Image Placeholder 1"/>
+          <p:cNvSpPr>
+            <a:spLocks noGrp="1" noRot="1" noChangeAspect="1"/>
+          </p:cNvSpPr>
+          <p:nvPr>
+            <p:ph type="sldImg"/>
+          </p:nvPr>
+        </p:nvSpPr>
+        <p:spPr/>
+      </p:sp>
+      <p:sp>
+        <p:nvSpPr>
+          <p:cNvPr id="3" name="Notes Placeholder 2"/>
+          <p:cNvSpPr>
+            <a:spLocks noGrp="1"/>
+          </p:cNvSpPr>
+          <p:nvPr>
+            <p:ph type="body" idx="1"/>
+          </p:nvPr>
+        </p:nvSpPr>
+        <p:spPr/>
+        <p:txBody>
+          <a:bodyPr>
+            <a:normAutofit/>
+          </a:bodyPr>
+          <a:lstStyle/>
+          <a:p>
+            <a:endParaRPr lang="en-US" dirty="0"/>
+          </a:p>
+        </p:txBody>
+      </p:sp>
+      <p:sp>
+        <p:nvSpPr>
+          <p:cNvPr id="4" name="Slide Number Placeholder 3"/>
+          <p:cNvSpPr>
+            <a:spLocks noGrp="1"/>
+          </p:cNvSpPr>
+          <p:nvPr>
+            <p:ph type="sldNum" sz="quarter" idx="10"/>
+          </p:nvPr>
+        </p:nvSpPr>
+        <p:spPr/>
+        <p:txBody>
+          <a:bodyPr/>
+          <a:lstStyle/>
+          <a:p>
+            <a:fld id="{70027AD7-30C5-944D-9F16-1C4EC4C696FB}" type="slidenum">
+              <a:rPr lang="en-US" smtClean="0"/>
+              <a:pPr/>
+              <a:t>53</a:t>
+            </a:fld>
+            <a:endParaRPr lang="en-US"/>
+          </a:p>
+        </p:txBody>
+      </p:sp>
+    </p:spTree>
+  </p:cSld>
+  <p:clrMapOvr>
+    <a:masterClrMapping/>
+  </p:clrMapOvr>
+</p:notes>
+</file>
+
+<file path=ppt/notesSlides/notesSlide45.xml><?xml version="1.0" encoding="utf-8"?>
+<p:notes xmlns:a="http://schemas.openxmlformats.org/drawingml/2006/main" xmlns:r="http://schemas.openxmlformats.org/officeDocument/2006/relationships" xmlns:p="http://schemas.openxmlformats.org/presentationml/2006/main">
+  <p:cSld>
+    <p:spTree>
+      <p:nvGrpSpPr>
+        <p:cNvPr id="1" name=""/>
+        <p:cNvGrpSpPr/>
+        <p:nvPr/>
+      </p:nvGrpSpPr>
+      <p:grpSpPr>
+        <a:xfrm>
+          <a:off x="0" y="0"/>
+          <a:ext cx="0" cy="0"/>
+          <a:chOff x="0" y="0"/>
+          <a:chExt cx="0" cy="0"/>
+        </a:xfrm>
+      </p:grpSpPr>
+      <p:sp>
+        <p:nvSpPr>
+          <p:cNvPr id="2" name="Slide Image Placeholder 1"/>
+          <p:cNvSpPr>
+            <a:spLocks noGrp="1" noRot="1" noChangeAspect="1"/>
+          </p:cNvSpPr>
+          <p:nvPr>
+            <p:ph type="sldImg"/>
+          </p:nvPr>
+        </p:nvSpPr>
+        <p:spPr/>
+      </p:sp>
+      <p:sp>
+        <p:nvSpPr>
+          <p:cNvPr id="3" name="Notes Placeholder 2"/>
+          <p:cNvSpPr>
+            <a:spLocks noGrp="1"/>
+          </p:cNvSpPr>
+          <p:nvPr>
+            <p:ph type="body" idx="1"/>
+          </p:nvPr>
+        </p:nvSpPr>
+        <p:spPr/>
+        <p:txBody>
+          <a:bodyPr/>
+          <a:lstStyle/>
+          <a:p>
+            <a:r>
+              <a:rPr lang="en-US" dirty="0" smtClean="0"/>
+              <a:t>Let’s create a background service to poll a server for </a:t>
+            </a:r>
+            <a:r>
+              <a:rPr lang="en-US" smtClean="0"/>
+              <a:t>new fugitives.</a:t>
+            </a:r>
+            <a:endParaRPr lang="en-US" dirty="0"/>
+          </a:p>
+        </p:txBody>
+      </p:sp>
+      <p:sp>
+        <p:nvSpPr>
+          <p:cNvPr id="4" name="Slide Number Placeholder 3"/>
+          <p:cNvSpPr>
+            <a:spLocks noGrp="1"/>
+          </p:cNvSpPr>
+          <p:nvPr>
+            <p:ph type="sldNum" sz="quarter" idx="10"/>
+          </p:nvPr>
+        </p:nvSpPr>
+        <p:spPr/>
+        <p:txBody>
+          <a:bodyPr/>
+          <a:lstStyle/>
+          <a:p>
+            <a:fld id="{70027AD7-30C5-944D-9F16-1C4EC4C696FB}" type="slidenum">
+              <a:rPr lang="en-US" smtClean="0"/>
+              <a:pPr/>
+              <a:t>54</a:t>
+            </a:fld>
+            <a:endParaRPr lang="en-US"/>
+          </a:p>
+        </p:txBody>
+      </p:sp>
+    </p:spTree>
+    <p:extLst>
+      <p:ext uri="{BB962C8B-B14F-4D97-AF65-F5344CB8AC3E}">
+        <p14:creationId xmlns:p14="http://schemas.microsoft.com/office/powerpoint/2010/main" val="1267220614"/>
+      </p:ext>
+    </p:extLst>
   </p:cSld>
   <p:clrMapOvr>
     <a:masterClrMapping/>
@@ -3523,22 +5435,19 @@
           <a:lstStyle/>
           <a:p>
             <a:r>
-              <a:rPr lang="en-US" dirty="0" err="1" smtClean="0"/>
-              <a:t>iOS</a:t>
-            </a:r>
-            <a:r>
               <a:rPr lang="en-US" dirty="0" smtClean="0"/>
-              <a:t>-specific</a:t>
-            </a:r>
-            <a:r>
-              <a:rPr lang="en-US" baseline="0" dirty="0" smtClean="0"/>
-              <a:t> APIs can be broken out into 2 segments: form </a:t>
-            </a:r>
-            <a:r>
-              <a:rPr lang="en-US" baseline="0" smtClean="0"/>
-              <a:t>and function.</a:t>
-            </a:r>
-            <a:endParaRPr lang="en-US"/>
+              <a:t>A tab bar gives people the ability to switch between different subtasks, views, or modes.</a:t>
+            </a:r>
+          </a:p>
+          <a:p>
+            <a:endParaRPr lang="en-US" dirty="0" smtClean="0"/>
+          </a:p>
+          <a:p>
+            <a:r>
+              <a:rPr lang="en-US" dirty="0" smtClean="0"/>
+              <a:t>Use a tab bar to give users access to different perspectives on the same set of data or different subtasks related to the overall function of your app. </a:t>
+            </a:r>
+            <a:endParaRPr lang="en-US" dirty="0"/>
           </a:p>
         </p:txBody>
       </p:sp>
@@ -3560,7 +5469,7 @@
             <a:fld id="{70027AD7-30C5-944D-9F16-1C4EC4C696FB}" type="slidenum">
               <a:rPr lang="en-US" smtClean="0"/>
               <a:pPr/>
-              <a:t>6</a:t>
+              <a:t>5</a:t>
             </a:fld>
             <a:endParaRPr lang="en-US"/>
           </a:p>
@@ -3621,10 +5530,22 @@
           <a:lstStyle/>
           <a:p>
             <a:r>
+              <a:rPr lang="en-US" dirty="0" err="1" smtClean="0"/>
+              <a:t>iOS</a:t>
+            </a:r>
+            <a:r>
               <a:rPr lang="en-US" dirty="0" smtClean="0"/>
-              <a:t>A Navigation Group implements a specialized view that manages the navigation of hierarchical content. A Navigation Group is very similar to Tab Bars with the exception that they do not maintain a group of windows with a interface bar at the bottom.</a:t>
-            </a:r>
-            <a:endParaRPr lang="en-US" dirty="0"/>
+              <a:t>-specific</a:t>
+            </a:r>
+            <a:r>
+              <a:rPr lang="en-US" baseline="0" dirty="0" smtClean="0"/>
+              <a:t> APIs can be broken out into 2 segments: form </a:t>
+            </a:r>
+            <a:r>
+              <a:rPr lang="en-US" baseline="0" smtClean="0"/>
+              <a:t>and function.</a:t>
+            </a:r>
+            <a:endParaRPr lang="en-US"/>
           </a:p>
         </p:txBody>
       </p:sp>
@@ -3646,7 +5567,7 @@
             <a:fld id="{70027AD7-30C5-944D-9F16-1C4EC4C696FB}" type="slidenum">
               <a:rPr lang="en-US" smtClean="0"/>
               <a:pPr/>
-              <a:t>8</a:t>
+              <a:t>6</a:t>
             </a:fld>
             <a:endParaRPr lang="en-US"/>
           </a:p>
@@ -3701,17 +5622,37 @@
         </p:nvSpPr>
         <p:spPr/>
         <p:txBody>
-          <a:bodyPr>
-            <a:normAutofit/>
-          </a:bodyPr>
+          <a:bodyPr/>
           <a:lstStyle/>
           <a:p>
             <a:r>
+              <a:rPr lang="en-US" dirty="0" err="1" smtClean="0"/>
+              <a:t>NavigationGroup</a:t>
+            </a:r>
+            <a:r>
               <a:rPr lang="en-US" dirty="0" smtClean="0"/>
-              <a:t>A navigation bar enables navigation through an information hierarchy and, optionally, management of screen contents.</a:t>
-            </a:r>
-          </a:p>
-          <a:p>
+              <a:t> actually works on </a:t>
+            </a:r>
+            <a:r>
+              <a:rPr lang="en-US" dirty="0" err="1" smtClean="0"/>
+              <a:t>iPad</a:t>
+            </a:r>
+            <a:r>
+              <a:rPr lang="en-US" dirty="0" smtClean="0"/>
+              <a:t> and our API should probably be moved out of the iPhone namespace</a:t>
+            </a:r>
+            <a:r>
+              <a:rPr lang="en-US" baseline="0" dirty="0" smtClean="0"/>
+              <a:t> to the </a:t>
+            </a:r>
+            <a:r>
+              <a:rPr lang="en-US" baseline="0" dirty="0" err="1" smtClean="0"/>
+              <a:t>iOS</a:t>
+            </a:r>
+            <a:r>
+              <a:rPr lang="en-US" baseline="0" dirty="0" smtClean="0"/>
+              <a:t> namespace</a:t>
+            </a:r>
             <a:endParaRPr lang="en-US" dirty="0"/>
           </a:p>
         </p:txBody>
@@ -3734,13 +5675,18 @@
             <a:fld id="{70027AD7-30C5-944D-9F16-1C4EC4C696FB}" type="slidenum">
               <a:rPr lang="en-US" smtClean="0"/>
               <a:pPr/>
-              <a:t>9</a:t>
+              <a:t>7</a:t>
             </a:fld>
             <a:endParaRPr lang="en-US"/>
           </a:p>
         </p:txBody>
       </p:sp>
     </p:spTree>
+    <p:extLst>
+      <p:ext uri="{BB962C8B-B14F-4D97-AF65-F5344CB8AC3E}">
+        <p14:creationId xmlns:p14="http://schemas.microsoft.com/office/powerpoint/2010/main" val="2352374069"/>
+      </p:ext>
+    </p:extLst>
   </p:cSld>
   <p:clrMapOvr>
     <a:masterClrMapping/>
@@ -3796,41 +5742,7 @@
           <a:p>
             <a:r>
               <a:rPr lang="en-US" dirty="0" smtClean="0"/>
-              <a:t>There are other components</a:t>
-            </a:r>
-            <a:r>
-              <a:rPr lang="en-US" baseline="0" dirty="0" smtClean="0"/>
-              <a:t> that you can set…</a:t>
-            </a:r>
-          </a:p>
-          <a:p>
-            <a:r>
-              <a:rPr lang="en-US" dirty="0" err="1" smtClean="0"/>
-              <a:t>setTItleControl</a:t>
-            </a:r>
-            <a:r>
-              <a:rPr lang="en-US" dirty="0" smtClean="0"/>
-              <a:t>()</a:t>
-            </a:r>
-          </a:p>
-          <a:p>
-            <a:r>
-              <a:rPr lang="en-US" dirty="0" err="1" smtClean="0"/>
-              <a:t>setTitleImage</a:t>
-            </a:r>
-            <a:r>
-              <a:rPr lang="en-US" dirty="0" smtClean="0"/>
-              <a:t>()</a:t>
-            </a:r>
-          </a:p>
-          <a:p>
-            <a:r>
-              <a:rPr lang="en-US" dirty="0" err="1" smtClean="0"/>
-              <a:t>setTitle</a:t>
-            </a:r>
-            <a:r>
-              <a:rPr lang="en-US" dirty="0" smtClean="0"/>
-              <a:t>()</a:t>
+              <a:t>A Navigation Group implements a specialized view that manages the navigation of hierarchical content. A Navigation Group is very similar to Tab Bars with the exception that they do not maintain a group of windows with a interface bar at the bottom.</a:t>
             </a:r>
             <a:endParaRPr lang="en-US" dirty="0"/>
           </a:p>
@@ -3854,7 +5766,7 @@
             <a:fld id="{70027AD7-30C5-944D-9F16-1C4EC4C696FB}" type="slidenum">
               <a:rPr lang="en-US" smtClean="0"/>
               <a:pPr/>
-              <a:t>12</a:t>
+              <a:t>8</a:t>
             </a:fld>
             <a:endParaRPr lang="en-US"/>
           </a:p>
@@ -3916,57 +5828,7 @@
           <a:p>
             <a:r>
               <a:rPr lang="en-US" dirty="0" smtClean="0"/>
-              <a:t>On </a:t>
-            </a:r>
-            <a:r>
-              <a:rPr lang="en-US" dirty="0" err="1" smtClean="0"/>
-              <a:t>iPhone</a:t>
-            </a:r>
-            <a:r>
-              <a:rPr lang="en-US" dirty="0" smtClean="0"/>
-              <a:t>, a toolbar always appears at the bottom edge of a screen or view, but on </a:t>
-            </a:r>
-            <a:r>
-              <a:rPr lang="en-US" dirty="0" err="1" smtClean="0"/>
-              <a:t>iPad</a:t>
-            </a:r>
-            <a:r>
-              <a:rPr lang="en-US" dirty="0" smtClean="0"/>
-              <a:t> it can instead appear at the top edge.</a:t>
-            </a:r>
-          </a:p>
-          <a:p>
-            <a:endParaRPr lang="en-US" dirty="0" smtClean="0"/>
-          </a:p>
-          <a:p>
-            <a:r>
-              <a:rPr lang="en-US" dirty="0" smtClean="0"/>
-              <a:t>Toolbar items are displayed equally spaced across the width of the toolbar. The precise set of toolbar items can change from view to view, because the items are always specific to the context of the current view.</a:t>
-            </a:r>
-          </a:p>
-          <a:p>
-            <a:endParaRPr lang="en-US" dirty="0" smtClean="0"/>
-          </a:p>
-          <a:p>
-            <a:r>
-              <a:rPr lang="en-US" dirty="0" smtClean="0"/>
-              <a:t>On </a:t>
-            </a:r>
-            <a:r>
-              <a:rPr lang="en-US" dirty="0" err="1" smtClean="0"/>
-              <a:t>iPhone</a:t>
-            </a:r>
-            <a:r>
-              <a:rPr lang="en-US" dirty="0" smtClean="0"/>
-              <a:t>, changing the device orientation from portrait to landscape can change the height of the toolbar automatically. On </a:t>
-            </a:r>
-            <a:r>
-              <a:rPr lang="en-US" dirty="0" err="1" smtClean="0"/>
-              <a:t>iPad</a:t>
-            </a:r>
-            <a:r>
-              <a:rPr lang="en-US" dirty="0" smtClean="0"/>
-              <a:t>, the height and translucency of a toolbar does not change with rotation.</a:t>
+              <a:t>A navigation bar enables navigation through an information hierarchy and, optionally, management of screen contents.</a:t>
             </a:r>
           </a:p>
           <a:p>
@@ -3992,7 +5854,7 @@
             <a:fld id="{70027AD7-30C5-944D-9F16-1C4EC4C696FB}" type="slidenum">
               <a:rPr lang="en-US" smtClean="0"/>
               <a:pPr/>
-              <a:t>13</a:t>
+              <a:t>9</a:t>
             </a:fld>
             <a:endParaRPr lang="en-US"/>
           </a:p>
@@ -4192,7 +6054,7 @@
             <a:fld id="{65610AC5-4F80-4D49-849B-064EB0362ED0}" type="datetimeFigureOut">
               <a:rPr lang="en-US"/>
               <a:pPr/>
-              <a:t>7/17/11</a:t>
+              <a:t>7/22/11</a:t>
             </a:fld>
             <a:endParaRPr lang="en-US"/>
           </a:p>
@@ -4374,7 +6236,7 @@
             <a:fld id="{C21956C0-2DA4-AA4A-BD1B-CE578DF8924E}" type="datetimeFigureOut">
               <a:rPr lang="en-US"/>
               <a:pPr/>
-              <a:t>7/17/11</a:t>
+              <a:t>7/22/11</a:t>
             </a:fld>
             <a:endParaRPr lang="en-US"/>
           </a:p>
@@ -4566,7 +6428,7 @@
             <a:fld id="{2E323279-84F0-1742-979B-5A495ACAF8B9}" type="datetimeFigureOut">
               <a:rPr lang="en-US"/>
               <a:pPr/>
-              <a:t>7/17/11</a:t>
+              <a:t>7/22/11</a:t>
             </a:fld>
             <a:endParaRPr lang="en-US"/>
           </a:p>
@@ -5035,7 +6897,7 @@
             <a:fld id="{C21C49E2-900C-F44B-9AF2-7AB64C2B82F7}" type="datetimeFigureOut">
               <a:rPr lang="en-US" smtClean="0"/>
               <a:pPr/>
-              <a:t>7/17/11</a:t>
+              <a:t>7/22/11</a:t>
             </a:fld>
             <a:endParaRPr lang="en-US"/>
           </a:p>
@@ -5508,7 +7370,7 @@
             <a:fld id="{C21C49E2-900C-F44B-9AF2-7AB64C2B82F7}" type="datetimeFigureOut">
               <a:rPr lang="en-US" smtClean="0"/>
               <a:pPr/>
-              <a:t>7/17/11</a:t>
+              <a:t>7/22/11</a:t>
             </a:fld>
             <a:endParaRPr lang="en-US"/>
           </a:p>
@@ -6194,7 +8056,7 @@
             <a:fld id="{0D22A439-6614-B446-9D16-B5F70EF71BFA}" type="datetimeFigureOut">
               <a:rPr lang="en-US" smtClean="0"/>
               <a:pPr/>
-              <a:t>7/17/11</a:t>
+              <a:t>7/22/11</a:t>
             </a:fld>
             <a:endParaRPr lang="en-US"/>
           </a:p>
@@ -7129,7 +8991,7 @@
             <a:fld id="{1CB5975E-DF62-9A48-A2E7-5638CEC365B2}" type="datetimeFigureOut">
               <a:rPr lang="en-US" smtClean="0"/>
               <a:pPr/>
-              <a:t>7/17/11</a:t>
+              <a:t>7/22/11</a:t>
             </a:fld>
             <a:endParaRPr lang="en-US"/>
           </a:p>
@@ -7840,7 +9702,7 @@
             <a:fld id="{B329E473-3D42-1C40-8B91-2505491E2FFA}" type="datetimeFigureOut">
               <a:rPr lang="en-US" smtClean="0"/>
               <a:pPr/>
-              <a:t>7/17/11</a:t>
+              <a:t>7/22/11</a:t>
             </a:fld>
             <a:endParaRPr lang="en-US"/>
           </a:p>
@@ -8676,7 +10538,7 @@
             <a:fld id="{4B7BC138-419C-4A45-9F01-F3C9D14EEE61}" type="datetimeFigureOut">
               <a:rPr lang="en-US" smtClean="0"/>
               <a:pPr/>
-              <a:t>7/17/11</a:t>
+              <a:t>7/22/11</a:t>
             </a:fld>
             <a:endParaRPr lang="en-US"/>
           </a:p>
@@ -9208,7 +11070,7 @@
             <a:fld id="{3944242E-BA85-B749-A476-D8B3FC5A9648}" type="datetimeFigureOut">
               <a:rPr lang="en-US" smtClean="0"/>
               <a:pPr/>
-              <a:t>7/17/11</a:t>
+              <a:t>7/22/11</a:t>
             </a:fld>
             <a:endParaRPr lang="en-US"/>
           </a:p>
@@ -9717,7 +11579,7 @@
             <a:fld id="{5955D890-92A9-AB47-86BF-FF8F54BEFA19}" type="datetimeFigureOut">
               <a:rPr lang="en-US" smtClean="0"/>
               <a:pPr/>
-              <a:t>7/17/11</a:t>
+              <a:t>7/22/11</a:t>
             </a:fld>
             <a:endParaRPr lang="en-US"/>
           </a:p>
@@ -10109,7 +11971,7 @@
             <a:fld id="{002073BD-5005-2E48-9205-6533EC3D72CF}" type="datetimeFigureOut">
               <a:rPr lang="en-US"/>
               <a:pPr/>
-              <a:t>7/17/11</a:t>
+              <a:t>7/22/11</a:t>
             </a:fld>
             <a:endParaRPr lang="en-US"/>
           </a:p>
@@ -10590,7 +12452,7 @@
             <a:fld id="{82555A44-EEF2-B34E-8F6F-9D9FC37ACDC9}" type="datetimeFigureOut">
               <a:rPr lang="en-US" smtClean="0"/>
               <a:pPr/>
-              <a:t>7/17/11</a:t>
+              <a:t>7/22/11</a:t>
             </a:fld>
             <a:endParaRPr lang="en-US"/>
           </a:p>
@@ -11264,7 +13126,7 @@
             <a:fld id="{E9BCCD58-8C7B-DE49-90D1-15D8897FF2BD}" type="datetimeFigureOut">
               <a:rPr lang="en-US" smtClean="0"/>
               <a:pPr/>
-              <a:t>7/17/11</a:t>
+              <a:t>7/22/11</a:t>
             </a:fld>
             <a:endParaRPr lang="en-US"/>
           </a:p>
@@ -11848,7 +13710,7 @@
             <a:fld id="{C238391A-440B-8440-9CE0-28761352B374}" type="datetimeFigureOut">
               <a:rPr lang="en-US" smtClean="0"/>
               <a:pPr/>
-              <a:t>7/17/11</a:t>
+              <a:t>7/22/11</a:t>
             </a:fld>
             <a:endParaRPr lang="en-US"/>
           </a:p>
@@ -12442,7 +14304,7 @@
             <a:fld id="{15848027-F57A-984C-A630-30E5DBD74461}" type="datetimeFigureOut">
               <a:rPr lang="en-US" smtClean="0"/>
               <a:pPr/>
-              <a:t>7/17/11</a:t>
+              <a:t>7/22/11</a:t>
             </a:fld>
             <a:endParaRPr lang="en-US"/>
           </a:p>
@@ -13080,7 +14942,7 @@
             <a:fld id="{857958A7-FD46-784F-9082-84513C0A1289}" type="datetimeFigureOut">
               <a:rPr lang="en-US"/>
               <a:pPr/>
-              <a:t>7/17/11</a:t>
+              <a:t>7/22/11</a:t>
             </a:fld>
             <a:endParaRPr lang="en-US"/>
           </a:p>
@@ -13474,7 +15336,7 @@
             <a:fld id="{6B085ED7-E8E3-1D4F-B720-E56BB4A6CEBE}" type="datetimeFigureOut">
               <a:rPr lang="en-US"/>
               <a:pPr/>
-              <a:t>7/17/11</a:t>
+              <a:t>7/22/11</a:t>
             </a:fld>
             <a:endParaRPr lang="en-US"/>
           </a:p>
@@ -13732,7 +15594,7 @@
             <a:fld id="{60E9BD8D-6D69-3B46-A6E2-D4A4BF043F7E}" type="datetimeFigureOut">
               <a:rPr lang="en-US"/>
               <a:pPr/>
-              <a:t>7/17/11</a:t>
+              <a:t>7/22/11</a:t>
             </a:fld>
             <a:endParaRPr lang="en-US"/>
           </a:p>
@@ -14032,7 +15894,7 @@
             <a:fld id="{F29F39DF-3446-4A4C-811E-0B95B92DC5A3}" type="datetimeFigureOut">
               <a:rPr lang="en-US"/>
               <a:pPr/>
-              <a:t>7/17/11</a:t>
+              <a:t>7/22/11</a:t>
             </a:fld>
             <a:endParaRPr lang="en-US"/>
           </a:p>
@@ -14466,7 +16328,7 @@
             <a:fld id="{BBFDE915-C36A-194D-8CEC-50C86F0D1ABC}" type="datetimeFigureOut">
               <a:rPr lang="en-US"/>
               <a:pPr/>
-              <a:t>7/17/11</a:t>
+              <a:t>7/22/11</a:t>
             </a:fld>
             <a:endParaRPr lang="en-US"/>
           </a:p>
@@ -14596,7 +16458,7 @@
             <a:fld id="{74C5D97A-789B-A84D-BF89-CD3989B51F51}" type="datetimeFigureOut">
               <a:rPr lang="en-US"/>
               <a:pPr/>
-              <a:t>7/17/11</a:t>
+              <a:t>7/22/11</a:t>
             </a:fld>
             <a:endParaRPr lang="en-US"/>
           </a:p>
@@ -14703,7 +16565,7 @@
             <a:fld id="{159A7863-8B7F-D745-BF8E-908C432A8764}" type="datetimeFigureOut">
               <a:rPr lang="en-US"/>
               <a:pPr/>
-              <a:t>7/17/11</a:t>
+              <a:t>7/22/11</a:t>
             </a:fld>
             <a:endParaRPr lang="en-US"/>
           </a:p>
@@ -14992,7 +16854,7 @@
             <a:fld id="{1B21D99D-3E65-E64A-B075-FD1C0CAB92CF}" type="datetimeFigureOut">
               <a:rPr lang="en-US"/>
               <a:pPr/>
-              <a:t>7/17/11</a:t>
+              <a:t>7/22/11</a:t>
             </a:fld>
             <a:endParaRPr lang="en-US"/>
           </a:p>
@@ -15260,7 +17122,7 @@
             <a:fld id="{0644EB7B-C93C-B543-93EF-AF7E0BD215C1}" type="datetimeFigureOut">
               <a:rPr lang="en-US"/>
               <a:pPr/>
-              <a:t>7/17/11</a:t>
+              <a:t>7/22/11</a:t>
             </a:fld>
             <a:endParaRPr lang="en-US"/>
           </a:p>
@@ -15500,7 +17362,7 @@
             <a:fld id="{8002B79A-232D-E44A-B671-78BA6C471EBA}" type="datetimeFigureOut">
               <a:rPr lang="en-US"/>
               <a:pPr/>
-              <a:t>7/17/11</a:t>
+              <a:t>7/22/11</a:t>
             </a:fld>
             <a:endParaRPr lang="en-US"/>
           </a:p>
@@ -16165,7 +18027,7 @@
             <a:fld id="{8002B79A-232D-E44A-B671-78BA6C471EBA}" type="datetimeFigureOut">
               <a:rPr lang="en-US" smtClean="0"/>
               <a:pPr/>
-              <a:t>7/17/11</a:t>
+              <a:t>7/22/11</a:t>
             </a:fld>
             <a:endParaRPr lang="en-US"/>
           </a:p>
@@ -17262,7 +19124,7 @@
           <p:nvPr/>
         </p:nvPicPr>
         <p:blipFill>
-          <a:blip r:embed="rId2"/>
+          <a:blip r:embed="rId3"/>
           <a:stretch>
             <a:fillRect/>
           </a:stretch>
@@ -17286,7 +19148,7 @@
           <p:nvPr/>
         </p:nvPicPr>
         <p:blipFill>
-          <a:blip r:embed="rId3"/>
+          <a:blip r:embed="rId4"/>
           <a:stretch>
             <a:fillRect/>
           </a:stretch>
@@ -17365,7 +19227,7 @@
           <p:nvPr/>
         </p:nvPicPr>
         <p:blipFill>
-          <a:blip r:embed="rId2"/>
+          <a:blip r:embed="rId3"/>
           <a:stretch>
             <a:fillRect/>
           </a:stretch>
@@ -17389,7 +19251,7 @@
           <p:nvPr/>
         </p:nvPicPr>
         <p:blipFill>
-          <a:blip r:embed="rId3"/>
+          <a:blip r:embed="rId4"/>
           <a:stretch>
             <a:fillRect/>
           </a:stretch>
@@ -17413,7 +19275,7 @@
           <p:nvPr/>
         </p:nvPicPr>
         <p:blipFill>
-          <a:blip r:embed="rId4"/>
+          <a:blip r:embed="rId5"/>
           <a:stretch>
             <a:fillRect/>
           </a:stretch>
@@ -17437,7 +19299,7 @@
           <p:nvPr/>
         </p:nvPicPr>
         <p:blipFill>
-          <a:blip r:embed="rId5"/>
+          <a:blip r:embed="rId6"/>
           <a:stretch>
             <a:fillRect/>
           </a:stretch>
@@ -19247,7 +21109,7 @@
           <p:nvPr/>
         </p:nvPicPr>
         <p:blipFill>
-          <a:blip r:embed="rId2"/>
+          <a:blip r:embed="rId3"/>
           <a:stretch>
             <a:fillRect/>
           </a:stretch>
@@ -19719,7 +21581,7 @@
           <p:nvPr/>
         </p:nvPicPr>
         <p:blipFill>
-          <a:blip r:embed="rId2"/>
+          <a:blip r:embed="rId3"/>
           <a:stretch>
             <a:fillRect/>
           </a:stretch>
@@ -19743,7 +21605,7 @@
           <p:nvPr/>
         </p:nvPicPr>
         <p:blipFill>
-          <a:blip r:embed="rId3"/>
+          <a:blip r:embed="rId4"/>
           <a:stretch>
             <a:fillRect/>
           </a:stretch>
@@ -19767,7 +21629,7 @@
           <p:nvPr/>
         </p:nvPicPr>
         <p:blipFill>
-          <a:blip r:embed="rId4"/>
+          <a:blip r:embed="rId5"/>
           <a:stretch>
             <a:fillRect/>
           </a:stretch>
@@ -19905,7 +21767,7 @@
           <p:nvPr/>
         </p:nvPicPr>
         <p:blipFill>
-          <a:blip r:embed="rId2"/>
+          <a:blip r:embed="rId3"/>
           <a:stretch>
             <a:fillRect/>
           </a:stretch>
@@ -19929,7 +21791,7 @@
           <p:nvPr/>
         </p:nvPicPr>
         <p:blipFill>
-          <a:blip r:embed="rId3"/>
+          <a:blip r:embed="rId4"/>
           <a:stretch>
             <a:fillRect/>
           </a:stretch>
@@ -20077,7 +21939,7 @@
           <p:nvPr/>
         </p:nvPicPr>
         <p:blipFill>
-          <a:blip r:embed="rId2"/>
+          <a:blip r:embed="rId3"/>
           <a:stretch>
             <a:fillRect/>
           </a:stretch>
@@ -20101,7 +21963,7 @@
           <p:nvPr/>
         </p:nvPicPr>
         <p:blipFill>
-          <a:blip r:embed="rId3"/>
+          <a:blip r:embed="rId4"/>
           <a:stretch>
             <a:fillRect/>
           </a:stretch>
@@ -20125,7 +21987,7 @@
           <p:nvPr/>
         </p:nvPicPr>
         <p:blipFill>
-          <a:blip r:embed="rId3"/>
+          <a:blip r:embed="rId4"/>
           <a:stretch>
             <a:fillRect/>
           </a:stretch>
@@ -20197,7 +22059,7 @@
           <p:nvPr/>
         </p:nvPicPr>
         <p:blipFill>
-          <a:blip r:embed="rId2"/>
+          <a:blip r:embed="rId3"/>
           <a:stretch>
             <a:fillRect/>
           </a:stretch>
@@ -20221,7 +22083,7 @@
           <p:nvPr/>
         </p:nvPicPr>
         <p:blipFill>
-          <a:blip r:embed="rId3"/>
+          <a:blip r:embed="rId4"/>
           <a:stretch>
             <a:fillRect/>
           </a:stretch>
@@ -20869,7 +22731,7 @@
           <p:nvPr/>
         </p:nvPicPr>
         <p:blipFill>
-          <a:blip r:embed="rId2"/>
+          <a:blip r:embed="rId3"/>
           <a:stretch>
             <a:fillRect/>
           </a:stretch>
@@ -23958,7 +25820,7 @@
           <p:nvPr/>
         </p:nvPicPr>
         <p:blipFill>
-          <a:blip r:embed="rId2"/>
+          <a:blip r:embed="rId3"/>
           <a:stretch>
             <a:fillRect/>
           </a:stretch>
@@ -23982,7 +25844,7 @@
           <p:nvPr/>
         </p:nvPicPr>
         <p:blipFill>
-          <a:blip r:embed="rId3"/>
+          <a:blip r:embed="rId4"/>
           <a:stretch>
             <a:fillRect/>
           </a:stretch>
@@ -24006,7 +25868,7 @@
           <p:nvPr/>
         </p:nvPicPr>
         <p:blipFill>
-          <a:blip r:embed="rId4"/>
+          <a:blip r:embed="rId5"/>
           <a:stretch>
             <a:fillRect/>
           </a:stretch>
@@ -24030,7 +25892,7 @@
           <p:nvPr/>
         </p:nvPicPr>
         <p:blipFill>
-          <a:blip r:embed="rId5"/>
+          <a:blip r:embed="rId6"/>
           <a:stretch>
             <a:fillRect/>
           </a:stretch>
@@ -24054,7 +25916,7 @@
           <p:nvPr/>
         </p:nvPicPr>
         <p:blipFill>
-          <a:blip r:embed="rId6"/>
+          <a:blip r:embed="rId7"/>
           <a:stretch>
             <a:fillRect/>
           </a:stretch>
@@ -24078,7 +25940,7 @@
           <p:nvPr/>
         </p:nvPicPr>
         <p:blipFill>
-          <a:blip r:embed="rId7"/>
+          <a:blip r:embed="rId8"/>
           <a:stretch>
             <a:fillRect/>
           </a:stretch>
@@ -24102,7 +25964,7 @@
           <p:nvPr/>
         </p:nvPicPr>
         <p:blipFill>
-          <a:blip r:embed="rId8"/>
+          <a:blip r:embed="rId9"/>
           <a:stretch>
             <a:fillRect/>
           </a:stretch>
@@ -26913,6 +28775,13 @@
   <p:clrMapOvr>
     <a:masterClrMapping/>
   </p:clrMapOvr>
+  <p:timing>
+    <p:tnLst>
+      <p:par>
+        <p:cTn xmlns:p14="http://schemas.microsoft.com/office/powerpoint/2010/main" id="1" dur="indefinite" restart="never" nodeType="tmRoot"/>
+      </p:par>
+    </p:tnLst>
+  </p:timing>
 </p:sld>
 </file>
 
@@ -27323,11 +29192,58 @@
           </a:p>
         </p:txBody>
       </p:sp>
+      <p:pic>
+        <p:nvPicPr>
+          <p:cNvPr id="2" name="Picture 1" descr="cropped.png"/>
+          <p:cNvPicPr>
+            <a:picLocks noChangeAspect="1"/>
+          </p:cNvPicPr>
+          <p:nvPr/>
+        </p:nvPicPr>
+        <p:blipFill>
+          <a:blip r:embed="rId3">
+            <a:extLst>
+              <a:ext uri="{28A0092B-C50C-407E-A947-70E740481C1C}">
+                <a14:useLocalDpi xmlns:a14="http://schemas.microsoft.com/office/drawing/2010/main" val="0"/>
+              </a:ext>
+            </a:extLst>
+          </a:blip>
+          <a:stretch>
+            <a:fillRect/>
+          </a:stretch>
+        </p:blipFill>
+        <p:spPr>
+          <a:xfrm>
+            <a:off x="6592637" y="3340100"/>
+            <a:ext cx="4648200" cy="1625600"/>
+          </a:xfrm>
+          <a:prstGeom prst="rect">
+            <a:avLst/>
+          </a:prstGeom>
+          <a:ln>
+            <a:noFill/>
+          </a:ln>
+          <a:effectLst>
+            <a:outerShdw blurRad="292100" dist="139700" dir="2700000" algn="tl" rotWithShape="0">
+              <a:srgbClr val="333333">
+                <a:alpha val="65000"/>
+              </a:srgbClr>
+            </a:outerShdw>
+          </a:effectLst>
+        </p:spPr>
+      </p:pic>
     </p:spTree>
   </p:cSld>
   <p:clrMapOvr>
     <a:masterClrMapping/>
   </p:clrMapOvr>
+  <p:timing>
+    <p:tnLst>
+      <p:par>
+        <p:cTn xmlns:p14="http://schemas.microsoft.com/office/powerpoint/2010/main" id="1" dur="indefinite" restart="never" nodeType="tmRoot"/>
+      </p:par>
+    </p:tnLst>
+  </p:timing>
 </p:sld>
 </file>
 
@@ -27730,6 +29646,13 @@
   <p:clrMapOvr>
     <a:masterClrMapping/>
   </p:clrMapOvr>
+  <p:timing>
+    <p:tnLst>
+      <p:par>
+        <p:cTn xmlns:p14="http://schemas.microsoft.com/office/powerpoint/2010/main" id="1" dur="indefinite" restart="never" nodeType="tmRoot"/>
+      </p:par>
+    </p:tnLst>
+  </p:timing>
 </p:sld>
 </file>
 
@@ -28132,6 +30055,13 @@
   <p:clrMapOvr>
     <a:masterClrMapping/>
   </p:clrMapOvr>
+  <p:timing>
+    <p:tnLst>
+      <p:par>
+        <p:cTn xmlns:p14="http://schemas.microsoft.com/office/powerpoint/2010/main" id="1" dur="indefinite" restart="never" nodeType="tmRoot"/>
+      </p:par>
+    </p:tnLst>
+  </p:timing>
 </p:sld>
 </file>
 
@@ -29262,7 +31192,7 @@
           <p:nvPr/>
         </p:nvPicPr>
         <p:blipFill>
-          <a:blip r:embed="rId2"/>
+          <a:blip r:embed="rId3"/>
           <a:stretch>
             <a:fillRect/>
           </a:stretch>
@@ -29391,6 +31321,108 @@
 </file>
 
 <file path=ppt/slides/slide53.xml><?xml version="1.0" encoding="utf-8"?>
+<p:sld xmlns:a="http://schemas.openxmlformats.org/drawingml/2006/main" xmlns:r="http://schemas.openxmlformats.org/officeDocument/2006/relationships" xmlns:p="http://schemas.openxmlformats.org/presentationml/2006/main">
+  <p:cSld>
+    <p:spTree>
+      <p:nvGrpSpPr>
+        <p:cNvPr id="1" name=""/>
+        <p:cNvGrpSpPr/>
+        <p:nvPr/>
+      </p:nvGrpSpPr>
+      <p:grpSpPr>
+        <a:xfrm>
+          <a:off x="0" y="0"/>
+          <a:ext cx="0" cy="0"/>
+          <a:chOff x="0" y="0"/>
+          <a:chExt cx="0" cy="0"/>
+        </a:xfrm>
+      </p:grpSpPr>
+      <p:sp>
+        <p:nvSpPr>
+          <p:cNvPr id="2" name="Title 1"/>
+          <p:cNvSpPr>
+            <a:spLocks noGrp="1"/>
+          </p:cNvSpPr>
+          <p:nvPr>
+            <p:ph type="title"/>
+          </p:nvPr>
+        </p:nvSpPr>
+        <p:spPr>
+          <a:xfrm>
+            <a:off x="457199" y="205581"/>
+            <a:ext cx="8459537" cy="808038"/>
+          </a:xfrm>
+        </p:spPr>
+        <p:txBody>
+          <a:bodyPr/>
+          <a:lstStyle/>
+          <a:p>
+            <a:r>
+              <a:rPr lang="en-US" dirty="0" smtClean="0"/>
+              <a:t>Lab Goals</a:t>
+            </a:r>
+            <a:endParaRPr lang="en-US" dirty="0"/>
+          </a:p>
+        </p:txBody>
+      </p:sp>
+      <p:sp>
+        <p:nvSpPr>
+          <p:cNvPr id="3" name="Content Placeholder 2"/>
+          <p:cNvSpPr>
+            <a:spLocks noGrp="1"/>
+          </p:cNvSpPr>
+          <p:nvPr>
+            <p:ph idx="1"/>
+          </p:nvPr>
+        </p:nvSpPr>
+        <p:spPr/>
+        <p:txBody>
+          <a:bodyPr/>
+          <a:lstStyle/>
+          <a:p>
+            <a:r>
+              <a:rPr lang="en-US" dirty="0" smtClean="0"/>
+              <a:t>Add settings to an </a:t>
+            </a:r>
+            <a:r>
+              <a:rPr lang="en-US" dirty="0" err="1" smtClean="0"/>
+              <a:t>iOS</a:t>
+            </a:r>
+            <a:r>
+              <a:rPr lang="en-US" dirty="0" smtClean="0"/>
+              <a:t> application</a:t>
+            </a:r>
+          </a:p>
+          <a:p>
+            <a:endParaRPr lang="en-US" dirty="0"/>
+          </a:p>
+          <a:p>
+            <a:r>
+              <a:rPr lang="en-US" dirty="0" smtClean="0"/>
+              <a:t>Demo and </a:t>
+            </a:r>
+            <a:r>
+              <a:rPr lang="en-US" smtClean="0"/>
+              <a:t>wiki location</a:t>
+            </a:r>
+            <a:endParaRPr lang="en-US" dirty="0"/>
+          </a:p>
+        </p:txBody>
+      </p:sp>
+    </p:spTree>
+    <p:extLst>
+      <p:ext uri="{BB962C8B-B14F-4D97-AF65-F5344CB8AC3E}">
+        <p14:creationId xmlns:p14="http://schemas.microsoft.com/office/powerpoint/2010/main" val="561576672"/>
+      </p:ext>
+    </p:extLst>
+  </p:cSld>
+  <p:clrMapOvr>
+    <a:masterClrMapping/>
+  </p:clrMapOvr>
+</p:sld>
+</file>
+
+<file path=ppt/slides/slide54.xml><?xml version="1.0" encoding="utf-8"?>
 <p:sld xmlns:a="http://schemas.openxmlformats.org/drawingml/2006/main" xmlns:r="http://schemas.openxmlformats.org/officeDocument/2006/relationships" xmlns:p="http://schemas.openxmlformats.org/presentationml/2006/main">
   <p:cSld>
     <p:spTree>

--- a/360.pptx
+++ b/360.pptx
@@ -290,7 +290,7 @@
             <a:fld id="{ECAD9C49-E13F-0847-87C2-2806BC5BA001}" type="datetimeFigureOut">
               <a:rPr lang="en-US"/>
               <a:pPr/>
-              <a:t>7/22/11</a:t>
+              <a:t>7/26/11</a:t>
             </a:fld>
             <a:endParaRPr lang="en-US"/>
           </a:p>
@@ -477,7 +477,7 @@
             <a:fld id="{E3347076-6F8B-AA42-91FC-CE0CB5BC8F84}" type="datetimeFigureOut">
               <a:rPr lang="en-US"/>
               <a:pPr/>
-              <a:t>7/22/11</a:t>
+              <a:t>7/26/11</a:t>
             </a:fld>
             <a:endParaRPr lang="en-US"/>
           </a:p>
@@ -4599,15 +4599,7 @@
           <a:p>
             <a:r>
               <a:rPr lang="en-US" dirty="0" smtClean="0"/>
-              <a:t>When you programmatically scroll to a </a:t>
-            </a:r>
-            <a:r>
-              <a:rPr lang="en-US" dirty="0" smtClean="0"/>
-              <a:t>row within </a:t>
-            </a:r>
-            <a:r>
-              <a:rPr lang="en-US" dirty="0" smtClean="0"/>
-              <a:t>a </a:t>
+              <a:t>When you programmatically scroll to a row within a </a:t>
             </a:r>
             <a:r>
               <a:rPr lang="en-US" dirty="0" err="1" smtClean="0"/>
@@ -4615,19 +4607,7 @@
             </a:r>
             <a:r>
               <a:rPr lang="en-US" dirty="0" smtClean="0"/>
-              <a:t>, this constant controls </a:t>
-            </a:r>
-            <a:r>
-              <a:rPr lang="en-US" dirty="0" smtClean="0"/>
-              <a:t>what portion of that </a:t>
-            </a:r>
-            <a:r>
-              <a:rPr lang="en-US" dirty="0" smtClean="0"/>
-              <a:t>target row is </a:t>
-            </a:r>
-            <a:r>
-              <a:rPr lang="en-US" dirty="0" smtClean="0"/>
-              <a:t>shown</a:t>
+              <a:t>, this constant controls what portion of that target row is shown</a:t>
             </a:r>
           </a:p>
           <a:p>
@@ -5341,11 +5321,19 @@
           <a:p>
             <a:r>
               <a:rPr lang="en-US" dirty="0" smtClean="0"/>
-              <a:t>Let’s create a background service to poll a server for </a:t>
+              <a:t>There is no specific </a:t>
+            </a:r>
+            <a:r>
+              <a:rPr lang="en-US" dirty="0" err="1" smtClean="0"/>
+              <a:t>TiBountyHunter</a:t>
+            </a:r>
+            <a:r>
+              <a:rPr lang="en-US" dirty="0" smtClean="0"/>
+              <a:t> tie-in </a:t>
             </a:r>
             <a:r>
               <a:rPr lang="en-US" smtClean="0"/>
-              <a:t>new fugitives.</a:t>
+              <a:t>for this lab</a:t>
             </a:r>
             <a:endParaRPr lang="en-US" dirty="0"/>
           </a:p>
@@ -6054,7 +6042,7 @@
             <a:fld id="{65610AC5-4F80-4D49-849B-064EB0362ED0}" type="datetimeFigureOut">
               <a:rPr lang="en-US"/>
               <a:pPr/>
-              <a:t>7/22/11</a:t>
+              <a:t>7/26/11</a:t>
             </a:fld>
             <a:endParaRPr lang="en-US"/>
           </a:p>
@@ -6236,7 +6224,7 @@
             <a:fld id="{C21956C0-2DA4-AA4A-BD1B-CE578DF8924E}" type="datetimeFigureOut">
               <a:rPr lang="en-US"/>
               <a:pPr/>
-              <a:t>7/22/11</a:t>
+              <a:t>7/26/11</a:t>
             </a:fld>
             <a:endParaRPr lang="en-US"/>
           </a:p>
@@ -6428,7 +6416,7 @@
             <a:fld id="{2E323279-84F0-1742-979B-5A495ACAF8B9}" type="datetimeFigureOut">
               <a:rPr lang="en-US"/>
               <a:pPr/>
-              <a:t>7/22/11</a:t>
+              <a:t>7/26/11</a:t>
             </a:fld>
             <a:endParaRPr lang="en-US"/>
           </a:p>
@@ -6897,7 +6885,7 @@
             <a:fld id="{C21C49E2-900C-F44B-9AF2-7AB64C2B82F7}" type="datetimeFigureOut">
               <a:rPr lang="en-US" smtClean="0"/>
               <a:pPr/>
-              <a:t>7/22/11</a:t>
+              <a:t>7/26/11</a:t>
             </a:fld>
             <a:endParaRPr lang="en-US"/>
           </a:p>
@@ -7370,7 +7358,7 @@
             <a:fld id="{C21C49E2-900C-F44B-9AF2-7AB64C2B82F7}" type="datetimeFigureOut">
               <a:rPr lang="en-US" smtClean="0"/>
               <a:pPr/>
-              <a:t>7/22/11</a:t>
+              <a:t>7/26/11</a:t>
             </a:fld>
             <a:endParaRPr lang="en-US"/>
           </a:p>
@@ -8056,7 +8044,7 @@
             <a:fld id="{0D22A439-6614-B446-9D16-B5F70EF71BFA}" type="datetimeFigureOut">
               <a:rPr lang="en-US" smtClean="0"/>
               <a:pPr/>
-              <a:t>7/22/11</a:t>
+              <a:t>7/26/11</a:t>
             </a:fld>
             <a:endParaRPr lang="en-US"/>
           </a:p>
@@ -8991,7 +8979,7 @@
             <a:fld id="{1CB5975E-DF62-9A48-A2E7-5638CEC365B2}" type="datetimeFigureOut">
               <a:rPr lang="en-US" smtClean="0"/>
               <a:pPr/>
-              <a:t>7/22/11</a:t>
+              <a:t>7/26/11</a:t>
             </a:fld>
             <a:endParaRPr lang="en-US"/>
           </a:p>
@@ -9702,7 +9690,7 @@
             <a:fld id="{B329E473-3D42-1C40-8B91-2505491E2FFA}" type="datetimeFigureOut">
               <a:rPr lang="en-US" smtClean="0"/>
               <a:pPr/>
-              <a:t>7/22/11</a:t>
+              <a:t>7/26/11</a:t>
             </a:fld>
             <a:endParaRPr lang="en-US"/>
           </a:p>
@@ -10538,7 +10526,7 @@
             <a:fld id="{4B7BC138-419C-4A45-9F01-F3C9D14EEE61}" type="datetimeFigureOut">
               <a:rPr lang="en-US" smtClean="0"/>
               <a:pPr/>
-              <a:t>7/22/11</a:t>
+              <a:t>7/26/11</a:t>
             </a:fld>
             <a:endParaRPr lang="en-US"/>
           </a:p>
@@ -11070,7 +11058,7 @@
             <a:fld id="{3944242E-BA85-B749-A476-D8B3FC5A9648}" type="datetimeFigureOut">
               <a:rPr lang="en-US" smtClean="0"/>
               <a:pPr/>
-              <a:t>7/22/11</a:t>
+              <a:t>7/26/11</a:t>
             </a:fld>
             <a:endParaRPr lang="en-US"/>
           </a:p>
@@ -11579,7 +11567,7 @@
             <a:fld id="{5955D890-92A9-AB47-86BF-FF8F54BEFA19}" type="datetimeFigureOut">
               <a:rPr lang="en-US" smtClean="0"/>
               <a:pPr/>
-              <a:t>7/22/11</a:t>
+              <a:t>7/26/11</a:t>
             </a:fld>
             <a:endParaRPr lang="en-US"/>
           </a:p>
@@ -11971,7 +11959,7 @@
             <a:fld id="{002073BD-5005-2E48-9205-6533EC3D72CF}" type="datetimeFigureOut">
               <a:rPr lang="en-US"/>
               <a:pPr/>
-              <a:t>7/22/11</a:t>
+              <a:t>7/26/11</a:t>
             </a:fld>
             <a:endParaRPr lang="en-US"/>
           </a:p>
@@ -12452,7 +12440,7 @@
             <a:fld id="{82555A44-EEF2-B34E-8F6F-9D9FC37ACDC9}" type="datetimeFigureOut">
               <a:rPr lang="en-US" smtClean="0"/>
               <a:pPr/>
-              <a:t>7/22/11</a:t>
+              <a:t>7/26/11</a:t>
             </a:fld>
             <a:endParaRPr lang="en-US"/>
           </a:p>
@@ -13126,7 +13114,7 @@
             <a:fld id="{E9BCCD58-8C7B-DE49-90D1-15D8897FF2BD}" type="datetimeFigureOut">
               <a:rPr lang="en-US" smtClean="0"/>
               <a:pPr/>
-              <a:t>7/22/11</a:t>
+              <a:t>7/26/11</a:t>
             </a:fld>
             <a:endParaRPr lang="en-US"/>
           </a:p>
@@ -13710,7 +13698,7 @@
             <a:fld id="{C238391A-440B-8440-9CE0-28761352B374}" type="datetimeFigureOut">
               <a:rPr lang="en-US" smtClean="0"/>
               <a:pPr/>
-              <a:t>7/22/11</a:t>
+              <a:t>7/26/11</a:t>
             </a:fld>
             <a:endParaRPr lang="en-US"/>
           </a:p>
@@ -14304,7 +14292,7 @@
             <a:fld id="{15848027-F57A-984C-A630-30E5DBD74461}" type="datetimeFigureOut">
               <a:rPr lang="en-US" smtClean="0"/>
               <a:pPr/>
-              <a:t>7/22/11</a:t>
+              <a:t>7/26/11</a:t>
             </a:fld>
             <a:endParaRPr lang="en-US"/>
           </a:p>
@@ -14942,7 +14930,7 @@
             <a:fld id="{857958A7-FD46-784F-9082-84513C0A1289}" type="datetimeFigureOut">
               <a:rPr lang="en-US"/>
               <a:pPr/>
-              <a:t>7/22/11</a:t>
+              <a:t>7/26/11</a:t>
             </a:fld>
             <a:endParaRPr lang="en-US"/>
           </a:p>
@@ -15336,7 +15324,7 @@
             <a:fld id="{6B085ED7-E8E3-1D4F-B720-E56BB4A6CEBE}" type="datetimeFigureOut">
               <a:rPr lang="en-US"/>
               <a:pPr/>
-              <a:t>7/22/11</a:t>
+              <a:t>7/26/11</a:t>
             </a:fld>
             <a:endParaRPr lang="en-US"/>
           </a:p>
@@ -15594,7 +15582,7 @@
             <a:fld id="{60E9BD8D-6D69-3B46-A6E2-D4A4BF043F7E}" type="datetimeFigureOut">
               <a:rPr lang="en-US"/>
               <a:pPr/>
-              <a:t>7/22/11</a:t>
+              <a:t>7/26/11</a:t>
             </a:fld>
             <a:endParaRPr lang="en-US"/>
           </a:p>
@@ -15894,7 +15882,7 @@
             <a:fld id="{F29F39DF-3446-4A4C-811E-0B95B92DC5A3}" type="datetimeFigureOut">
               <a:rPr lang="en-US"/>
               <a:pPr/>
-              <a:t>7/22/11</a:t>
+              <a:t>7/26/11</a:t>
             </a:fld>
             <a:endParaRPr lang="en-US"/>
           </a:p>
@@ -16328,7 +16316,7 @@
             <a:fld id="{BBFDE915-C36A-194D-8CEC-50C86F0D1ABC}" type="datetimeFigureOut">
               <a:rPr lang="en-US"/>
               <a:pPr/>
-              <a:t>7/22/11</a:t>
+              <a:t>7/26/11</a:t>
             </a:fld>
             <a:endParaRPr lang="en-US"/>
           </a:p>
@@ -16458,7 +16446,7 @@
             <a:fld id="{74C5D97A-789B-A84D-BF89-CD3989B51F51}" type="datetimeFigureOut">
               <a:rPr lang="en-US"/>
               <a:pPr/>
-              <a:t>7/22/11</a:t>
+              <a:t>7/26/11</a:t>
             </a:fld>
             <a:endParaRPr lang="en-US"/>
           </a:p>
@@ -16565,7 +16553,7 @@
             <a:fld id="{159A7863-8B7F-D745-BF8E-908C432A8764}" type="datetimeFigureOut">
               <a:rPr lang="en-US"/>
               <a:pPr/>
-              <a:t>7/22/11</a:t>
+              <a:t>7/26/11</a:t>
             </a:fld>
             <a:endParaRPr lang="en-US"/>
           </a:p>
@@ -16854,7 +16842,7 @@
             <a:fld id="{1B21D99D-3E65-E64A-B075-FD1C0CAB92CF}" type="datetimeFigureOut">
               <a:rPr lang="en-US"/>
               <a:pPr/>
-              <a:t>7/22/11</a:t>
+              <a:t>7/26/11</a:t>
             </a:fld>
             <a:endParaRPr lang="en-US"/>
           </a:p>
@@ -17122,7 +17110,7 @@
             <a:fld id="{0644EB7B-C93C-B543-93EF-AF7E0BD215C1}" type="datetimeFigureOut">
               <a:rPr lang="en-US"/>
               <a:pPr/>
-              <a:t>7/22/11</a:t>
+              <a:t>7/26/11</a:t>
             </a:fld>
             <a:endParaRPr lang="en-US"/>
           </a:p>
@@ -17362,7 +17350,7 @@
             <a:fld id="{8002B79A-232D-E44A-B671-78BA6C471EBA}" type="datetimeFigureOut">
               <a:rPr lang="en-US"/>
               <a:pPr/>
-              <a:t>7/22/11</a:t>
+              <a:t>7/26/11</a:t>
             </a:fld>
             <a:endParaRPr lang="en-US"/>
           </a:p>
@@ -18027,7 +18015,7 @@
             <a:fld id="{8002B79A-232D-E44A-B671-78BA6C471EBA}" type="datetimeFigureOut">
               <a:rPr lang="en-US" smtClean="0"/>
               <a:pPr/>
-              <a:t>7/22/11</a:t>
+              <a:t>7/26/11</a:t>
             </a:fld>
             <a:endParaRPr lang="en-US"/>
           </a:p>

--- a/360.pptx
+++ b/360.pptx
@@ -5239,6 +5239,10 @@
           </a:bodyPr>
           <a:lstStyle/>
           <a:p>
+            <a:r>
+              <a:rPr lang="en-US" dirty="0" smtClean="0"/>
+              <a:t>In this lab, you will create a Settings bundle so that application settings can be changed via the Settings app in the simulator or on a phone. You will then use that setting within the app to control the app's user interface.</a:t>
+            </a:r>
             <a:endParaRPr lang="en-US" dirty="0"/>
           </a:p>
         </p:txBody>

--- a/360.pptx
+++ b/360.pptx
@@ -290,7 +290,7 @@
             <a:fld id="{ECAD9C49-E13F-0847-87C2-2806BC5BA001}" type="datetimeFigureOut">
               <a:rPr lang="en-US"/>
               <a:pPr/>
-              <a:t>8/19/11</a:t>
+              <a:t>8/24/11</a:t>
             </a:fld>
             <a:endParaRPr lang="en-US"/>
           </a:p>
@@ -477,7 +477,7 @@
             <a:fld id="{E3347076-6F8B-AA42-91FC-CE0CB5BC8F84}" type="datetimeFigureOut">
               <a:rPr lang="en-US"/>
               <a:pPr/>
-              <a:t>8/19/11</a:t>
+              <a:t>8/24/11</a:t>
             </a:fld>
             <a:endParaRPr lang="en-US"/>
           </a:p>
@@ -847,6 +847,108 @@
           </a:bodyPr>
           <a:lstStyle/>
           <a:p>
+            <a:pPr marL="38100" marR="0" indent="0" algn="l" defTabSz="457200" rtl="0" eaLnBrk="1" fontAlgn="base" latinLnBrk="0" hangingPunct="1">
+              <a:lnSpc>
+                <a:spcPct val="100000"/>
+              </a:lnSpc>
+              <a:spcBef>
+                <a:spcPct val="0"/>
+              </a:spcBef>
+              <a:spcAft>
+                <a:spcPct val="0"/>
+              </a:spcAft>
+              <a:buClrTx/>
+              <a:buSzTx/>
+              <a:buFontTx/>
+              <a:buNone/>
+              <a:tabLst>
+                <a:tab pos="76200" algn="l"/>
+                <a:tab pos="990600" algn="l"/>
+                <a:tab pos="1905000" algn="l"/>
+                <a:tab pos="2819400" algn="l"/>
+                <a:tab pos="3733800" algn="l"/>
+                <a:tab pos="4648200" algn="l"/>
+                <a:tab pos="5562600" algn="l"/>
+                <a:tab pos="6477000" algn="l"/>
+                <a:tab pos="7391400" algn="l"/>
+                <a:tab pos="8305800" algn="l"/>
+                <a:tab pos="9220200" algn="l"/>
+                <a:tab pos="10134600" algn="l"/>
+                <a:tab pos="10375900" algn="l"/>
+              </a:tabLst>
+              <a:defRPr/>
+            </a:pPr>
+            <a:r>
+              <a:rPr lang="en-US" b="1" dirty="0" smtClean="0">
+                <a:latin typeface="Calibri" charset="0"/>
+                <a:ea typeface="ＭＳ Ｐゴシック" charset="0"/>
+                <a:cs typeface="ＭＳ Ｐゴシック" charset="0"/>
+              </a:rPr>
+              <a:t>Module time: 90 </a:t>
+            </a:r>
+            <a:r>
+              <a:rPr lang="en-US" b="1" dirty="0" err="1" smtClean="0">
+                <a:latin typeface="Calibri" charset="0"/>
+                <a:ea typeface="ＭＳ Ｐゴシック" charset="0"/>
+                <a:cs typeface="ＭＳ Ｐゴシック" charset="0"/>
+              </a:rPr>
+              <a:t>mins</a:t>
+            </a:r>
+            <a:r>
+              <a:rPr lang="en-US" b="1" dirty="0" smtClean="0">
+                <a:latin typeface="Calibri" charset="0"/>
+                <a:ea typeface="ＭＳ Ｐゴシック" charset="0"/>
+                <a:cs typeface="ＭＳ Ｐゴシック" charset="0"/>
+              </a:rPr>
+              <a:t> </a:t>
+            </a:r>
+            <a:r>
+              <a:rPr lang="en-US" dirty="0" smtClean="0">
+                <a:latin typeface="Calibri" charset="0"/>
+                <a:ea typeface="ＭＳ Ｐゴシック" charset="0"/>
+                <a:cs typeface="ＭＳ Ｐゴシック" charset="0"/>
+              </a:rPr>
+              <a:t>(60 </a:t>
+            </a:r>
+            <a:r>
+              <a:rPr lang="en-US" dirty="0" err="1" smtClean="0">
+                <a:latin typeface="Calibri" charset="0"/>
+                <a:ea typeface="ＭＳ Ｐゴシック" charset="0"/>
+                <a:cs typeface="ＭＳ Ｐゴシック" charset="0"/>
+              </a:rPr>
+              <a:t>mins</a:t>
+            </a:r>
+            <a:r>
+              <a:rPr lang="en-US" dirty="0" smtClean="0">
+                <a:latin typeface="Calibri" charset="0"/>
+                <a:ea typeface="ＭＳ Ｐゴシック" charset="0"/>
+                <a:cs typeface="ＭＳ Ｐゴシック" charset="0"/>
+              </a:rPr>
+              <a:t> teaching, 30 </a:t>
+            </a:r>
+            <a:r>
+              <a:rPr lang="en-US" dirty="0" err="1" smtClean="0">
+                <a:latin typeface="Calibri" charset="0"/>
+                <a:ea typeface="ＭＳ Ｐゴシック" charset="0"/>
+                <a:cs typeface="ＭＳ Ｐゴシック" charset="0"/>
+              </a:rPr>
+              <a:t>mins</a:t>
+            </a:r>
+            <a:r>
+              <a:rPr lang="en-US" smtClean="0">
+                <a:latin typeface="Calibri" charset="0"/>
+                <a:ea typeface="ＭＳ Ｐゴシック" charset="0"/>
+                <a:cs typeface="ＭＳ Ｐゴシック" charset="0"/>
+              </a:rPr>
+              <a:t> for lab)</a:t>
+            </a:r>
+            <a:endParaRPr lang="en-US" b="1" smtClean="0">
+              <a:latin typeface="Calibri" charset="0"/>
+              <a:ea typeface="ＭＳ Ｐゴシック" charset="0"/>
+              <a:cs typeface="ＭＳ Ｐゴシック" charset="0"/>
+            </a:endParaRPr>
+          </a:p>
+          <a:p>
             <a:pPr marL="38100">
               <a:spcBef>
                 <a:spcPct val="0"/>
@@ -6046,7 +6148,7 @@
             <a:fld id="{65610AC5-4F80-4D49-849B-064EB0362ED0}" type="datetimeFigureOut">
               <a:rPr lang="en-US"/>
               <a:pPr/>
-              <a:t>8/19/11</a:t>
+              <a:t>8/24/11</a:t>
             </a:fld>
             <a:endParaRPr lang="en-US"/>
           </a:p>
@@ -6228,7 +6330,7 @@
             <a:fld id="{C21956C0-2DA4-AA4A-BD1B-CE578DF8924E}" type="datetimeFigureOut">
               <a:rPr lang="en-US"/>
               <a:pPr/>
-              <a:t>8/19/11</a:t>
+              <a:t>8/24/11</a:t>
             </a:fld>
             <a:endParaRPr lang="en-US"/>
           </a:p>
@@ -6420,7 +6522,7 @@
             <a:fld id="{2E323279-84F0-1742-979B-5A495ACAF8B9}" type="datetimeFigureOut">
               <a:rPr lang="en-US"/>
               <a:pPr/>
-              <a:t>8/19/11</a:t>
+              <a:t>8/24/11</a:t>
             </a:fld>
             <a:endParaRPr lang="en-US"/>
           </a:p>
@@ -6889,7 +6991,7 @@
             <a:fld id="{C21C49E2-900C-F44B-9AF2-7AB64C2B82F7}" type="datetimeFigureOut">
               <a:rPr lang="en-US" smtClean="0"/>
               <a:pPr/>
-              <a:t>8/19/11</a:t>
+              <a:t>8/24/11</a:t>
             </a:fld>
             <a:endParaRPr lang="en-US"/>
           </a:p>
@@ -7362,7 +7464,7 @@
             <a:fld id="{C21C49E2-900C-F44B-9AF2-7AB64C2B82F7}" type="datetimeFigureOut">
               <a:rPr lang="en-US" smtClean="0"/>
               <a:pPr/>
-              <a:t>8/19/11</a:t>
+              <a:t>8/24/11</a:t>
             </a:fld>
             <a:endParaRPr lang="en-US"/>
           </a:p>
@@ -8048,7 +8150,7 @@
             <a:fld id="{0D22A439-6614-B446-9D16-B5F70EF71BFA}" type="datetimeFigureOut">
               <a:rPr lang="en-US" smtClean="0"/>
               <a:pPr/>
-              <a:t>8/19/11</a:t>
+              <a:t>8/24/11</a:t>
             </a:fld>
             <a:endParaRPr lang="en-US"/>
           </a:p>
@@ -8983,7 +9085,7 @@
             <a:fld id="{1CB5975E-DF62-9A48-A2E7-5638CEC365B2}" type="datetimeFigureOut">
               <a:rPr lang="en-US" smtClean="0"/>
               <a:pPr/>
-              <a:t>8/19/11</a:t>
+              <a:t>8/24/11</a:t>
             </a:fld>
             <a:endParaRPr lang="en-US"/>
           </a:p>
@@ -9694,7 +9796,7 @@
             <a:fld id="{B329E473-3D42-1C40-8B91-2505491E2FFA}" type="datetimeFigureOut">
               <a:rPr lang="en-US" smtClean="0"/>
               <a:pPr/>
-              <a:t>8/19/11</a:t>
+              <a:t>8/24/11</a:t>
             </a:fld>
             <a:endParaRPr lang="en-US"/>
           </a:p>
@@ -10530,7 +10632,7 @@
             <a:fld id="{4B7BC138-419C-4A45-9F01-F3C9D14EEE61}" type="datetimeFigureOut">
               <a:rPr lang="en-US" smtClean="0"/>
               <a:pPr/>
-              <a:t>8/19/11</a:t>
+              <a:t>8/24/11</a:t>
             </a:fld>
             <a:endParaRPr lang="en-US"/>
           </a:p>
@@ -11062,7 +11164,7 @@
             <a:fld id="{3944242E-BA85-B749-A476-D8B3FC5A9648}" type="datetimeFigureOut">
               <a:rPr lang="en-US" smtClean="0"/>
               <a:pPr/>
-              <a:t>8/19/11</a:t>
+              <a:t>8/24/11</a:t>
             </a:fld>
             <a:endParaRPr lang="en-US"/>
           </a:p>
@@ -11571,7 +11673,7 @@
             <a:fld id="{5955D890-92A9-AB47-86BF-FF8F54BEFA19}" type="datetimeFigureOut">
               <a:rPr lang="en-US" smtClean="0"/>
               <a:pPr/>
-              <a:t>8/19/11</a:t>
+              <a:t>8/24/11</a:t>
             </a:fld>
             <a:endParaRPr lang="en-US"/>
           </a:p>
@@ -11963,7 +12065,7 @@
             <a:fld id="{002073BD-5005-2E48-9205-6533EC3D72CF}" type="datetimeFigureOut">
               <a:rPr lang="en-US"/>
               <a:pPr/>
-              <a:t>8/19/11</a:t>
+              <a:t>8/24/11</a:t>
             </a:fld>
             <a:endParaRPr lang="en-US"/>
           </a:p>
@@ -12444,7 +12546,7 @@
             <a:fld id="{82555A44-EEF2-B34E-8F6F-9D9FC37ACDC9}" type="datetimeFigureOut">
               <a:rPr lang="en-US" smtClean="0"/>
               <a:pPr/>
-              <a:t>8/19/11</a:t>
+              <a:t>8/24/11</a:t>
             </a:fld>
             <a:endParaRPr lang="en-US"/>
           </a:p>
@@ -13118,7 +13220,7 @@
             <a:fld id="{E9BCCD58-8C7B-DE49-90D1-15D8897FF2BD}" type="datetimeFigureOut">
               <a:rPr lang="en-US" smtClean="0"/>
               <a:pPr/>
-              <a:t>8/19/11</a:t>
+              <a:t>8/24/11</a:t>
             </a:fld>
             <a:endParaRPr lang="en-US"/>
           </a:p>
@@ -13702,7 +13804,7 @@
             <a:fld id="{C238391A-440B-8440-9CE0-28761352B374}" type="datetimeFigureOut">
               <a:rPr lang="en-US" smtClean="0"/>
               <a:pPr/>
-              <a:t>8/19/11</a:t>
+              <a:t>8/24/11</a:t>
             </a:fld>
             <a:endParaRPr lang="en-US"/>
           </a:p>
@@ -14296,7 +14398,7 @@
             <a:fld id="{15848027-F57A-984C-A630-30E5DBD74461}" type="datetimeFigureOut">
               <a:rPr lang="en-US" smtClean="0"/>
               <a:pPr/>
-              <a:t>8/19/11</a:t>
+              <a:t>8/24/11</a:t>
             </a:fld>
             <a:endParaRPr lang="en-US"/>
           </a:p>
@@ -14934,7 +15036,7 @@
             <a:fld id="{857958A7-FD46-784F-9082-84513C0A1289}" type="datetimeFigureOut">
               <a:rPr lang="en-US"/>
               <a:pPr/>
-              <a:t>8/19/11</a:t>
+              <a:t>8/24/11</a:t>
             </a:fld>
             <a:endParaRPr lang="en-US"/>
           </a:p>
@@ -15328,7 +15430,7 @@
             <a:fld id="{6B085ED7-E8E3-1D4F-B720-E56BB4A6CEBE}" type="datetimeFigureOut">
               <a:rPr lang="en-US"/>
               <a:pPr/>
-              <a:t>8/19/11</a:t>
+              <a:t>8/24/11</a:t>
             </a:fld>
             <a:endParaRPr lang="en-US"/>
           </a:p>
@@ -15586,7 +15688,7 @@
             <a:fld id="{60E9BD8D-6D69-3B46-A6E2-D4A4BF043F7E}" type="datetimeFigureOut">
               <a:rPr lang="en-US"/>
               <a:pPr/>
-              <a:t>8/19/11</a:t>
+              <a:t>8/24/11</a:t>
             </a:fld>
             <a:endParaRPr lang="en-US"/>
           </a:p>
@@ -15886,7 +15988,7 @@
             <a:fld id="{F29F39DF-3446-4A4C-811E-0B95B92DC5A3}" type="datetimeFigureOut">
               <a:rPr lang="en-US"/>
               <a:pPr/>
-              <a:t>8/19/11</a:t>
+              <a:t>8/24/11</a:t>
             </a:fld>
             <a:endParaRPr lang="en-US"/>
           </a:p>
@@ -16320,7 +16422,7 @@
             <a:fld id="{BBFDE915-C36A-194D-8CEC-50C86F0D1ABC}" type="datetimeFigureOut">
               <a:rPr lang="en-US"/>
               <a:pPr/>
-              <a:t>8/19/11</a:t>
+              <a:t>8/24/11</a:t>
             </a:fld>
             <a:endParaRPr lang="en-US"/>
           </a:p>
@@ -16450,7 +16552,7 @@
             <a:fld id="{74C5D97A-789B-A84D-BF89-CD3989B51F51}" type="datetimeFigureOut">
               <a:rPr lang="en-US"/>
               <a:pPr/>
-              <a:t>8/19/11</a:t>
+              <a:t>8/24/11</a:t>
             </a:fld>
             <a:endParaRPr lang="en-US"/>
           </a:p>
@@ -16557,7 +16659,7 @@
             <a:fld id="{159A7863-8B7F-D745-BF8E-908C432A8764}" type="datetimeFigureOut">
               <a:rPr lang="en-US"/>
               <a:pPr/>
-              <a:t>8/19/11</a:t>
+              <a:t>8/24/11</a:t>
             </a:fld>
             <a:endParaRPr lang="en-US"/>
           </a:p>
@@ -16846,7 +16948,7 @@
             <a:fld id="{1B21D99D-3E65-E64A-B075-FD1C0CAB92CF}" type="datetimeFigureOut">
               <a:rPr lang="en-US"/>
               <a:pPr/>
-              <a:t>8/19/11</a:t>
+              <a:t>8/24/11</a:t>
             </a:fld>
             <a:endParaRPr lang="en-US"/>
           </a:p>
@@ -17114,7 +17216,7 @@
             <a:fld id="{0644EB7B-C93C-B543-93EF-AF7E0BD215C1}" type="datetimeFigureOut">
               <a:rPr lang="en-US"/>
               <a:pPr/>
-              <a:t>8/19/11</a:t>
+              <a:t>8/24/11</a:t>
             </a:fld>
             <a:endParaRPr lang="en-US"/>
           </a:p>
@@ -17354,7 +17456,7 @@
             <a:fld id="{8002B79A-232D-E44A-B671-78BA6C471EBA}" type="datetimeFigureOut">
               <a:rPr lang="en-US"/>
               <a:pPr/>
-              <a:t>8/19/11</a:t>
+              <a:t>8/24/11</a:t>
             </a:fld>
             <a:endParaRPr lang="en-US"/>
           </a:p>
@@ -18019,7 +18121,7 @@
             <a:fld id="{8002B79A-232D-E44A-B671-78BA6C471EBA}" type="datetimeFigureOut">
               <a:rPr lang="en-US" smtClean="0"/>
               <a:pPr/>
-              <a:t>8/19/11</a:t>
+              <a:t>8/24/11</a:t>
             </a:fld>
             <a:endParaRPr lang="en-US"/>
           </a:p>

--- a/360.pptx
+++ b/360.pptx
@@ -290,7 +290,7 @@
             <a:fld id="{ECAD9C49-E13F-0847-87C2-2806BC5BA001}" type="datetimeFigureOut">
               <a:rPr lang="en-US"/>
               <a:pPr/>
-              <a:t>8/24/11</a:t>
+              <a:t>9/27/11</a:t>
             </a:fld>
             <a:endParaRPr lang="en-US"/>
           </a:p>
@@ -477,7 +477,7 @@
             <a:fld id="{E3347076-6F8B-AA42-91FC-CE0CB5BC8F84}" type="datetimeFigureOut">
               <a:rPr lang="en-US"/>
               <a:pPr/>
-              <a:t>8/24/11</a:t>
+              <a:t>9/27/11</a:t>
             </a:fld>
             <a:endParaRPr lang="en-US"/>
           </a:p>
@@ -6148,7 +6148,7 @@
             <a:fld id="{65610AC5-4F80-4D49-849B-064EB0362ED0}" type="datetimeFigureOut">
               <a:rPr lang="en-US"/>
               <a:pPr/>
-              <a:t>8/24/11</a:t>
+              <a:t>9/27/11</a:t>
             </a:fld>
             <a:endParaRPr lang="en-US"/>
           </a:p>
@@ -6330,7 +6330,7 @@
             <a:fld id="{C21956C0-2DA4-AA4A-BD1B-CE578DF8924E}" type="datetimeFigureOut">
               <a:rPr lang="en-US"/>
               <a:pPr/>
-              <a:t>8/24/11</a:t>
+              <a:t>9/27/11</a:t>
             </a:fld>
             <a:endParaRPr lang="en-US"/>
           </a:p>
@@ -6522,7 +6522,7 @@
             <a:fld id="{2E323279-84F0-1742-979B-5A495ACAF8B9}" type="datetimeFigureOut">
               <a:rPr lang="en-US"/>
               <a:pPr/>
-              <a:t>8/24/11</a:t>
+              <a:t>9/27/11</a:t>
             </a:fld>
             <a:endParaRPr lang="en-US"/>
           </a:p>
@@ -6991,7 +6991,7 @@
             <a:fld id="{C21C49E2-900C-F44B-9AF2-7AB64C2B82F7}" type="datetimeFigureOut">
               <a:rPr lang="en-US" smtClean="0"/>
               <a:pPr/>
-              <a:t>8/24/11</a:t>
+              <a:t>9/27/11</a:t>
             </a:fld>
             <a:endParaRPr lang="en-US"/>
           </a:p>
@@ -7464,7 +7464,7 @@
             <a:fld id="{C21C49E2-900C-F44B-9AF2-7AB64C2B82F7}" type="datetimeFigureOut">
               <a:rPr lang="en-US" smtClean="0"/>
               <a:pPr/>
-              <a:t>8/24/11</a:t>
+              <a:t>9/27/11</a:t>
             </a:fld>
             <a:endParaRPr lang="en-US"/>
           </a:p>
@@ -8150,7 +8150,7 @@
             <a:fld id="{0D22A439-6614-B446-9D16-B5F70EF71BFA}" type="datetimeFigureOut">
               <a:rPr lang="en-US" smtClean="0"/>
               <a:pPr/>
-              <a:t>8/24/11</a:t>
+              <a:t>9/27/11</a:t>
             </a:fld>
             <a:endParaRPr lang="en-US"/>
           </a:p>
@@ -9085,7 +9085,7 @@
             <a:fld id="{1CB5975E-DF62-9A48-A2E7-5638CEC365B2}" type="datetimeFigureOut">
               <a:rPr lang="en-US" smtClean="0"/>
               <a:pPr/>
-              <a:t>8/24/11</a:t>
+              <a:t>9/27/11</a:t>
             </a:fld>
             <a:endParaRPr lang="en-US"/>
           </a:p>
@@ -9796,7 +9796,7 @@
             <a:fld id="{B329E473-3D42-1C40-8B91-2505491E2FFA}" type="datetimeFigureOut">
               <a:rPr lang="en-US" smtClean="0"/>
               <a:pPr/>
-              <a:t>8/24/11</a:t>
+              <a:t>9/27/11</a:t>
             </a:fld>
             <a:endParaRPr lang="en-US"/>
           </a:p>
@@ -10632,7 +10632,7 @@
             <a:fld id="{4B7BC138-419C-4A45-9F01-F3C9D14EEE61}" type="datetimeFigureOut">
               <a:rPr lang="en-US" smtClean="0"/>
               <a:pPr/>
-              <a:t>8/24/11</a:t>
+              <a:t>9/27/11</a:t>
             </a:fld>
             <a:endParaRPr lang="en-US"/>
           </a:p>
@@ -11164,7 +11164,7 @@
             <a:fld id="{3944242E-BA85-B749-A476-D8B3FC5A9648}" type="datetimeFigureOut">
               <a:rPr lang="en-US" smtClean="0"/>
               <a:pPr/>
-              <a:t>8/24/11</a:t>
+              <a:t>9/27/11</a:t>
             </a:fld>
             <a:endParaRPr lang="en-US"/>
           </a:p>
@@ -11673,7 +11673,7 @@
             <a:fld id="{5955D890-92A9-AB47-86BF-FF8F54BEFA19}" type="datetimeFigureOut">
               <a:rPr lang="en-US" smtClean="0"/>
               <a:pPr/>
-              <a:t>8/24/11</a:t>
+              <a:t>9/27/11</a:t>
             </a:fld>
             <a:endParaRPr lang="en-US"/>
           </a:p>
@@ -12065,7 +12065,7 @@
             <a:fld id="{002073BD-5005-2E48-9205-6533EC3D72CF}" type="datetimeFigureOut">
               <a:rPr lang="en-US"/>
               <a:pPr/>
-              <a:t>8/24/11</a:t>
+              <a:t>9/27/11</a:t>
             </a:fld>
             <a:endParaRPr lang="en-US"/>
           </a:p>
@@ -12546,7 +12546,7 @@
             <a:fld id="{82555A44-EEF2-B34E-8F6F-9D9FC37ACDC9}" type="datetimeFigureOut">
               <a:rPr lang="en-US" smtClean="0"/>
               <a:pPr/>
-              <a:t>8/24/11</a:t>
+              <a:t>9/27/11</a:t>
             </a:fld>
             <a:endParaRPr lang="en-US"/>
           </a:p>
@@ -13220,7 +13220,7 @@
             <a:fld id="{E9BCCD58-8C7B-DE49-90D1-15D8897FF2BD}" type="datetimeFigureOut">
               <a:rPr lang="en-US" smtClean="0"/>
               <a:pPr/>
-              <a:t>8/24/11</a:t>
+              <a:t>9/27/11</a:t>
             </a:fld>
             <a:endParaRPr lang="en-US"/>
           </a:p>
@@ -13804,7 +13804,7 @@
             <a:fld id="{C238391A-440B-8440-9CE0-28761352B374}" type="datetimeFigureOut">
               <a:rPr lang="en-US" smtClean="0"/>
               <a:pPr/>
-              <a:t>8/24/11</a:t>
+              <a:t>9/27/11</a:t>
             </a:fld>
             <a:endParaRPr lang="en-US"/>
           </a:p>
@@ -14398,7 +14398,7 @@
             <a:fld id="{15848027-F57A-984C-A630-30E5DBD74461}" type="datetimeFigureOut">
               <a:rPr lang="en-US" smtClean="0"/>
               <a:pPr/>
-              <a:t>8/24/11</a:t>
+              <a:t>9/27/11</a:t>
             </a:fld>
             <a:endParaRPr lang="en-US"/>
           </a:p>
@@ -15036,7 +15036,7 @@
             <a:fld id="{857958A7-FD46-784F-9082-84513C0A1289}" type="datetimeFigureOut">
               <a:rPr lang="en-US"/>
               <a:pPr/>
-              <a:t>8/24/11</a:t>
+              <a:t>9/27/11</a:t>
             </a:fld>
             <a:endParaRPr lang="en-US"/>
           </a:p>
@@ -15430,7 +15430,7 @@
             <a:fld id="{6B085ED7-E8E3-1D4F-B720-E56BB4A6CEBE}" type="datetimeFigureOut">
               <a:rPr lang="en-US"/>
               <a:pPr/>
-              <a:t>8/24/11</a:t>
+              <a:t>9/27/11</a:t>
             </a:fld>
             <a:endParaRPr lang="en-US"/>
           </a:p>
@@ -15688,7 +15688,7 @@
             <a:fld id="{60E9BD8D-6D69-3B46-A6E2-D4A4BF043F7E}" type="datetimeFigureOut">
               <a:rPr lang="en-US"/>
               <a:pPr/>
-              <a:t>8/24/11</a:t>
+              <a:t>9/27/11</a:t>
             </a:fld>
             <a:endParaRPr lang="en-US"/>
           </a:p>
@@ -15988,7 +15988,7 @@
             <a:fld id="{F29F39DF-3446-4A4C-811E-0B95B92DC5A3}" type="datetimeFigureOut">
               <a:rPr lang="en-US"/>
               <a:pPr/>
-              <a:t>8/24/11</a:t>
+              <a:t>9/27/11</a:t>
             </a:fld>
             <a:endParaRPr lang="en-US"/>
           </a:p>
@@ -16422,7 +16422,7 @@
             <a:fld id="{BBFDE915-C36A-194D-8CEC-50C86F0D1ABC}" type="datetimeFigureOut">
               <a:rPr lang="en-US"/>
               <a:pPr/>
-              <a:t>8/24/11</a:t>
+              <a:t>9/27/11</a:t>
             </a:fld>
             <a:endParaRPr lang="en-US"/>
           </a:p>
@@ -16552,7 +16552,7 @@
             <a:fld id="{74C5D97A-789B-A84D-BF89-CD3989B51F51}" type="datetimeFigureOut">
               <a:rPr lang="en-US"/>
               <a:pPr/>
-              <a:t>8/24/11</a:t>
+              <a:t>9/27/11</a:t>
             </a:fld>
             <a:endParaRPr lang="en-US"/>
           </a:p>
@@ -16659,7 +16659,7 @@
             <a:fld id="{159A7863-8B7F-D745-BF8E-908C432A8764}" type="datetimeFigureOut">
               <a:rPr lang="en-US"/>
               <a:pPr/>
-              <a:t>8/24/11</a:t>
+              <a:t>9/27/11</a:t>
             </a:fld>
             <a:endParaRPr lang="en-US"/>
           </a:p>
@@ -16948,7 +16948,7 @@
             <a:fld id="{1B21D99D-3E65-E64A-B075-FD1C0CAB92CF}" type="datetimeFigureOut">
               <a:rPr lang="en-US"/>
               <a:pPr/>
-              <a:t>8/24/11</a:t>
+              <a:t>9/27/11</a:t>
             </a:fld>
             <a:endParaRPr lang="en-US"/>
           </a:p>
@@ -17216,7 +17216,7 @@
             <a:fld id="{0644EB7B-C93C-B543-93EF-AF7E0BD215C1}" type="datetimeFigureOut">
               <a:rPr lang="en-US"/>
               <a:pPr/>
-              <a:t>8/24/11</a:t>
+              <a:t>9/27/11</a:t>
             </a:fld>
             <a:endParaRPr lang="en-US"/>
           </a:p>
@@ -17456,7 +17456,7 @@
             <a:fld id="{8002B79A-232D-E44A-B671-78BA6C471EBA}" type="datetimeFigureOut">
               <a:rPr lang="en-US"/>
               <a:pPr/>
-              <a:t>8/24/11</a:t>
+              <a:t>9/27/11</a:t>
             </a:fld>
             <a:endParaRPr lang="en-US"/>
           </a:p>
@@ -18121,7 +18121,7 @@
             <a:fld id="{8002B79A-232D-E44A-B671-78BA6C471EBA}" type="datetimeFigureOut">
               <a:rPr lang="en-US" smtClean="0"/>
               <a:pPr/>
-              <a:t>8/24/11</a:t>
+              <a:t>9/27/11</a:t>
             </a:fld>
             <a:endParaRPr lang="en-US"/>
           </a:p>
@@ -19334,13 +19334,22 @@
           <a:p>
             <a:pPr algn="l" eaLnBrk="1" hangingPunct="1"/>
             <a:r>
+              <a:rPr lang="en-US" sz="1200" b="1" dirty="0" err="1" smtClean="0">
+                <a:solidFill>
+                  <a:srgbClr val="122956"/>
+                </a:solidFill>
+                <a:cs typeface="Trebuchet MS" charset="0"/>
+              </a:rPr>
+              <a:t>iOS</a:t>
+            </a:r>
+            <a:r>
               <a:rPr lang="en-US" sz="1200" b="1" dirty="0" smtClean="0">
                 <a:solidFill>
                   <a:srgbClr val="122956"/>
                 </a:solidFill>
                 <a:cs typeface="Trebuchet MS" charset="0"/>
               </a:rPr>
-              <a:t>10-</a:t>
+              <a:t>-</a:t>
             </a:r>
             <a:fld id="{31B56995-E14C-B64F-86C9-12D6DB74A41E}" type="slidenum">
               <a:rPr lang="en-US" sz="1200" b="1">
@@ -19617,13 +19626,22 @@
           <a:p>
             <a:pPr algn="l" eaLnBrk="1" hangingPunct="1"/>
             <a:r>
-              <a:rPr lang="en-US" sz="1200" b="1" dirty="0" smtClean="0">
+              <a:rPr lang="en-US" sz="1200" b="1" dirty="0" err="1">
                 <a:solidFill>
                   <a:srgbClr val="122956"/>
                 </a:solidFill>
                 <a:cs typeface="Trebuchet MS" charset="0"/>
               </a:rPr>
-              <a:t>10-</a:t>
+              <a:t>iOS</a:t>
+            </a:r>
+            <a:r>
+              <a:rPr lang="en-US" sz="1200" b="1" dirty="0">
+                <a:solidFill>
+                  <a:srgbClr val="122956"/>
+                </a:solidFill>
+                <a:cs typeface="Trebuchet MS" charset="0"/>
+              </a:rPr>
+              <a:t>-</a:t>
             </a:r>
             <a:fld id="{31B56995-E14C-B64F-86C9-12D6DB74A41E}" type="slidenum">
               <a:rPr lang="en-US" sz="1200" b="1">
@@ -19948,13 +19966,22 @@
           <a:p>
             <a:pPr algn="l" eaLnBrk="1" hangingPunct="1"/>
             <a:r>
-              <a:rPr lang="en-US" sz="1200" b="1" dirty="0" smtClean="0">
+              <a:rPr lang="en-US" sz="1200" b="1" dirty="0" err="1">
                 <a:solidFill>
                   <a:srgbClr val="122956"/>
                 </a:solidFill>
                 <a:cs typeface="Trebuchet MS" charset="0"/>
               </a:rPr>
-              <a:t>10-</a:t>
+              <a:t>iOS</a:t>
+            </a:r>
+            <a:r>
+              <a:rPr lang="en-US" sz="1200" b="1" dirty="0">
+                <a:solidFill>
+                  <a:srgbClr val="122956"/>
+                </a:solidFill>
+                <a:cs typeface="Trebuchet MS" charset="0"/>
+              </a:rPr>
+              <a:t>-</a:t>
             </a:r>
             <a:fld id="{31B56995-E14C-B64F-86C9-12D6DB74A41E}" type="slidenum">
               <a:rPr lang="en-US" sz="1200" b="1">
@@ -20255,13 +20282,22 @@
           <a:p>
             <a:pPr algn="l" eaLnBrk="1" hangingPunct="1"/>
             <a:r>
-              <a:rPr lang="en-US" sz="1200" b="1" dirty="0" smtClean="0">
+              <a:rPr lang="en-US" sz="1200" b="1" dirty="0" err="1">
                 <a:solidFill>
                   <a:srgbClr val="122956"/>
                 </a:solidFill>
                 <a:cs typeface="Trebuchet MS" charset="0"/>
               </a:rPr>
-              <a:t>10-</a:t>
+              <a:t>iOS</a:t>
+            </a:r>
+            <a:r>
+              <a:rPr lang="en-US" sz="1200" b="1" dirty="0">
+                <a:solidFill>
+                  <a:srgbClr val="122956"/>
+                </a:solidFill>
+                <a:cs typeface="Trebuchet MS" charset="0"/>
+              </a:rPr>
+              <a:t>-</a:t>
             </a:r>
             <a:fld id="{31B56995-E14C-B64F-86C9-12D6DB74A41E}" type="slidenum">
               <a:rPr lang="en-US" sz="1200" b="1">
@@ -20638,13 +20674,22 @@
           <a:p>
             <a:pPr algn="l" eaLnBrk="1" hangingPunct="1"/>
             <a:r>
-              <a:rPr lang="en-US" sz="1200" b="1" dirty="0" smtClean="0">
+              <a:rPr lang="en-US" sz="1200" b="1" dirty="0" err="1">
                 <a:solidFill>
                   <a:srgbClr val="122956"/>
                 </a:solidFill>
                 <a:cs typeface="Trebuchet MS" charset="0"/>
               </a:rPr>
-              <a:t>10-</a:t>
+              <a:t>iOS</a:t>
+            </a:r>
+            <a:r>
+              <a:rPr lang="en-US" sz="1200" b="1" dirty="0">
+                <a:solidFill>
+                  <a:srgbClr val="122956"/>
+                </a:solidFill>
+                <a:cs typeface="Trebuchet MS" charset="0"/>
+              </a:rPr>
+              <a:t>-</a:t>
             </a:r>
             <a:fld id="{31B56995-E14C-B64F-86C9-12D6DB74A41E}" type="slidenum">
               <a:rPr lang="en-US" sz="1200" b="1">
@@ -20950,13 +20995,22 @@
           <a:p>
             <a:pPr algn="l" eaLnBrk="1" hangingPunct="1"/>
             <a:r>
-              <a:rPr lang="en-US" sz="1200" b="1" dirty="0" smtClean="0">
+              <a:rPr lang="en-US" sz="1200" b="1" dirty="0" err="1">
                 <a:solidFill>
                   <a:srgbClr val="122956"/>
                 </a:solidFill>
                 <a:cs typeface="Trebuchet MS" charset="0"/>
               </a:rPr>
-              <a:t>10-</a:t>
+              <a:t>iOS</a:t>
+            </a:r>
+            <a:r>
+              <a:rPr lang="en-US" sz="1200" b="1" dirty="0">
+                <a:solidFill>
+                  <a:srgbClr val="122956"/>
+                </a:solidFill>
+                <a:cs typeface="Trebuchet MS" charset="0"/>
+              </a:rPr>
+              <a:t>-</a:t>
             </a:r>
             <a:fld id="{31B56995-E14C-B64F-86C9-12D6DB74A41E}" type="slidenum">
               <a:rPr lang="en-US" sz="1200" b="1">
@@ -21262,13 +21316,22 @@
           <a:p>
             <a:pPr algn="l" eaLnBrk="1" hangingPunct="1"/>
             <a:r>
-              <a:rPr lang="en-US" sz="1200" b="1" dirty="0" smtClean="0">
+              <a:rPr lang="en-US" sz="1200" b="1" dirty="0" err="1">
                 <a:solidFill>
                   <a:srgbClr val="122956"/>
                 </a:solidFill>
                 <a:cs typeface="Trebuchet MS" charset="0"/>
               </a:rPr>
-              <a:t>10-</a:t>
+              <a:t>iOS</a:t>
+            </a:r>
+            <a:r>
+              <a:rPr lang="en-US" sz="1200" b="1" dirty="0">
+                <a:solidFill>
+                  <a:srgbClr val="122956"/>
+                </a:solidFill>
+                <a:cs typeface="Trebuchet MS" charset="0"/>
+              </a:rPr>
+              <a:t>-</a:t>
             </a:r>
             <a:fld id="{31B56995-E14C-B64F-86C9-12D6DB74A41E}" type="slidenum">
               <a:rPr lang="en-US" sz="1200" b="1">
@@ -21574,13 +21637,22 @@
           <a:p>
             <a:pPr algn="l" eaLnBrk="1" hangingPunct="1"/>
             <a:r>
-              <a:rPr lang="en-US" sz="1200" b="1" dirty="0" smtClean="0">
+              <a:rPr lang="en-US" sz="1200" b="1" dirty="0" err="1">
                 <a:solidFill>
                   <a:srgbClr val="122956"/>
                 </a:solidFill>
                 <a:cs typeface="Trebuchet MS" charset="0"/>
               </a:rPr>
-              <a:t>10-</a:t>
+              <a:t>iOS</a:t>
+            </a:r>
+            <a:r>
+              <a:rPr lang="en-US" sz="1200" b="1" dirty="0">
+                <a:solidFill>
+                  <a:srgbClr val="122956"/>
+                </a:solidFill>
+                <a:cs typeface="Trebuchet MS" charset="0"/>
+              </a:rPr>
+              <a:t>-</a:t>
             </a:r>
             <a:fld id="{31B56995-E14C-B64F-86C9-12D6DB74A41E}" type="slidenum">
               <a:rPr lang="en-US" sz="1200" b="1">
@@ -21939,13 +22011,22 @@
           <a:p>
             <a:pPr algn="l" eaLnBrk="1" hangingPunct="1"/>
             <a:r>
-              <a:rPr lang="en-US" sz="1200" b="1" dirty="0" smtClean="0">
+              <a:rPr lang="en-US" sz="1200" b="1" dirty="0" err="1">
                 <a:solidFill>
                   <a:srgbClr val="122956"/>
                 </a:solidFill>
                 <a:cs typeface="Trebuchet MS" charset="0"/>
               </a:rPr>
-              <a:t>10-</a:t>
+              <a:t>iOS</a:t>
+            </a:r>
+            <a:r>
+              <a:rPr lang="en-US" sz="1200" b="1" dirty="0">
+                <a:solidFill>
+                  <a:srgbClr val="122956"/>
+                </a:solidFill>
+                <a:cs typeface="Trebuchet MS" charset="0"/>
+              </a:rPr>
+              <a:t>-</a:t>
             </a:r>
             <a:fld id="{31B56995-E14C-B64F-86C9-12D6DB74A41E}" type="slidenum">
               <a:rPr lang="en-US" sz="1200" b="1">
@@ -22289,13 +22370,22 @@
           <a:p>
             <a:pPr algn="l" eaLnBrk="1" hangingPunct="1"/>
             <a:r>
-              <a:rPr lang="en-US" sz="1200" b="1" dirty="0" smtClean="0">
+              <a:rPr lang="en-US" sz="1200" b="1" dirty="0" err="1">
                 <a:solidFill>
                   <a:srgbClr val="122956"/>
                 </a:solidFill>
                 <a:cs typeface="Trebuchet MS" charset="0"/>
               </a:rPr>
-              <a:t>10-</a:t>
+              <a:t>iOS</a:t>
+            </a:r>
+            <a:r>
+              <a:rPr lang="en-US" sz="1200" b="1" dirty="0">
+                <a:solidFill>
+                  <a:srgbClr val="122956"/>
+                </a:solidFill>
+                <a:cs typeface="Trebuchet MS" charset="0"/>
+              </a:rPr>
+              <a:t>-</a:t>
             </a:r>
             <a:fld id="{31B56995-E14C-B64F-86C9-12D6DB74A41E}" type="slidenum">
               <a:rPr lang="en-US" sz="1200" b="1">
@@ -22594,13 +22684,22 @@
           <a:p>
             <a:pPr algn="l" eaLnBrk="1" hangingPunct="1"/>
             <a:r>
-              <a:rPr lang="en-US" sz="1200" b="1" dirty="0" smtClean="0">
+              <a:rPr lang="en-US" sz="1200" b="1" dirty="0" err="1">
                 <a:solidFill>
                   <a:srgbClr val="122956"/>
                 </a:solidFill>
                 <a:cs typeface="Trebuchet MS" charset="0"/>
               </a:rPr>
-              <a:t>10-</a:t>
+              <a:t>iOS</a:t>
+            </a:r>
+            <a:r>
+              <a:rPr lang="en-US" sz="1200" b="1" dirty="0">
+                <a:solidFill>
+                  <a:srgbClr val="122956"/>
+                </a:solidFill>
+                <a:cs typeface="Trebuchet MS" charset="0"/>
+              </a:rPr>
+              <a:t>-</a:t>
             </a:r>
             <a:fld id="{31B56995-E14C-B64F-86C9-12D6DB74A41E}" type="slidenum">
               <a:rPr lang="en-US" sz="1200" b="1">
@@ -22952,13 +23051,22 @@
           <a:p>
             <a:pPr algn="l" eaLnBrk="1" hangingPunct="1"/>
             <a:r>
-              <a:rPr lang="en-US" sz="1200" b="1" dirty="0" smtClean="0">
+              <a:rPr lang="en-US" sz="1200" b="1" dirty="0" err="1">
                 <a:solidFill>
                   <a:srgbClr val="122956"/>
                 </a:solidFill>
                 <a:cs typeface="Trebuchet MS" charset="0"/>
               </a:rPr>
-              <a:t>10-</a:t>
+              <a:t>iOS</a:t>
+            </a:r>
+            <a:r>
+              <a:rPr lang="en-US" sz="1200" b="1" dirty="0">
+                <a:solidFill>
+                  <a:srgbClr val="122956"/>
+                </a:solidFill>
+                <a:cs typeface="Trebuchet MS" charset="0"/>
+              </a:rPr>
+              <a:t>-</a:t>
             </a:r>
             <a:fld id="{31B56995-E14C-B64F-86C9-12D6DB74A41E}" type="slidenum">
               <a:rPr lang="en-US" sz="1200" b="1">
@@ -23316,13 +23424,22 @@
           <a:p>
             <a:pPr algn="l" eaLnBrk="1" hangingPunct="1"/>
             <a:r>
-              <a:rPr lang="en-US" sz="1200" b="1" dirty="0" smtClean="0">
+              <a:rPr lang="en-US" sz="1200" b="1" dirty="0" err="1">
                 <a:solidFill>
                   <a:srgbClr val="122956"/>
                 </a:solidFill>
                 <a:cs typeface="Trebuchet MS" charset="0"/>
               </a:rPr>
-              <a:t>10-</a:t>
+              <a:t>iOS</a:t>
+            </a:r>
+            <a:r>
+              <a:rPr lang="en-US" sz="1200" b="1" dirty="0">
+                <a:solidFill>
+                  <a:srgbClr val="122956"/>
+                </a:solidFill>
+                <a:cs typeface="Trebuchet MS" charset="0"/>
+              </a:rPr>
+              <a:t>-</a:t>
             </a:r>
             <a:fld id="{31B56995-E14C-B64F-86C9-12D6DB74A41E}" type="slidenum">
               <a:rPr lang="en-US" sz="1200" b="1">
@@ -23646,13 +23763,22 @@
           <a:p>
             <a:pPr algn="l" eaLnBrk="1" hangingPunct="1"/>
             <a:r>
-              <a:rPr lang="en-US" sz="1200" b="1" dirty="0" smtClean="0">
+              <a:rPr lang="en-US" sz="1200" b="1" dirty="0" err="1">
                 <a:solidFill>
                   <a:srgbClr val="122956"/>
                 </a:solidFill>
                 <a:cs typeface="Trebuchet MS" charset="0"/>
               </a:rPr>
-              <a:t>10-</a:t>
+              <a:t>iOS</a:t>
+            </a:r>
+            <a:r>
+              <a:rPr lang="en-US" sz="1200" b="1" dirty="0">
+                <a:solidFill>
+                  <a:srgbClr val="122956"/>
+                </a:solidFill>
+                <a:cs typeface="Trebuchet MS" charset="0"/>
+              </a:rPr>
+              <a:t>-</a:t>
             </a:r>
             <a:fld id="{31B56995-E14C-B64F-86C9-12D6DB74A41E}" type="slidenum">
               <a:rPr lang="en-US" sz="1200" b="1">
@@ -23918,13 +24044,22 @@
           <a:p>
             <a:pPr algn="l" eaLnBrk="1" hangingPunct="1"/>
             <a:r>
-              <a:rPr lang="en-US" sz="1200" b="1" dirty="0" smtClean="0">
+              <a:rPr lang="en-US" sz="1200" b="1" dirty="0" err="1">
                 <a:solidFill>
                   <a:srgbClr val="122956"/>
                 </a:solidFill>
                 <a:cs typeface="Trebuchet MS" charset="0"/>
               </a:rPr>
-              <a:t>10-</a:t>
+              <a:t>iOS</a:t>
+            </a:r>
+            <a:r>
+              <a:rPr lang="en-US" sz="1200" b="1" dirty="0">
+                <a:solidFill>
+                  <a:srgbClr val="122956"/>
+                </a:solidFill>
+                <a:cs typeface="Trebuchet MS" charset="0"/>
+              </a:rPr>
+              <a:t>-</a:t>
             </a:r>
             <a:fld id="{31B56995-E14C-B64F-86C9-12D6DB74A41E}" type="slidenum">
               <a:rPr lang="en-US" sz="1200" b="1">
@@ -24253,13 +24388,22 @@
           <a:p>
             <a:pPr algn="l" eaLnBrk="1" hangingPunct="1"/>
             <a:r>
-              <a:rPr lang="en-US" sz="1200" b="1" dirty="0" smtClean="0">
+              <a:rPr lang="en-US" sz="1200" b="1" dirty="0" err="1">
                 <a:solidFill>
                   <a:srgbClr val="122956"/>
                 </a:solidFill>
                 <a:cs typeface="Trebuchet MS" charset="0"/>
               </a:rPr>
-              <a:t>10-</a:t>
+              <a:t>iOS</a:t>
+            </a:r>
+            <a:r>
+              <a:rPr lang="en-US" sz="1200" b="1" dirty="0">
+                <a:solidFill>
+                  <a:srgbClr val="122956"/>
+                </a:solidFill>
+                <a:cs typeface="Trebuchet MS" charset="0"/>
+              </a:rPr>
+              <a:t>-</a:t>
             </a:r>
             <a:fld id="{31B56995-E14C-B64F-86C9-12D6DB74A41E}" type="slidenum">
               <a:rPr lang="en-US" sz="1200" b="1">
@@ -24530,13 +24674,22 @@
           <a:p>
             <a:pPr algn="l" eaLnBrk="1" hangingPunct="1"/>
             <a:r>
-              <a:rPr lang="en-US" sz="1200" b="1" dirty="0" smtClean="0">
+              <a:rPr lang="en-US" sz="1200" b="1" dirty="0" err="1">
                 <a:solidFill>
                   <a:srgbClr val="122956"/>
                 </a:solidFill>
                 <a:cs typeface="Trebuchet MS" charset="0"/>
               </a:rPr>
-              <a:t>10-</a:t>
+              <a:t>iOS</a:t>
+            </a:r>
+            <a:r>
+              <a:rPr lang="en-US" sz="1200" b="1" dirty="0">
+                <a:solidFill>
+                  <a:srgbClr val="122956"/>
+                </a:solidFill>
+                <a:cs typeface="Trebuchet MS" charset="0"/>
+              </a:rPr>
+              <a:t>-</a:t>
             </a:r>
             <a:fld id="{31B56995-E14C-B64F-86C9-12D6DB74A41E}" type="slidenum">
               <a:rPr lang="en-US" sz="1200" b="1">
@@ -24851,13 +25004,22 @@
           <a:p>
             <a:pPr algn="l" eaLnBrk="1" hangingPunct="1"/>
             <a:r>
-              <a:rPr lang="en-US" sz="1200" b="1" dirty="0" smtClean="0">
+              <a:rPr lang="en-US" sz="1200" b="1" dirty="0" err="1">
                 <a:solidFill>
                   <a:srgbClr val="122956"/>
                 </a:solidFill>
                 <a:cs typeface="Trebuchet MS" charset="0"/>
               </a:rPr>
-              <a:t>10-</a:t>
+              <a:t>iOS</a:t>
+            </a:r>
+            <a:r>
+              <a:rPr lang="en-US" sz="1200" b="1" dirty="0">
+                <a:solidFill>
+                  <a:srgbClr val="122956"/>
+                </a:solidFill>
+                <a:cs typeface="Trebuchet MS" charset="0"/>
+              </a:rPr>
+              <a:t>-</a:t>
             </a:r>
             <a:fld id="{31B56995-E14C-B64F-86C9-12D6DB74A41E}" type="slidenum">
               <a:rPr lang="en-US" sz="1200" b="1">
@@ -25187,13 +25349,22 @@
           <a:p>
             <a:pPr algn="l" eaLnBrk="1" hangingPunct="1"/>
             <a:r>
-              <a:rPr lang="en-US" sz="1200" b="1" dirty="0" smtClean="0">
+              <a:rPr lang="en-US" sz="1200" b="1" dirty="0" err="1">
                 <a:solidFill>
                   <a:srgbClr val="122956"/>
                 </a:solidFill>
                 <a:cs typeface="Trebuchet MS" charset="0"/>
               </a:rPr>
-              <a:t>10-</a:t>
+              <a:t>iOS</a:t>
+            </a:r>
+            <a:r>
+              <a:rPr lang="en-US" sz="1200" b="1" dirty="0">
+                <a:solidFill>
+                  <a:srgbClr val="122956"/>
+                </a:solidFill>
+                <a:cs typeface="Trebuchet MS" charset="0"/>
+              </a:rPr>
+              <a:t>-</a:t>
             </a:r>
             <a:fld id="{31B56995-E14C-B64F-86C9-12D6DB74A41E}" type="slidenum">
               <a:rPr lang="en-US" sz="1200" b="1">
@@ -25530,13 +25701,22 @@
           <a:p>
             <a:pPr algn="l" eaLnBrk="1" hangingPunct="1"/>
             <a:r>
-              <a:rPr lang="en-US" sz="1200" b="1" dirty="0" smtClean="0">
+              <a:rPr lang="en-US" sz="1200" b="1" dirty="0" err="1">
                 <a:solidFill>
                   <a:srgbClr val="122956"/>
                 </a:solidFill>
                 <a:cs typeface="Trebuchet MS" charset="0"/>
               </a:rPr>
-              <a:t>10-</a:t>
+              <a:t>iOS</a:t>
+            </a:r>
+            <a:r>
+              <a:rPr lang="en-US" sz="1200" b="1" dirty="0">
+                <a:solidFill>
+                  <a:srgbClr val="122956"/>
+                </a:solidFill>
+                <a:cs typeface="Trebuchet MS" charset="0"/>
+              </a:rPr>
+              <a:t>-</a:t>
             </a:r>
             <a:fld id="{31B56995-E14C-B64F-86C9-12D6DB74A41E}" type="slidenum">
               <a:rPr lang="en-US" sz="1200" b="1">
@@ -25876,13 +26056,22 @@
           <a:p>
             <a:pPr algn="l" eaLnBrk="1" hangingPunct="1"/>
             <a:r>
-              <a:rPr lang="en-US" sz="1200" b="1" dirty="0" smtClean="0">
+              <a:rPr lang="en-US" sz="1200" b="1" dirty="0" err="1">
                 <a:solidFill>
                   <a:srgbClr val="122956"/>
                 </a:solidFill>
                 <a:cs typeface="Trebuchet MS" charset="0"/>
               </a:rPr>
-              <a:t>10-</a:t>
+              <a:t>iOS</a:t>
+            </a:r>
+            <a:r>
+              <a:rPr lang="en-US" sz="1200" b="1" dirty="0">
+                <a:solidFill>
+                  <a:srgbClr val="122956"/>
+                </a:solidFill>
+                <a:cs typeface="Trebuchet MS" charset="0"/>
+              </a:rPr>
+              <a:t>-</a:t>
             </a:r>
             <a:fld id="{31B56995-E14C-B64F-86C9-12D6DB74A41E}" type="slidenum">
               <a:rPr lang="en-US" sz="1200" b="1">
@@ -26152,13 +26341,22 @@
           <a:p>
             <a:pPr algn="l" eaLnBrk="1" hangingPunct="1"/>
             <a:r>
-              <a:rPr lang="en-US" sz="1200" b="1" dirty="0" smtClean="0">
+              <a:rPr lang="en-US" sz="1200" b="1" dirty="0" err="1">
                 <a:solidFill>
                   <a:srgbClr val="122956"/>
                 </a:solidFill>
                 <a:cs typeface="Trebuchet MS" charset="0"/>
               </a:rPr>
-              <a:t>10-</a:t>
+              <a:t>iOS</a:t>
+            </a:r>
+            <a:r>
+              <a:rPr lang="en-US" sz="1200" b="1" dirty="0">
+                <a:solidFill>
+                  <a:srgbClr val="122956"/>
+                </a:solidFill>
+                <a:cs typeface="Trebuchet MS" charset="0"/>
+              </a:rPr>
+              <a:t>-</a:t>
             </a:r>
             <a:fld id="{31B56995-E14C-B64F-86C9-12D6DB74A41E}" type="slidenum">
               <a:rPr lang="en-US" sz="1200" b="1">
@@ -26924,13 +27122,22 @@
           <a:p>
             <a:pPr algn="l" eaLnBrk="1" hangingPunct="1"/>
             <a:r>
-              <a:rPr lang="en-US" sz="1200" b="1" dirty="0" smtClean="0">
+              <a:rPr lang="en-US" sz="1200" b="1" dirty="0" err="1">
                 <a:solidFill>
                   <a:srgbClr val="122956"/>
                 </a:solidFill>
                 <a:cs typeface="Trebuchet MS" charset="0"/>
               </a:rPr>
-              <a:t>10-</a:t>
+              <a:t>iOS</a:t>
+            </a:r>
+            <a:r>
+              <a:rPr lang="en-US" sz="1200" b="1" dirty="0">
+                <a:solidFill>
+                  <a:srgbClr val="122956"/>
+                </a:solidFill>
+                <a:cs typeface="Trebuchet MS" charset="0"/>
+              </a:rPr>
+              <a:t>-</a:t>
             </a:r>
             <a:fld id="{31B56995-E14C-B64F-86C9-12D6DB74A41E}" type="slidenum">
               <a:rPr lang="en-US" sz="1200" b="1">
@@ -27239,13 +27446,22 @@
           <a:p>
             <a:pPr algn="l" eaLnBrk="1" hangingPunct="1"/>
             <a:r>
-              <a:rPr lang="en-US" sz="1200" b="1" dirty="0" smtClean="0">
+              <a:rPr lang="en-US" sz="1200" b="1" dirty="0" err="1">
                 <a:solidFill>
                   <a:srgbClr val="122956"/>
                 </a:solidFill>
                 <a:cs typeface="Trebuchet MS" charset="0"/>
               </a:rPr>
-              <a:t>10-</a:t>
+              <a:t>iOS</a:t>
+            </a:r>
+            <a:r>
+              <a:rPr lang="en-US" sz="1200" b="1" dirty="0">
+                <a:solidFill>
+                  <a:srgbClr val="122956"/>
+                </a:solidFill>
+                <a:cs typeface="Trebuchet MS" charset="0"/>
+              </a:rPr>
+              <a:t>-</a:t>
             </a:r>
             <a:fld id="{31B56995-E14C-B64F-86C9-12D6DB74A41E}" type="slidenum">
               <a:rPr lang="en-US" sz="1200" b="1">
@@ -27638,13 +27854,22 @@
           <a:p>
             <a:pPr algn="l" eaLnBrk="1" hangingPunct="1"/>
             <a:r>
-              <a:rPr lang="en-US" sz="1200" b="1" dirty="0" smtClean="0">
+              <a:rPr lang="en-US" sz="1200" b="1" dirty="0" err="1">
                 <a:solidFill>
                   <a:srgbClr val="122956"/>
                 </a:solidFill>
                 <a:cs typeface="Trebuchet MS" charset="0"/>
               </a:rPr>
-              <a:t>10-</a:t>
+              <a:t>iOS</a:t>
+            </a:r>
+            <a:r>
+              <a:rPr lang="en-US" sz="1200" b="1" dirty="0">
+                <a:solidFill>
+                  <a:srgbClr val="122956"/>
+                </a:solidFill>
+                <a:cs typeface="Trebuchet MS" charset="0"/>
+              </a:rPr>
+              <a:t>-</a:t>
             </a:r>
             <a:fld id="{31B56995-E14C-B64F-86C9-12D6DB74A41E}" type="slidenum">
               <a:rPr lang="en-US" sz="1200" b="1">
@@ -27894,13 +28119,22 @@
           <a:p>
             <a:pPr algn="l" eaLnBrk="1" hangingPunct="1"/>
             <a:r>
+              <a:rPr lang="en-US" sz="1200" b="1" dirty="0" err="1" smtClean="0">
+                <a:solidFill>
+                  <a:srgbClr val="122956"/>
+                </a:solidFill>
+                <a:cs typeface="Trebuchet MS" charset="0"/>
+              </a:rPr>
+              <a:t>iOS</a:t>
+            </a:r>
+            <a:r>
               <a:rPr lang="en-US" sz="1200" b="1" dirty="0" smtClean="0">
                 <a:solidFill>
                   <a:srgbClr val="122956"/>
                 </a:solidFill>
                 <a:cs typeface="Trebuchet MS" charset="0"/>
               </a:rPr>
-              <a:t>10-</a:t>
+              <a:t>-</a:t>
             </a:r>
             <a:fld id="{31B56995-E14C-B64F-86C9-12D6DB74A41E}" type="slidenum">
               <a:rPr lang="en-US" sz="1200" b="1">
@@ -28273,13 +28507,22 @@
           <a:p>
             <a:pPr algn="l" eaLnBrk="1" hangingPunct="1"/>
             <a:r>
-              <a:rPr lang="en-US" sz="1200" b="1" dirty="0" smtClean="0">
+              <a:rPr lang="en-US" sz="1200" b="1" dirty="0" err="1">
                 <a:solidFill>
                   <a:srgbClr val="122956"/>
                 </a:solidFill>
                 <a:cs typeface="Trebuchet MS" charset="0"/>
               </a:rPr>
-              <a:t>10-</a:t>
+              <a:t>iOS</a:t>
+            </a:r>
+            <a:r>
+              <a:rPr lang="en-US" sz="1200" b="1" dirty="0">
+                <a:solidFill>
+                  <a:srgbClr val="122956"/>
+                </a:solidFill>
+                <a:cs typeface="Trebuchet MS" charset="0"/>
+              </a:rPr>
+              <a:t>-</a:t>
             </a:r>
             <a:fld id="{31B56995-E14C-B64F-86C9-12D6DB74A41E}" type="slidenum">
               <a:rPr lang="en-US" sz="1200" b="1">
@@ -28633,13 +28876,22 @@
           <a:p>
             <a:pPr algn="l" eaLnBrk="1" hangingPunct="1"/>
             <a:r>
-              <a:rPr lang="en-US" sz="1200" b="1" dirty="0" smtClean="0">
+              <a:rPr lang="en-US" sz="1200" b="1" dirty="0" err="1">
                 <a:solidFill>
                   <a:srgbClr val="122956"/>
                 </a:solidFill>
                 <a:cs typeface="Trebuchet MS" charset="0"/>
               </a:rPr>
-              <a:t>10-</a:t>
+              <a:t>iOS</a:t>
+            </a:r>
+            <a:r>
+              <a:rPr lang="en-US" sz="1200" b="1" dirty="0">
+                <a:solidFill>
+                  <a:srgbClr val="122956"/>
+                </a:solidFill>
+                <a:cs typeface="Trebuchet MS" charset="0"/>
+              </a:rPr>
+              <a:t>-</a:t>
             </a:r>
             <a:fld id="{31B56995-E14C-B64F-86C9-12D6DB74A41E}" type="slidenum">
               <a:rPr lang="en-US" sz="1200" b="1">
@@ -29091,13 +29343,22 @@
           <a:p>
             <a:pPr algn="l" eaLnBrk="1" hangingPunct="1"/>
             <a:r>
-              <a:rPr lang="en-US" sz="1200" b="1" dirty="0" smtClean="0">
+              <a:rPr lang="en-US" sz="1200" b="1" dirty="0" err="1">
                 <a:solidFill>
                   <a:srgbClr val="122956"/>
                 </a:solidFill>
                 <a:cs typeface="Trebuchet MS" charset="0"/>
               </a:rPr>
-              <a:t>10-</a:t>
+              <a:t>iOS</a:t>
+            </a:r>
+            <a:r>
+              <a:rPr lang="en-US" sz="1200" b="1" dirty="0">
+                <a:solidFill>
+                  <a:srgbClr val="122956"/>
+                </a:solidFill>
+                <a:cs typeface="Trebuchet MS" charset="0"/>
+              </a:rPr>
+              <a:t>-</a:t>
             </a:r>
             <a:fld id="{31B56995-E14C-B64F-86C9-12D6DB74A41E}" type="slidenum">
               <a:rPr lang="en-US" sz="1200" b="1">
@@ -29734,13 +29995,22 @@
           <a:p>
             <a:pPr algn="l" eaLnBrk="1" hangingPunct="1"/>
             <a:r>
-              <a:rPr lang="en-US" sz="1200" b="1" dirty="0" smtClean="0">
+              <a:rPr lang="en-US" sz="1200" b="1" dirty="0" err="1">
                 <a:solidFill>
                   <a:srgbClr val="122956"/>
                 </a:solidFill>
                 <a:cs typeface="Trebuchet MS" charset="0"/>
               </a:rPr>
-              <a:t>10-</a:t>
+              <a:t>iOS</a:t>
+            </a:r>
+            <a:r>
+              <a:rPr lang="en-US" sz="1200" b="1" dirty="0">
+                <a:solidFill>
+                  <a:srgbClr val="122956"/>
+                </a:solidFill>
+                <a:cs typeface="Trebuchet MS" charset="0"/>
+              </a:rPr>
+              <a:t>-</a:t>
             </a:r>
             <a:fld id="{31B56995-E14C-B64F-86C9-12D6DB74A41E}" type="slidenum">
               <a:rPr lang="en-US" sz="1200" b="1">
@@ -30341,13 +30611,22 @@
           <a:p>
             <a:pPr algn="l" eaLnBrk="1" hangingPunct="1"/>
             <a:r>
-              <a:rPr lang="en-US" sz="1200" b="1" dirty="0" smtClean="0">
+              <a:rPr lang="en-US" sz="1200" b="1" dirty="0" err="1">
                 <a:solidFill>
                   <a:srgbClr val="122956"/>
                 </a:solidFill>
                 <a:cs typeface="Trebuchet MS" charset="0"/>
               </a:rPr>
-              <a:t>10-</a:t>
+              <a:t>iOS</a:t>
+            </a:r>
+            <a:r>
+              <a:rPr lang="en-US" sz="1200" b="1" dirty="0">
+                <a:solidFill>
+                  <a:srgbClr val="122956"/>
+                </a:solidFill>
+                <a:cs typeface="Trebuchet MS" charset="0"/>
+              </a:rPr>
+              <a:t>-</a:t>
             </a:r>
             <a:fld id="{31B56995-E14C-B64F-86C9-12D6DB74A41E}" type="slidenum">
               <a:rPr lang="en-US" sz="1200" b="1">
@@ -30936,13 +31215,22 @@
           <a:p>
             <a:pPr algn="l" eaLnBrk="1" hangingPunct="1"/>
             <a:r>
-              <a:rPr lang="en-US" sz="1200" b="1" dirty="0" smtClean="0">
+              <a:rPr lang="en-US" sz="1200" b="1" dirty="0" err="1">
                 <a:solidFill>
                   <a:srgbClr val="122956"/>
                 </a:solidFill>
                 <a:cs typeface="Trebuchet MS" charset="0"/>
               </a:rPr>
-              <a:t>10-</a:t>
+              <a:t>iOS</a:t>
+            </a:r>
+            <a:r>
+              <a:rPr lang="en-US" sz="1200" b="1" dirty="0">
+                <a:solidFill>
+                  <a:srgbClr val="122956"/>
+                </a:solidFill>
+                <a:cs typeface="Trebuchet MS" charset="0"/>
+              </a:rPr>
+              <a:t>-</a:t>
             </a:r>
             <a:fld id="{31B56995-E14C-B64F-86C9-12D6DB74A41E}" type="slidenum">
               <a:rPr lang="en-US" sz="1200" b="1">
@@ -31549,13 +31837,22 @@
           <a:p>
             <a:pPr algn="l" eaLnBrk="1" hangingPunct="1"/>
             <a:r>
-              <a:rPr lang="en-US" sz="1200" b="1" dirty="0" smtClean="0">
+              <a:rPr lang="en-US" sz="1200" b="1" dirty="0" err="1">
                 <a:solidFill>
                   <a:srgbClr val="122956"/>
                 </a:solidFill>
                 <a:cs typeface="Trebuchet MS" charset="0"/>
               </a:rPr>
-              <a:t>10-</a:t>
+              <a:t>iOS</a:t>
+            </a:r>
+            <a:r>
+              <a:rPr lang="en-US" sz="1200" b="1" dirty="0">
+                <a:solidFill>
+                  <a:srgbClr val="122956"/>
+                </a:solidFill>
+                <a:cs typeface="Trebuchet MS" charset="0"/>
+              </a:rPr>
+              <a:t>-</a:t>
             </a:r>
             <a:fld id="{31B56995-E14C-B64F-86C9-12D6DB74A41E}" type="slidenum">
               <a:rPr lang="en-US" sz="1200" b="1">
@@ -32193,13 +32490,22 @@
           <a:p>
             <a:pPr algn="l" eaLnBrk="1" hangingPunct="1"/>
             <a:r>
-              <a:rPr lang="en-US" sz="1200" b="1" dirty="0" smtClean="0">
+              <a:rPr lang="en-US" sz="1200" b="1" dirty="0" err="1">
                 <a:solidFill>
                   <a:srgbClr val="122956"/>
                 </a:solidFill>
                 <a:cs typeface="Trebuchet MS" charset="0"/>
               </a:rPr>
-              <a:t>10-</a:t>
+              <a:t>iOS</a:t>
+            </a:r>
+            <a:r>
+              <a:rPr lang="en-US" sz="1200" b="1" dirty="0">
+                <a:solidFill>
+                  <a:srgbClr val="122956"/>
+                </a:solidFill>
+                <a:cs typeface="Trebuchet MS" charset="0"/>
+              </a:rPr>
+              <a:t>-</a:t>
             </a:r>
             <a:fld id="{31B56995-E14C-B64F-86C9-12D6DB74A41E}" type="slidenum">
               <a:rPr lang="en-US" sz="1200" b="1">
@@ -32800,13 +33106,22 @@
           <a:p>
             <a:pPr algn="l" eaLnBrk="1" hangingPunct="1"/>
             <a:r>
-              <a:rPr lang="en-US" sz="1200" b="1" dirty="0" smtClean="0">
+              <a:rPr lang="en-US" sz="1200" b="1" dirty="0" err="1">
                 <a:solidFill>
                   <a:srgbClr val="122956"/>
                 </a:solidFill>
                 <a:cs typeface="Trebuchet MS" charset="0"/>
               </a:rPr>
-              <a:t>10-</a:t>
+              <a:t>iOS</a:t>
+            </a:r>
+            <a:r>
+              <a:rPr lang="en-US" sz="1200" b="1" dirty="0">
+                <a:solidFill>
+                  <a:srgbClr val="122956"/>
+                </a:solidFill>
+                <a:cs typeface="Trebuchet MS" charset="0"/>
+              </a:rPr>
+              <a:t>-</a:t>
             </a:r>
             <a:fld id="{31B56995-E14C-B64F-86C9-12D6DB74A41E}" type="slidenum">
               <a:rPr lang="en-US" sz="1200" b="1">
@@ -33401,13 +33716,22 @@
           <a:p>
             <a:pPr algn="l" eaLnBrk="1" hangingPunct="1"/>
             <a:r>
-              <a:rPr lang="en-US" sz="1200" b="1" dirty="0" smtClean="0">
+              <a:rPr lang="en-US" sz="1200" b="1" dirty="0" err="1">
                 <a:solidFill>
                   <a:srgbClr val="122956"/>
                 </a:solidFill>
                 <a:cs typeface="Trebuchet MS" charset="0"/>
               </a:rPr>
-              <a:t>10-</a:t>
+              <a:t>iOS</a:t>
+            </a:r>
+            <a:r>
+              <a:rPr lang="en-US" sz="1200" b="1" dirty="0">
+                <a:solidFill>
+                  <a:srgbClr val="122956"/>
+                </a:solidFill>
+                <a:cs typeface="Trebuchet MS" charset="0"/>
+              </a:rPr>
+              <a:t>-</a:t>
             </a:r>
             <a:fld id="{31B56995-E14C-B64F-86C9-12D6DB74A41E}" type="slidenum">
               <a:rPr lang="en-US" sz="1200" b="1">
@@ -34189,13 +34513,22 @@
           <a:p>
             <a:pPr algn="l" eaLnBrk="1" hangingPunct="1"/>
             <a:r>
-              <a:rPr lang="en-US" sz="1200" b="1" dirty="0" smtClean="0">
+              <a:rPr lang="en-US" sz="1200" b="1" dirty="0" err="1">
                 <a:solidFill>
                   <a:srgbClr val="122956"/>
                 </a:solidFill>
                 <a:cs typeface="Trebuchet MS" charset="0"/>
               </a:rPr>
-              <a:t>10-</a:t>
+              <a:t>iOS</a:t>
+            </a:r>
+            <a:r>
+              <a:rPr lang="en-US" sz="1200" b="1" dirty="0">
+                <a:solidFill>
+                  <a:srgbClr val="122956"/>
+                </a:solidFill>
+                <a:cs typeface="Trebuchet MS" charset="0"/>
+              </a:rPr>
+              <a:t>-</a:t>
             </a:r>
             <a:fld id="{31B56995-E14C-B64F-86C9-12D6DB74A41E}" type="slidenum">
               <a:rPr lang="en-US" sz="1200" b="1">
@@ -34832,13 +35165,22 @@
           <a:p>
             <a:pPr algn="l" eaLnBrk="1" hangingPunct="1"/>
             <a:r>
-              <a:rPr lang="en-US" sz="1200" b="1" dirty="0" smtClean="0">
+              <a:rPr lang="en-US" sz="1200" b="1" dirty="0" err="1">
                 <a:solidFill>
                   <a:srgbClr val="122956"/>
                 </a:solidFill>
                 <a:cs typeface="Trebuchet MS" charset="0"/>
               </a:rPr>
-              <a:t>10-</a:t>
+              <a:t>iOS</a:t>
+            </a:r>
+            <a:r>
+              <a:rPr lang="en-US" sz="1200" b="1" dirty="0">
+                <a:solidFill>
+                  <a:srgbClr val="122956"/>
+                </a:solidFill>
+                <a:cs typeface="Trebuchet MS" charset="0"/>
+              </a:rPr>
+              <a:t>-</a:t>
             </a:r>
             <a:fld id="{31B56995-E14C-B64F-86C9-12D6DB74A41E}" type="slidenum">
               <a:rPr lang="en-US" sz="1200" b="1">
@@ -35474,13 +35816,22 @@
           <a:p>
             <a:pPr algn="l" eaLnBrk="1" hangingPunct="1"/>
             <a:r>
-              <a:rPr lang="en-US" sz="1200" b="1" dirty="0" smtClean="0">
+              <a:rPr lang="en-US" sz="1200" b="1" dirty="0" err="1">
                 <a:solidFill>
                   <a:srgbClr val="122956"/>
                 </a:solidFill>
                 <a:cs typeface="Trebuchet MS" charset="0"/>
               </a:rPr>
-              <a:t>10-</a:t>
+              <a:t>iOS</a:t>
+            </a:r>
+            <a:r>
+              <a:rPr lang="en-US" sz="1200" b="1" dirty="0">
+                <a:solidFill>
+                  <a:srgbClr val="122956"/>
+                </a:solidFill>
+                <a:cs typeface="Trebuchet MS" charset="0"/>
+              </a:rPr>
+              <a:t>-</a:t>
             </a:r>
             <a:fld id="{31B56995-E14C-B64F-86C9-12D6DB74A41E}" type="slidenum">
               <a:rPr lang="en-US" sz="1200" b="1">
@@ -36064,13 +36415,22 @@
           <a:p>
             <a:pPr algn="l" eaLnBrk="1" hangingPunct="1"/>
             <a:r>
-              <a:rPr lang="en-US" sz="1200" b="1" dirty="0" smtClean="0">
+              <a:rPr lang="en-US" sz="1200" b="1" dirty="0" err="1">
                 <a:solidFill>
                   <a:srgbClr val="122956"/>
                 </a:solidFill>
                 <a:cs typeface="Trebuchet MS" charset="0"/>
               </a:rPr>
-              <a:t>10-</a:t>
+              <a:t>iOS</a:t>
+            </a:r>
+            <a:r>
+              <a:rPr lang="en-US" sz="1200" b="1" dirty="0">
+                <a:solidFill>
+                  <a:srgbClr val="122956"/>
+                </a:solidFill>
+                <a:cs typeface="Trebuchet MS" charset="0"/>
+              </a:rPr>
+              <a:t>-</a:t>
             </a:r>
             <a:fld id="{31B56995-E14C-B64F-86C9-12D6DB74A41E}" type="slidenum">
               <a:rPr lang="en-US" sz="1200" b="1">
@@ -36706,13 +37066,22 @@
           <a:p>
             <a:pPr algn="l" eaLnBrk="1" hangingPunct="1"/>
             <a:r>
-              <a:rPr lang="en-US" sz="1200" b="1" dirty="0" smtClean="0">
+              <a:rPr lang="en-US" sz="1200" b="1" dirty="0" err="1">
                 <a:solidFill>
                   <a:srgbClr val="122956"/>
                 </a:solidFill>
                 <a:cs typeface="Trebuchet MS" charset="0"/>
               </a:rPr>
-              <a:t>10-</a:t>
+              <a:t>iOS</a:t>
+            </a:r>
+            <a:r>
+              <a:rPr lang="en-US" sz="1200" b="1" dirty="0">
+                <a:solidFill>
+                  <a:srgbClr val="122956"/>
+                </a:solidFill>
+                <a:cs typeface="Trebuchet MS" charset="0"/>
+              </a:rPr>
+              <a:t>-</a:t>
             </a:r>
             <a:fld id="{31B56995-E14C-B64F-86C9-12D6DB74A41E}" type="slidenum">
               <a:rPr lang="en-US" sz="1200" b="1">
@@ -37295,13 +37664,22 @@
           <a:p>
             <a:pPr algn="l" eaLnBrk="1" hangingPunct="1"/>
             <a:r>
-              <a:rPr lang="en-US" sz="1200" b="1" dirty="0" smtClean="0">
+              <a:rPr lang="en-US" sz="1200" b="1" dirty="0" err="1">
                 <a:solidFill>
                   <a:srgbClr val="122956"/>
                 </a:solidFill>
                 <a:cs typeface="Trebuchet MS" charset="0"/>
               </a:rPr>
-              <a:t>10-</a:t>
+              <a:t>iOS</a:t>
+            </a:r>
+            <a:r>
+              <a:rPr lang="en-US" sz="1200" b="1" dirty="0">
+                <a:solidFill>
+                  <a:srgbClr val="122956"/>
+                </a:solidFill>
+                <a:cs typeface="Trebuchet MS" charset="0"/>
+              </a:rPr>
+              <a:t>-</a:t>
             </a:r>
             <a:fld id="{31B56995-E14C-B64F-86C9-12D6DB74A41E}" type="slidenum">
               <a:rPr lang="en-US" sz="1200" b="1">
@@ -37884,13 +38262,22 @@
           <a:p>
             <a:pPr algn="l" eaLnBrk="1" hangingPunct="1"/>
             <a:r>
-              <a:rPr lang="en-US" sz="1200" b="1" dirty="0" smtClean="0">
+              <a:rPr lang="en-US" sz="1200" b="1" dirty="0" err="1">
                 <a:solidFill>
                   <a:srgbClr val="122956"/>
                 </a:solidFill>
                 <a:cs typeface="Trebuchet MS" charset="0"/>
               </a:rPr>
-              <a:t>10-</a:t>
+              <a:t>iOS</a:t>
+            </a:r>
+            <a:r>
+              <a:rPr lang="en-US" sz="1200" b="1" dirty="0">
+                <a:solidFill>
+                  <a:srgbClr val="122956"/>
+                </a:solidFill>
+                <a:cs typeface="Trebuchet MS" charset="0"/>
+              </a:rPr>
+              <a:t>-</a:t>
             </a:r>
             <a:fld id="{31B56995-E14C-B64F-86C9-12D6DB74A41E}" type="slidenum">
               <a:rPr lang="en-US" sz="1200" b="1">
@@ -38177,13 +38564,22 @@
           <a:p>
             <a:pPr algn="l" eaLnBrk="1" hangingPunct="1"/>
             <a:r>
-              <a:rPr lang="en-US" sz="1200" b="1" dirty="0" smtClean="0">
+              <a:rPr lang="en-US" sz="1200" b="1" dirty="0" err="1">
                 <a:solidFill>
                   <a:srgbClr val="122956"/>
                 </a:solidFill>
                 <a:cs typeface="Trebuchet MS" charset="0"/>
               </a:rPr>
-              <a:t>10-</a:t>
+              <a:t>iOS</a:t>
+            </a:r>
+            <a:r>
+              <a:rPr lang="en-US" sz="1200" b="1" dirty="0">
+                <a:solidFill>
+                  <a:srgbClr val="122956"/>
+                </a:solidFill>
+                <a:cs typeface="Trebuchet MS" charset="0"/>
+              </a:rPr>
+              <a:t>-</a:t>
             </a:r>
             <a:fld id="{31B56995-E14C-B64F-86C9-12D6DB74A41E}" type="slidenum">
               <a:rPr lang="en-US" sz="1200" b="1">
@@ -38382,13 +38778,22 @@
           <a:p>
             <a:pPr algn="l" eaLnBrk="1" hangingPunct="1"/>
             <a:r>
-              <a:rPr lang="en-US" sz="1200" b="1" dirty="0" smtClean="0">
+              <a:rPr lang="en-US" sz="1200" b="1" dirty="0" err="1">
                 <a:solidFill>
                   <a:srgbClr val="122956"/>
                 </a:solidFill>
                 <a:cs typeface="Trebuchet MS" charset="0"/>
               </a:rPr>
-              <a:t>10-</a:t>
+              <a:t>iOS</a:t>
+            </a:r>
+            <a:r>
+              <a:rPr lang="en-US" sz="1200" b="1" dirty="0">
+                <a:solidFill>
+                  <a:srgbClr val="122956"/>
+                </a:solidFill>
+                <a:cs typeface="Trebuchet MS" charset="0"/>
+              </a:rPr>
+              <a:t>-</a:t>
             </a:r>
             <a:fld id="{31B56995-E14C-B64F-86C9-12D6DB74A41E}" type="slidenum">
               <a:rPr lang="en-US" sz="1200" b="1">
@@ -39416,13 +39821,22 @@
           <a:p>
             <a:pPr algn="l" eaLnBrk="1" hangingPunct="1"/>
             <a:r>
-              <a:rPr lang="en-US" sz="1200" b="1" dirty="0" smtClean="0">
+              <a:rPr lang="en-US" sz="1200" b="1" dirty="0" err="1">
                 <a:solidFill>
                   <a:srgbClr val="122956"/>
                 </a:solidFill>
                 <a:cs typeface="Trebuchet MS" charset="0"/>
               </a:rPr>
-              <a:t>10-</a:t>
+              <a:t>iOS</a:t>
+            </a:r>
+            <a:r>
+              <a:rPr lang="en-US" sz="1200" b="1" dirty="0">
+                <a:solidFill>
+                  <a:srgbClr val="122956"/>
+                </a:solidFill>
+                <a:cs typeface="Trebuchet MS" charset="0"/>
+              </a:rPr>
+              <a:t>-</a:t>
             </a:r>
             <a:fld id="{31B56995-E14C-B64F-86C9-12D6DB74A41E}" type="slidenum">
               <a:rPr lang="en-US" sz="1200" b="1">
@@ -39761,13 +40175,22 @@
           <a:p>
             <a:pPr algn="l" eaLnBrk="1" hangingPunct="1"/>
             <a:r>
-              <a:rPr lang="en-US" sz="1200" b="1" dirty="0" smtClean="0">
+              <a:rPr lang="en-US" sz="1200" b="1" dirty="0" err="1">
                 <a:solidFill>
                   <a:srgbClr val="122956"/>
                 </a:solidFill>
                 <a:cs typeface="Trebuchet MS" charset="0"/>
               </a:rPr>
-              <a:t>10-</a:t>
+              <a:t>iOS</a:t>
+            </a:r>
+            <a:r>
+              <a:rPr lang="en-US" sz="1200" b="1" dirty="0">
+                <a:solidFill>
+                  <a:srgbClr val="122956"/>
+                </a:solidFill>
+                <a:cs typeface="Trebuchet MS" charset="0"/>
+              </a:rPr>
+              <a:t>-</a:t>
             </a:r>
             <a:fld id="{31B56995-E14C-B64F-86C9-12D6DB74A41E}" type="slidenum">
               <a:rPr lang="en-US" sz="1200" b="1">
@@ -40046,13 +40469,22 @@
           <a:p>
             <a:pPr algn="l" eaLnBrk="1" hangingPunct="1"/>
             <a:r>
-              <a:rPr lang="en-US" sz="1200" b="1" dirty="0" smtClean="0">
+              <a:rPr lang="en-US" sz="1200" b="1" dirty="0" err="1">
                 <a:solidFill>
                   <a:srgbClr val="122956"/>
                 </a:solidFill>
                 <a:cs typeface="Trebuchet MS" charset="0"/>
               </a:rPr>
-              <a:t>10-</a:t>
+              <a:t>iOS</a:t>
+            </a:r>
+            <a:r>
+              <a:rPr lang="en-US" sz="1200" b="1" dirty="0">
+                <a:solidFill>
+                  <a:srgbClr val="122956"/>
+                </a:solidFill>
+                <a:cs typeface="Trebuchet MS" charset="0"/>
+              </a:rPr>
+              <a:t>-</a:t>
             </a:r>
             <a:fld id="{31B56995-E14C-B64F-86C9-12D6DB74A41E}" type="slidenum">
               <a:rPr lang="en-US" sz="1200" b="1">
@@ -40323,13 +40755,22 @@
           <a:p>
             <a:pPr algn="l" eaLnBrk="1" hangingPunct="1"/>
             <a:r>
-              <a:rPr lang="en-US" sz="1200" b="1" dirty="0" smtClean="0">
+              <a:rPr lang="en-US" sz="1200" b="1" dirty="0" err="1">
                 <a:solidFill>
                   <a:srgbClr val="122956"/>
                 </a:solidFill>
                 <a:cs typeface="Trebuchet MS" charset="0"/>
               </a:rPr>
-              <a:t>10-</a:t>
+              <a:t>iOS</a:t>
+            </a:r>
+            <a:r>
+              <a:rPr lang="en-US" sz="1200" b="1" dirty="0">
+                <a:solidFill>
+                  <a:srgbClr val="122956"/>
+                </a:solidFill>
+                <a:cs typeface="Trebuchet MS" charset="0"/>
+              </a:rPr>
+              <a:t>-</a:t>
             </a:r>
             <a:fld id="{31B56995-E14C-B64F-86C9-12D6DB74A41E}" type="slidenum">
               <a:rPr lang="en-US" sz="1200" b="1">
@@ -40606,13 +41047,22 @@
           <a:p>
             <a:pPr algn="l" eaLnBrk="1" hangingPunct="1"/>
             <a:r>
-              <a:rPr lang="en-US" sz="1200" b="1" dirty="0" smtClean="0">
+              <a:rPr lang="en-US" sz="1200" b="1" dirty="0" err="1">
                 <a:solidFill>
                   <a:srgbClr val="122956"/>
                 </a:solidFill>
                 <a:cs typeface="Trebuchet MS" charset="0"/>
               </a:rPr>
-              <a:t>10-</a:t>
+              <a:t>iOS</a:t>
+            </a:r>
+            <a:r>
+              <a:rPr lang="en-US" sz="1200" b="1" dirty="0">
+                <a:solidFill>
+                  <a:srgbClr val="122956"/>
+                </a:solidFill>
+                <a:cs typeface="Trebuchet MS" charset="0"/>
+              </a:rPr>
+              <a:t>-</a:t>
             </a:r>
             <a:fld id="{31B56995-E14C-B64F-86C9-12D6DB74A41E}" type="slidenum">
               <a:rPr lang="en-US" sz="1200" b="1">
@@ -41136,13 +41586,22 @@
           <a:p>
             <a:pPr algn="l" eaLnBrk="1" hangingPunct="1"/>
             <a:r>
-              <a:rPr lang="en-US" sz="1200" b="1" dirty="0" smtClean="0">
+              <a:rPr lang="en-US" sz="1200" b="1" dirty="0" err="1">
                 <a:solidFill>
                   <a:srgbClr val="122956"/>
                 </a:solidFill>
                 <a:cs typeface="Trebuchet MS" charset="0"/>
               </a:rPr>
-              <a:t>10-</a:t>
+              <a:t>iOS</a:t>
+            </a:r>
+            <a:r>
+              <a:rPr lang="en-US" sz="1200" b="1" dirty="0">
+                <a:solidFill>
+                  <a:srgbClr val="122956"/>
+                </a:solidFill>
+                <a:cs typeface="Trebuchet MS" charset="0"/>
+              </a:rPr>
+              <a:t>-</a:t>
             </a:r>
             <a:fld id="{31B56995-E14C-B64F-86C9-12D6DB74A41E}" type="slidenum">
               <a:rPr lang="en-US" sz="1200" b="1">
@@ -41536,13 +41995,22 @@
           <a:p>
             <a:pPr algn="l" eaLnBrk="1" hangingPunct="1"/>
             <a:r>
-              <a:rPr lang="en-US" sz="1200" b="1" dirty="0" smtClean="0">
+              <a:rPr lang="en-US" sz="1200" b="1" dirty="0" err="1">
                 <a:solidFill>
                   <a:srgbClr val="122956"/>
                 </a:solidFill>
                 <a:cs typeface="Trebuchet MS" charset="0"/>
               </a:rPr>
-              <a:t>10-</a:t>
+              <a:t>iOS</a:t>
+            </a:r>
+            <a:r>
+              <a:rPr lang="en-US" sz="1200" b="1" dirty="0">
+                <a:solidFill>
+                  <a:srgbClr val="122956"/>
+                </a:solidFill>
+                <a:cs typeface="Trebuchet MS" charset="0"/>
+              </a:rPr>
+              <a:t>-</a:t>
             </a:r>
             <a:fld id="{31B56995-E14C-B64F-86C9-12D6DB74A41E}" type="slidenum">
               <a:rPr lang="en-US" sz="1200" b="1">
@@ -41824,13 +42292,22 @@
           <a:p>
             <a:pPr algn="l" eaLnBrk="1" hangingPunct="1"/>
             <a:r>
-              <a:rPr lang="en-US" sz="1200" b="1" dirty="0" smtClean="0">
+              <a:rPr lang="en-US" sz="1200" b="1" dirty="0" err="1">
                 <a:solidFill>
                   <a:srgbClr val="122956"/>
                 </a:solidFill>
                 <a:cs typeface="Trebuchet MS" charset="0"/>
               </a:rPr>
-              <a:t>10-</a:t>
+              <a:t>iOS</a:t>
+            </a:r>
+            <a:r>
+              <a:rPr lang="en-US" sz="1200" b="1" dirty="0">
+                <a:solidFill>
+                  <a:srgbClr val="122956"/>
+                </a:solidFill>
+                <a:cs typeface="Trebuchet MS" charset="0"/>
+              </a:rPr>
+              <a:t>-</a:t>
             </a:r>
             <a:fld id="{31B56995-E14C-B64F-86C9-12D6DB74A41E}" type="slidenum">
               <a:rPr lang="en-US" sz="1200" b="1">
@@ -42242,13 +42719,22 @@
           <a:p>
             <a:pPr algn="l" eaLnBrk="1" hangingPunct="1"/>
             <a:r>
-              <a:rPr lang="en-US" sz="1200" b="1" dirty="0" smtClean="0">
+              <a:rPr lang="en-US" sz="1200" b="1" dirty="0" err="1">
                 <a:solidFill>
                   <a:srgbClr val="122956"/>
                 </a:solidFill>
                 <a:cs typeface="Trebuchet MS" charset="0"/>
               </a:rPr>
-              <a:t>10-</a:t>
+              <a:t>iOS</a:t>
+            </a:r>
+            <a:r>
+              <a:rPr lang="en-US" sz="1200" b="1" dirty="0">
+                <a:solidFill>
+                  <a:srgbClr val="122956"/>
+                </a:solidFill>
+                <a:cs typeface="Trebuchet MS" charset="0"/>
+              </a:rPr>
+              <a:t>-</a:t>
             </a:r>
             <a:fld id="{31B56995-E14C-B64F-86C9-12D6DB74A41E}" type="slidenum">
               <a:rPr lang="en-US" sz="1200" b="1">

--- a/360.pptx
+++ b/360.pptx
@@ -6,10 +6,10 @@
     <p:sldMasterId id="2147483818" r:id="rId2"/>
   </p:sldMasterIdLst>
   <p:notesMasterIdLst>
-    <p:notesMasterId r:id="rId57"/>
+    <p:notesMasterId r:id="rId58"/>
   </p:notesMasterIdLst>
   <p:handoutMasterIdLst>
-    <p:handoutMasterId r:id="rId58"/>
+    <p:handoutMasterId r:id="rId59"/>
   </p:handoutMasterIdLst>
   <p:sldIdLst>
     <p:sldId id="256" r:id="rId3"/>
@@ -62,10 +62,11 @@
     <p:sldId id="338" r:id="rId50"/>
     <p:sldId id="326" r:id="rId51"/>
     <p:sldId id="327" r:id="rId52"/>
-    <p:sldId id="303" r:id="rId53"/>
-    <p:sldId id="305" r:id="rId54"/>
-    <p:sldId id="367" r:id="rId55"/>
-    <p:sldId id="366" r:id="rId56"/>
+    <p:sldId id="368" r:id="rId53"/>
+    <p:sldId id="303" r:id="rId54"/>
+    <p:sldId id="305" r:id="rId55"/>
+    <p:sldId id="367" r:id="rId56"/>
+    <p:sldId id="366" r:id="rId57"/>
   </p:sldIdLst>
   <p:sldSz cx="9144000" cy="6858000" type="screen4x3"/>
   <p:notesSz cx="6858000" cy="9144000"/>
@@ -290,7 +291,7 @@
             <a:fld id="{ECAD9C49-E13F-0847-87C2-2806BC5BA001}" type="datetimeFigureOut">
               <a:rPr lang="en-US"/>
               <a:pPr/>
-              <a:t>9/27/11</a:t>
+              <a:t>12/15/11</a:t>
             </a:fld>
             <a:endParaRPr lang="en-US"/>
           </a:p>
@@ -477,7 +478,7 @@
             <a:fld id="{E3347076-6F8B-AA42-91FC-CE0CB5BC8F84}" type="datetimeFigureOut">
               <a:rPr lang="en-US"/>
               <a:pPr/>
-              <a:t>9/27/11</a:t>
+              <a:t>12/15/11</a:t>
             </a:fld>
             <a:endParaRPr lang="en-US"/>
           </a:p>
@@ -5235,25 +5236,108 @@
           <a:lstStyle/>
           <a:p>
             <a:r>
+              <a:rPr lang="en-US" dirty="0" smtClean="0"/>
+              <a:t>Settings bundle used to go in project/modules</a:t>
+            </a:r>
+          </a:p>
+          <a:p>
+            <a:r>
+              <a:rPr lang="en-US" dirty="0" smtClean="0"/>
+              <a:t>Now needs to be in project</a:t>
+            </a:r>
+            <a:r>
+              <a:rPr lang="en-US" smtClean="0"/>
+              <a:t>/platform</a:t>
+            </a:r>
+            <a:endParaRPr lang="en-US" dirty="0" smtClean="0"/>
+          </a:p>
+          <a:p>
+            <a:endParaRPr lang="en-US" dirty="0" smtClean="0"/>
+          </a:p>
+          <a:p>
+            <a:r>
+              <a:rPr lang="en-US" dirty="0" smtClean="0"/>
+              <a:t> In </a:t>
+            </a:r>
+            <a:r>
               <a:rPr lang="en-US" dirty="0" err="1" smtClean="0"/>
-              <a:t>iPad</a:t>
+              <a:t>iOS</a:t>
             </a:r>
             <a:r>
               <a:rPr lang="en-US" dirty="0" smtClean="0"/>
-              <a:t> 2 is double</a:t>
-            </a:r>
-            <a:r>
-              <a:rPr lang="en-US" baseline="0" dirty="0" smtClean="0"/>
-              <a:t> the pixels of </a:t>
-            </a:r>
-            <a:r>
-              <a:rPr lang="en-US" baseline="0" dirty="0" err="1" smtClean="0"/>
-              <a:t>iPad</a:t>
-            </a:r>
-            <a:r>
-              <a:rPr lang="en-US" baseline="0" dirty="0" smtClean="0"/>
-              <a:t> 1</a:t>
-            </a:r>
+              <a:t>, the Foundation framework provides the low-level mechanism for storing the actual preference data. </a:t>
+            </a:r>
+          </a:p>
+          <a:p>
+            <a:endParaRPr lang="en-US" dirty="0" smtClean="0"/>
+          </a:p>
+          <a:p>
+            <a:r>
+              <a:rPr lang="en-US" dirty="0" smtClean="0"/>
+              <a:t>http://</a:t>
+            </a:r>
+            <a:r>
+              <a:rPr lang="en-US" dirty="0" err="1" smtClean="0"/>
+              <a:t>developer.apple.com</a:t>
+            </a:r>
+            <a:r>
+              <a:rPr lang="en-US" dirty="0" smtClean="0"/>
+              <a:t>/library/</a:t>
+            </a:r>
+            <a:r>
+              <a:rPr lang="en-US" dirty="0" err="1" smtClean="0"/>
+              <a:t>ios</a:t>
+            </a:r>
+            <a:r>
+              <a:rPr lang="en-US" dirty="0" smtClean="0"/>
+              <a:t>/#documentation/iPhone/Conceptual/</a:t>
+            </a:r>
+            <a:r>
+              <a:rPr lang="en-US" dirty="0" err="1" smtClean="0"/>
+              <a:t>iPhoneOSProgrammingGuide</a:t>
+            </a:r>
+            <a:r>
+              <a:rPr lang="en-US" dirty="0" smtClean="0"/>
+              <a:t>/Preferences/</a:t>
+            </a:r>
+            <a:r>
+              <a:rPr lang="en-US" dirty="0" err="1" smtClean="0"/>
+              <a:t>Preferences.html</a:t>
+            </a:r>
+            <a:endParaRPr lang="en-US" dirty="0" smtClean="0"/>
+          </a:p>
+          <a:p>
+            <a:endParaRPr lang="en-US" dirty="0" smtClean="0"/>
+          </a:p>
+          <a:p>
+            <a:r>
+              <a:rPr lang="en-US" dirty="0" smtClean="0"/>
+              <a:t>Tutorial</a:t>
+            </a:r>
+          </a:p>
+          <a:p>
+            <a:r>
+              <a:rPr lang="en-US" dirty="0" smtClean="0"/>
+              <a:t>http://</a:t>
+            </a:r>
+            <a:r>
+              <a:rPr lang="en-US" dirty="0" err="1" smtClean="0"/>
+              <a:t>iphoneincubator.com</a:t>
+            </a:r>
+            <a:r>
+              <a:rPr lang="en-US" dirty="0" smtClean="0"/>
+              <a:t>/blog/tutorial/how-to-create-an-</a:t>
+            </a:r>
+            <a:r>
+              <a:rPr lang="en-US" dirty="0" err="1" smtClean="0"/>
+              <a:t>iphone</a:t>
+            </a:r>
+            <a:r>
+              <a:rPr lang="en-US" dirty="0" smtClean="0"/>
+              <a:t>-preferences-file</a:t>
+            </a:r>
+          </a:p>
+          <a:p>
             <a:endParaRPr lang="en-US" dirty="0"/>
           </a:p>
         </p:txBody>
@@ -5285,7 +5369,7 @@
     </p:spTree>
     <p:extLst>
       <p:ext uri="{BB962C8B-B14F-4D97-AF65-F5344CB8AC3E}">
-        <p14:creationId xmlns:p14="http://schemas.microsoft.com/office/powerpoint/2010/main" val="2448217902"/>
+        <p14:creationId xmlns:p14="http://schemas.microsoft.com/office/powerpoint/2010/main" val="2732478255"/>
       </p:ext>
     </p:extLst>
   </p:cSld>
@@ -5336,14 +5420,28 @@
         </p:nvSpPr>
         <p:spPr/>
         <p:txBody>
-          <a:bodyPr>
-            <a:normAutofit/>
-          </a:bodyPr>
+          <a:bodyPr/>
           <a:lstStyle/>
           <a:p>
             <a:r>
+              <a:rPr lang="en-US" dirty="0" err="1" smtClean="0"/>
+              <a:t>iPad</a:t>
+            </a:r>
+            <a:r>
               <a:rPr lang="en-US" dirty="0" smtClean="0"/>
-              <a:t>In this lab, you will create a Settings bundle so that application settings can be changed via the Settings app in the simulator or on a phone. You will then use that setting within the app to control the app's user interface.</a:t>
+              <a:t> 2 is double</a:t>
+            </a:r>
+            <a:r>
+              <a:rPr lang="en-US" baseline="0" dirty="0" smtClean="0"/>
+              <a:t> the pixels of </a:t>
+            </a:r>
+            <a:r>
+              <a:rPr lang="en-US" baseline="0" dirty="0" err="1" smtClean="0"/>
+              <a:t>iPad</a:t>
+            </a:r>
+            <a:r>
+              <a:rPr lang="en-US" baseline="0" dirty="0" smtClean="0"/>
+              <a:t> 1</a:t>
             </a:r>
             <a:endParaRPr lang="en-US" dirty="0"/>
           </a:p>
@@ -5367,13 +5465,18 @@
             <a:fld id="{70027AD7-30C5-944D-9F16-1C4EC4C696FB}" type="slidenum">
               <a:rPr lang="en-US" smtClean="0"/>
               <a:pPr/>
-              <a:t>53</a:t>
+              <a:t>52</a:t>
             </a:fld>
             <a:endParaRPr lang="en-US"/>
           </a:p>
         </p:txBody>
       </p:sp>
     </p:spTree>
+    <p:extLst>
+      <p:ext uri="{BB962C8B-B14F-4D97-AF65-F5344CB8AC3E}">
+        <p14:creationId xmlns:p14="http://schemas.microsoft.com/office/powerpoint/2010/main" val="2448217902"/>
+      </p:ext>
+    </p:extLst>
   </p:cSld>
   <p:clrMapOvr>
     <a:masterClrMapping/>
@@ -5422,24 +5525,14 @@
         </p:nvSpPr>
         <p:spPr/>
         <p:txBody>
-          <a:bodyPr/>
+          <a:bodyPr>
+            <a:normAutofit/>
+          </a:bodyPr>
           <a:lstStyle/>
           <a:p>
             <a:r>
               <a:rPr lang="en-US" dirty="0" smtClean="0"/>
-              <a:t>There is no specific </a:t>
-            </a:r>
-            <a:r>
-              <a:rPr lang="en-US" dirty="0" err="1" smtClean="0"/>
-              <a:t>TiBountyHunter</a:t>
-            </a:r>
-            <a:r>
-              <a:rPr lang="en-US" dirty="0" smtClean="0"/>
-              <a:t> tie-in </a:t>
-            </a:r>
-            <a:r>
-              <a:rPr lang="en-US" smtClean="0"/>
-              <a:t>for this lab</a:t>
+              <a:t>In this lab, you will create a Settings bundle so that application settings can be changed via the Settings app in the simulator or on a phone. You will then use that setting within the app to control the app's user interface.</a:t>
             </a:r>
             <a:endParaRPr lang="en-US" dirty="0"/>
           </a:p>
@@ -5464,6 +5557,102 @@
               <a:rPr lang="en-US" smtClean="0"/>
               <a:pPr/>
               <a:t>54</a:t>
+            </a:fld>
+            <a:endParaRPr lang="en-US"/>
+          </a:p>
+        </p:txBody>
+      </p:sp>
+    </p:spTree>
+  </p:cSld>
+  <p:clrMapOvr>
+    <a:masterClrMapping/>
+  </p:clrMapOvr>
+</p:notes>
+</file>
+
+<file path=ppt/notesSlides/notesSlide46.xml><?xml version="1.0" encoding="utf-8"?>
+<p:notes xmlns:a="http://schemas.openxmlformats.org/drawingml/2006/main" xmlns:r="http://schemas.openxmlformats.org/officeDocument/2006/relationships" xmlns:p="http://schemas.openxmlformats.org/presentationml/2006/main">
+  <p:cSld>
+    <p:spTree>
+      <p:nvGrpSpPr>
+        <p:cNvPr id="1" name=""/>
+        <p:cNvGrpSpPr/>
+        <p:nvPr/>
+      </p:nvGrpSpPr>
+      <p:grpSpPr>
+        <a:xfrm>
+          <a:off x="0" y="0"/>
+          <a:ext cx="0" cy="0"/>
+          <a:chOff x="0" y="0"/>
+          <a:chExt cx="0" cy="0"/>
+        </a:xfrm>
+      </p:grpSpPr>
+      <p:sp>
+        <p:nvSpPr>
+          <p:cNvPr id="2" name="Slide Image Placeholder 1"/>
+          <p:cNvSpPr>
+            <a:spLocks noGrp="1" noRot="1" noChangeAspect="1"/>
+          </p:cNvSpPr>
+          <p:nvPr>
+            <p:ph type="sldImg"/>
+          </p:nvPr>
+        </p:nvSpPr>
+        <p:spPr/>
+      </p:sp>
+      <p:sp>
+        <p:nvSpPr>
+          <p:cNvPr id="3" name="Notes Placeholder 2"/>
+          <p:cNvSpPr>
+            <a:spLocks noGrp="1"/>
+          </p:cNvSpPr>
+          <p:nvPr>
+            <p:ph type="body" idx="1"/>
+          </p:nvPr>
+        </p:nvSpPr>
+        <p:spPr/>
+        <p:txBody>
+          <a:bodyPr/>
+          <a:lstStyle/>
+          <a:p>
+            <a:r>
+              <a:rPr lang="en-US" dirty="0" smtClean="0"/>
+              <a:t>There is no specific </a:t>
+            </a:r>
+            <a:r>
+              <a:rPr lang="en-US" dirty="0" err="1" smtClean="0"/>
+              <a:t>TiBountyHunter</a:t>
+            </a:r>
+            <a:r>
+              <a:rPr lang="en-US" dirty="0" smtClean="0"/>
+              <a:t> tie-in </a:t>
+            </a:r>
+            <a:r>
+              <a:rPr lang="en-US" smtClean="0"/>
+              <a:t>for this lab</a:t>
+            </a:r>
+            <a:endParaRPr lang="en-US" dirty="0"/>
+          </a:p>
+        </p:txBody>
+      </p:sp>
+      <p:sp>
+        <p:nvSpPr>
+          <p:cNvPr id="4" name="Slide Number Placeholder 3"/>
+          <p:cNvSpPr>
+            <a:spLocks noGrp="1"/>
+          </p:cNvSpPr>
+          <p:nvPr>
+            <p:ph type="sldNum" sz="quarter" idx="10"/>
+          </p:nvPr>
+        </p:nvSpPr>
+        <p:spPr/>
+        <p:txBody>
+          <a:bodyPr/>
+          <a:lstStyle/>
+          <a:p>
+            <a:fld id="{70027AD7-30C5-944D-9F16-1C4EC4C696FB}" type="slidenum">
+              <a:rPr lang="en-US" smtClean="0"/>
+              <a:pPr/>
+              <a:t>55</a:t>
             </a:fld>
             <a:endParaRPr lang="en-US"/>
           </a:p>
@@ -5747,6 +5936,46 @@
               <a:rPr lang="en-US" baseline="0" dirty="0" smtClean="0"/>
               <a:t> namespace</a:t>
             </a:r>
+          </a:p>
+          <a:p>
+            <a:r>
+              <a:rPr lang="en-US" baseline="0" dirty="0" smtClean="0"/>
+              <a:t>As of SK1.8, Toolbar, </a:t>
+            </a:r>
+            <a:r>
+              <a:rPr lang="en-US" baseline="0" dirty="0" err="1" smtClean="0"/>
+              <a:t>TabbedBar</a:t>
+            </a:r>
+            <a:r>
+              <a:rPr lang="en-US" baseline="0" dirty="0" smtClean="0"/>
+              <a:t>, and </a:t>
+            </a:r>
+            <a:r>
+              <a:rPr lang="en-US" baseline="0" dirty="0" err="1" smtClean="0"/>
+              <a:t>CoverFlowView</a:t>
+            </a:r>
+            <a:r>
+              <a:rPr lang="en-US" baseline="0" dirty="0" smtClean="0"/>
+              <a:t> were moved to </a:t>
+            </a:r>
+            <a:r>
+              <a:rPr lang="en-US" baseline="0" dirty="0" err="1" smtClean="0"/>
+              <a:t>iOS</a:t>
+            </a:r>
+            <a:r>
+              <a:rPr lang="en-US" baseline="0" dirty="0" smtClean="0"/>
+              <a:t> namespace</a:t>
+            </a:r>
+          </a:p>
+          <a:p>
+            <a:r>
+              <a:rPr lang="en-US" baseline="0" dirty="0" err="1" smtClean="0"/>
+              <a:t>DashboardView</a:t>
+            </a:r>
+            <a:r>
+              <a:rPr lang="en-US" baseline="0" dirty="0" smtClean="0"/>
+              <a:t> not there yet</a:t>
+            </a:r>
             <a:endParaRPr lang="en-US" dirty="0"/>
           </a:p>
         </p:txBody>
@@ -6148,7 +6377,7 @@
             <a:fld id="{65610AC5-4F80-4D49-849B-064EB0362ED0}" type="datetimeFigureOut">
               <a:rPr lang="en-US"/>
               <a:pPr/>
-              <a:t>9/27/11</a:t>
+              <a:t>12/15/11</a:t>
             </a:fld>
             <a:endParaRPr lang="en-US"/>
           </a:p>
@@ -6330,7 +6559,7 @@
             <a:fld id="{C21956C0-2DA4-AA4A-BD1B-CE578DF8924E}" type="datetimeFigureOut">
               <a:rPr lang="en-US"/>
               <a:pPr/>
-              <a:t>9/27/11</a:t>
+              <a:t>12/15/11</a:t>
             </a:fld>
             <a:endParaRPr lang="en-US"/>
           </a:p>
@@ -6522,7 +6751,7 @@
             <a:fld id="{2E323279-84F0-1742-979B-5A495ACAF8B9}" type="datetimeFigureOut">
               <a:rPr lang="en-US"/>
               <a:pPr/>
-              <a:t>9/27/11</a:t>
+              <a:t>12/15/11</a:t>
             </a:fld>
             <a:endParaRPr lang="en-US"/>
           </a:p>
@@ -6991,7 +7220,7 @@
             <a:fld id="{C21C49E2-900C-F44B-9AF2-7AB64C2B82F7}" type="datetimeFigureOut">
               <a:rPr lang="en-US" smtClean="0"/>
               <a:pPr/>
-              <a:t>9/27/11</a:t>
+              <a:t>12/15/11</a:t>
             </a:fld>
             <a:endParaRPr lang="en-US"/>
           </a:p>
@@ -7464,7 +7693,7 @@
             <a:fld id="{C21C49E2-900C-F44B-9AF2-7AB64C2B82F7}" type="datetimeFigureOut">
               <a:rPr lang="en-US" smtClean="0"/>
               <a:pPr/>
-              <a:t>9/27/11</a:t>
+              <a:t>12/15/11</a:t>
             </a:fld>
             <a:endParaRPr lang="en-US"/>
           </a:p>
@@ -8150,7 +8379,7 @@
             <a:fld id="{0D22A439-6614-B446-9D16-B5F70EF71BFA}" type="datetimeFigureOut">
               <a:rPr lang="en-US" smtClean="0"/>
               <a:pPr/>
-              <a:t>9/27/11</a:t>
+              <a:t>12/15/11</a:t>
             </a:fld>
             <a:endParaRPr lang="en-US"/>
           </a:p>
@@ -9085,7 +9314,7 @@
             <a:fld id="{1CB5975E-DF62-9A48-A2E7-5638CEC365B2}" type="datetimeFigureOut">
               <a:rPr lang="en-US" smtClean="0"/>
               <a:pPr/>
-              <a:t>9/27/11</a:t>
+              <a:t>12/15/11</a:t>
             </a:fld>
             <a:endParaRPr lang="en-US"/>
           </a:p>
@@ -9796,7 +10025,7 @@
             <a:fld id="{B329E473-3D42-1C40-8B91-2505491E2FFA}" type="datetimeFigureOut">
               <a:rPr lang="en-US" smtClean="0"/>
               <a:pPr/>
-              <a:t>9/27/11</a:t>
+              <a:t>12/15/11</a:t>
             </a:fld>
             <a:endParaRPr lang="en-US"/>
           </a:p>
@@ -10632,7 +10861,7 @@
             <a:fld id="{4B7BC138-419C-4A45-9F01-F3C9D14EEE61}" type="datetimeFigureOut">
               <a:rPr lang="en-US" smtClean="0"/>
               <a:pPr/>
-              <a:t>9/27/11</a:t>
+              <a:t>12/15/11</a:t>
             </a:fld>
             <a:endParaRPr lang="en-US"/>
           </a:p>
@@ -11164,7 +11393,7 @@
             <a:fld id="{3944242E-BA85-B749-A476-D8B3FC5A9648}" type="datetimeFigureOut">
               <a:rPr lang="en-US" smtClean="0"/>
               <a:pPr/>
-              <a:t>9/27/11</a:t>
+              <a:t>12/15/11</a:t>
             </a:fld>
             <a:endParaRPr lang="en-US"/>
           </a:p>
@@ -11673,7 +11902,7 @@
             <a:fld id="{5955D890-92A9-AB47-86BF-FF8F54BEFA19}" type="datetimeFigureOut">
               <a:rPr lang="en-US" smtClean="0"/>
               <a:pPr/>
-              <a:t>9/27/11</a:t>
+              <a:t>12/15/11</a:t>
             </a:fld>
             <a:endParaRPr lang="en-US"/>
           </a:p>
@@ -12065,7 +12294,7 @@
             <a:fld id="{002073BD-5005-2E48-9205-6533EC3D72CF}" type="datetimeFigureOut">
               <a:rPr lang="en-US"/>
               <a:pPr/>
-              <a:t>9/27/11</a:t>
+              <a:t>12/15/11</a:t>
             </a:fld>
             <a:endParaRPr lang="en-US"/>
           </a:p>
@@ -12546,7 +12775,7 @@
             <a:fld id="{82555A44-EEF2-B34E-8F6F-9D9FC37ACDC9}" type="datetimeFigureOut">
               <a:rPr lang="en-US" smtClean="0"/>
               <a:pPr/>
-              <a:t>9/27/11</a:t>
+              <a:t>12/15/11</a:t>
             </a:fld>
             <a:endParaRPr lang="en-US"/>
           </a:p>
@@ -13220,7 +13449,7 @@
             <a:fld id="{E9BCCD58-8C7B-DE49-90D1-15D8897FF2BD}" type="datetimeFigureOut">
               <a:rPr lang="en-US" smtClean="0"/>
               <a:pPr/>
-              <a:t>9/27/11</a:t>
+              <a:t>12/15/11</a:t>
             </a:fld>
             <a:endParaRPr lang="en-US"/>
           </a:p>
@@ -13804,7 +14033,7 @@
             <a:fld id="{C238391A-440B-8440-9CE0-28761352B374}" type="datetimeFigureOut">
               <a:rPr lang="en-US" smtClean="0"/>
               <a:pPr/>
-              <a:t>9/27/11</a:t>
+              <a:t>12/15/11</a:t>
             </a:fld>
             <a:endParaRPr lang="en-US"/>
           </a:p>
@@ -14398,7 +14627,7 @@
             <a:fld id="{15848027-F57A-984C-A630-30E5DBD74461}" type="datetimeFigureOut">
               <a:rPr lang="en-US" smtClean="0"/>
               <a:pPr/>
-              <a:t>9/27/11</a:t>
+              <a:t>12/15/11</a:t>
             </a:fld>
             <a:endParaRPr lang="en-US"/>
           </a:p>
@@ -15036,7 +15265,7 @@
             <a:fld id="{857958A7-FD46-784F-9082-84513C0A1289}" type="datetimeFigureOut">
               <a:rPr lang="en-US"/>
               <a:pPr/>
-              <a:t>9/27/11</a:t>
+              <a:t>12/15/11</a:t>
             </a:fld>
             <a:endParaRPr lang="en-US"/>
           </a:p>
@@ -15430,7 +15659,7 @@
             <a:fld id="{6B085ED7-E8E3-1D4F-B720-E56BB4A6CEBE}" type="datetimeFigureOut">
               <a:rPr lang="en-US"/>
               <a:pPr/>
-              <a:t>9/27/11</a:t>
+              <a:t>12/15/11</a:t>
             </a:fld>
             <a:endParaRPr lang="en-US"/>
           </a:p>
@@ -15688,7 +15917,7 @@
             <a:fld id="{60E9BD8D-6D69-3B46-A6E2-D4A4BF043F7E}" type="datetimeFigureOut">
               <a:rPr lang="en-US"/>
               <a:pPr/>
-              <a:t>9/27/11</a:t>
+              <a:t>12/15/11</a:t>
             </a:fld>
             <a:endParaRPr lang="en-US"/>
           </a:p>
@@ -15988,7 +16217,7 @@
             <a:fld id="{F29F39DF-3446-4A4C-811E-0B95B92DC5A3}" type="datetimeFigureOut">
               <a:rPr lang="en-US"/>
               <a:pPr/>
-              <a:t>9/27/11</a:t>
+              <a:t>12/15/11</a:t>
             </a:fld>
             <a:endParaRPr lang="en-US"/>
           </a:p>
@@ -16422,7 +16651,7 @@
             <a:fld id="{BBFDE915-C36A-194D-8CEC-50C86F0D1ABC}" type="datetimeFigureOut">
               <a:rPr lang="en-US"/>
               <a:pPr/>
-              <a:t>9/27/11</a:t>
+              <a:t>12/15/11</a:t>
             </a:fld>
             <a:endParaRPr lang="en-US"/>
           </a:p>
@@ -16552,7 +16781,7 @@
             <a:fld id="{74C5D97A-789B-A84D-BF89-CD3989B51F51}" type="datetimeFigureOut">
               <a:rPr lang="en-US"/>
               <a:pPr/>
-              <a:t>9/27/11</a:t>
+              <a:t>12/15/11</a:t>
             </a:fld>
             <a:endParaRPr lang="en-US"/>
           </a:p>
@@ -16659,7 +16888,7 @@
             <a:fld id="{159A7863-8B7F-D745-BF8E-908C432A8764}" type="datetimeFigureOut">
               <a:rPr lang="en-US"/>
               <a:pPr/>
-              <a:t>9/27/11</a:t>
+              <a:t>12/15/11</a:t>
             </a:fld>
             <a:endParaRPr lang="en-US"/>
           </a:p>
@@ -16948,7 +17177,7 @@
             <a:fld id="{1B21D99D-3E65-E64A-B075-FD1C0CAB92CF}" type="datetimeFigureOut">
               <a:rPr lang="en-US"/>
               <a:pPr/>
-              <a:t>9/27/11</a:t>
+              <a:t>12/15/11</a:t>
             </a:fld>
             <a:endParaRPr lang="en-US"/>
           </a:p>
@@ -17216,7 +17445,7 @@
             <a:fld id="{0644EB7B-C93C-B543-93EF-AF7E0BD215C1}" type="datetimeFigureOut">
               <a:rPr lang="en-US"/>
               <a:pPr/>
-              <a:t>9/27/11</a:t>
+              <a:t>12/15/11</a:t>
             </a:fld>
             <a:endParaRPr lang="en-US"/>
           </a:p>
@@ -17456,7 +17685,7 @@
             <a:fld id="{8002B79A-232D-E44A-B671-78BA6C471EBA}" type="datetimeFigureOut">
               <a:rPr lang="en-US"/>
               <a:pPr/>
-              <a:t>9/27/11</a:t>
+              <a:t>12/15/11</a:t>
             </a:fld>
             <a:endParaRPr lang="en-US"/>
           </a:p>
@@ -18121,7 +18350,7 @@
             <a:fld id="{8002B79A-232D-E44A-B671-78BA6C471EBA}" type="datetimeFigureOut">
               <a:rPr lang="en-US" smtClean="0"/>
               <a:pPr/>
-              <a:t>9/27/11</a:t>
+              <a:t>12/15/11</a:t>
             </a:fld>
             <a:endParaRPr lang="en-US"/>
           </a:p>
@@ -39897,6 +40126,380 @@
           <a:bodyPr/>
           <a:lstStyle/>
           <a:p>
+            <a:r>
+              <a:rPr lang="en-US" dirty="0" smtClean="0"/>
+              <a:t>Settings bundle</a:t>
+            </a:r>
+            <a:endParaRPr lang="en-US" dirty="0"/>
+          </a:p>
+        </p:txBody>
+      </p:sp>
+      <p:sp>
+        <p:nvSpPr>
+          <p:cNvPr id="3" name="Content Placeholder 2"/>
+          <p:cNvSpPr>
+            <a:spLocks noGrp="1"/>
+          </p:cNvSpPr>
+          <p:nvPr>
+            <p:ph idx="1"/>
+          </p:nvPr>
+        </p:nvSpPr>
+        <p:spPr/>
+        <p:txBody>
+          <a:bodyPr/>
+          <a:lstStyle/>
+          <a:p>
+            <a:pPr marL="457200" indent="-457200">
+              <a:buAutoNum type="arabicPeriod"/>
+            </a:pPr>
+            <a:r>
+              <a:rPr lang="en-US" dirty="0" smtClean="0"/>
+              <a:t>Copy </a:t>
+            </a:r>
+            <a:r>
+              <a:rPr lang="en-US" dirty="0" err="1" smtClean="0"/>
+              <a:t>KitchenSink</a:t>
+            </a:r>
+            <a:r>
+              <a:rPr lang="en-US" dirty="0" smtClean="0"/>
+              <a:t>/platform/</a:t>
+            </a:r>
+            <a:r>
+              <a:rPr lang="en-US" dirty="0" err="1" smtClean="0"/>
+              <a:t>iphone</a:t>
+            </a:r>
+            <a:r>
+              <a:rPr lang="en-US" dirty="0" smtClean="0"/>
+              <a:t> to your project</a:t>
+            </a:r>
+          </a:p>
+          <a:p>
+            <a:pPr marL="457200" indent="-457200">
+              <a:buAutoNum type="arabicPeriod"/>
+            </a:pPr>
+            <a:r>
+              <a:rPr lang="en-US" dirty="0" smtClean="0"/>
+              <a:t>In Finder, right-click </a:t>
+            </a:r>
+            <a:r>
+              <a:rPr lang="en-US" dirty="0" err="1" smtClean="0"/>
+              <a:t>Settings.bundle</a:t>
+            </a:r>
+            <a:r>
+              <a:rPr lang="en-US" dirty="0" smtClean="0"/>
+              <a:t> and choose Show Package Contents</a:t>
+            </a:r>
+          </a:p>
+          <a:p>
+            <a:pPr marL="457200" indent="-457200">
+              <a:buAutoNum type="arabicPeriod"/>
+            </a:pPr>
+            <a:r>
+              <a:rPr lang="en-US" dirty="0" smtClean="0"/>
+              <a:t>Open </a:t>
+            </a:r>
+            <a:r>
+              <a:rPr lang="en-US" dirty="0" err="1" smtClean="0"/>
+              <a:t>Root.plist</a:t>
+            </a:r>
+            <a:endParaRPr lang="en-US" dirty="0" smtClean="0"/>
+          </a:p>
+          <a:p>
+            <a:pPr marL="457200" indent="-457200">
+              <a:buAutoNum type="arabicPeriod"/>
+            </a:pPr>
+            <a:r>
+              <a:rPr lang="en-US" dirty="0" smtClean="0"/>
+              <a:t>Edit as needed and save</a:t>
+            </a:r>
+          </a:p>
+          <a:p>
+            <a:pPr marL="457200" indent="-457200">
+              <a:buAutoNum type="arabicPeriod"/>
+            </a:pPr>
+            <a:r>
+              <a:rPr lang="en-US" dirty="0" smtClean="0"/>
+              <a:t>Clean build your project</a:t>
+            </a:r>
+            <a:endParaRPr lang="en-US" dirty="0"/>
+          </a:p>
+        </p:txBody>
+      </p:sp>
+      <p:sp>
+        <p:nvSpPr>
+          <p:cNvPr id="4" name="TextBox 3"/>
+          <p:cNvSpPr txBox="1"/>
+          <p:nvPr/>
+        </p:nvSpPr>
+        <p:spPr>
+          <a:xfrm>
+            <a:off x="552108" y="4533900"/>
+            <a:ext cx="8045792" cy="338554"/>
+          </a:xfrm>
+          <a:prstGeom prst="rect">
+            <a:avLst/>
+          </a:prstGeom>
+          <a:noFill/>
+        </p:spPr>
+        <p:txBody>
+          <a:bodyPr wrap="none" rtlCol="0">
+            <a:spAutoFit/>
+          </a:bodyPr>
+          <a:lstStyle/>
+          <a:p>
+            <a:r>
+              <a:rPr lang="en-US" sz="1600" dirty="0">
+                <a:hlinkClick r:id="rId3"/>
+              </a:rPr>
+              <a:t>http://iphoneincubator.com/blog/tutorial/how-to-create-an-iphone-preferences-</a:t>
+            </a:r>
+            <a:r>
+              <a:rPr lang="en-US" sz="1600" dirty="0" smtClean="0">
+                <a:hlinkClick r:id="rId3"/>
+              </a:rPr>
+              <a:t>file</a:t>
+            </a:r>
+            <a:r>
+              <a:rPr lang="en-US" sz="1600" dirty="0" smtClean="0"/>
+              <a:t> </a:t>
+            </a:r>
+          </a:p>
+        </p:txBody>
+      </p:sp>
+      <p:sp>
+        <p:nvSpPr>
+          <p:cNvPr id="5" name="Slide Number Placeholder 5"/>
+          <p:cNvSpPr>
+            <a:spLocks noGrp="1"/>
+          </p:cNvSpPr>
+          <p:nvPr>
+            <p:ph type="sldNum" sz="quarter" idx="12"/>
+          </p:nvPr>
+        </p:nvSpPr>
+        <p:spPr bwMode="auto">
+          <a:xfrm>
+            <a:off x="203200" y="6400800"/>
+            <a:ext cx="2133600" cy="365125"/>
+          </a:xfrm>
+          <a:noFill/>
+          <a:extLst>
+            <a:ext uri="{909E8E84-426E-40dd-AFC4-6F175D3DCCD1}">
+              <a14:hiddenFill xmlns:a14="http://schemas.microsoft.com/office/drawing/2010/main">
+                <a:solidFill>
+                  <a:srgbClr val="FFFFFF"/>
+                </a:solidFill>
+              </a14:hiddenFill>
+            </a:ext>
+            <a:ext uri="{91240B29-F687-4f45-9708-019B960494DF}">
+              <a14:hiddenLine xmlns:a14="http://schemas.microsoft.com/office/drawing/2010/main" w="9525">
+                <a:solidFill>
+                  <a:srgbClr val="000000"/>
+                </a:solidFill>
+                <a:miter lim="800000"/>
+                <a:headEnd/>
+                <a:tailEnd/>
+              </a14:hiddenLine>
+            </a:ext>
+          </a:extLst>
+        </p:spPr>
+        <p:txBody>
+          <a:bodyPr vert="horz" wrap="square" lIns="91440" tIns="45720" rIns="91440" bIns="45720" numCol="1" anchor="ctr" anchorCtr="0" compatLnSpc="1">
+            <a:prstTxWarp prst="textNoShape">
+              <a:avLst/>
+            </a:prstTxWarp>
+          </a:bodyPr>
+          <a:lstStyle>
+            <a:lvl1pPr eaLnBrk="0" hangingPunct="0">
+              <a:defRPr sz="2400">
+                <a:solidFill>
+                  <a:schemeClr val="tx1"/>
+                </a:solidFill>
+                <a:latin typeface="Trebuchet MS" charset="0"/>
+                <a:ea typeface="ＭＳ Ｐゴシック" charset="0"/>
+                <a:cs typeface="ＭＳ Ｐゴシック" charset="0"/>
+              </a:defRPr>
+            </a:lvl1pPr>
+            <a:lvl2pPr marL="742950" indent="-285750" eaLnBrk="0" hangingPunct="0">
+              <a:defRPr sz="2400">
+                <a:solidFill>
+                  <a:schemeClr val="tx1"/>
+                </a:solidFill>
+                <a:latin typeface="Trebuchet MS" charset="0"/>
+                <a:ea typeface="ＭＳ Ｐゴシック" charset="0"/>
+              </a:defRPr>
+            </a:lvl2pPr>
+            <a:lvl3pPr marL="1143000" indent="-228600" eaLnBrk="0" hangingPunct="0">
+              <a:defRPr sz="2400">
+                <a:solidFill>
+                  <a:schemeClr val="tx1"/>
+                </a:solidFill>
+                <a:latin typeface="Trebuchet MS" charset="0"/>
+                <a:ea typeface="ＭＳ Ｐゴシック" charset="0"/>
+              </a:defRPr>
+            </a:lvl3pPr>
+            <a:lvl4pPr marL="1600200" indent="-228600" eaLnBrk="0" hangingPunct="0">
+              <a:defRPr sz="2400">
+                <a:solidFill>
+                  <a:schemeClr val="tx1"/>
+                </a:solidFill>
+                <a:latin typeface="Trebuchet MS" charset="0"/>
+                <a:ea typeface="ＭＳ Ｐゴシック" charset="0"/>
+              </a:defRPr>
+            </a:lvl4pPr>
+            <a:lvl5pPr marL="2057400" indent="-228600" eaLnBrk="0" hangingPunct="0">
+              <a:defRPr sz="2400">
+                <a:solidFill>
+                  <a:schemeClr val="tx1"/>
+                </a:solidFill>
+                <a:latin typeface="Trebuchet MS" charset="0"/>
+                <a:ea typeface="ＭＳ Ｐゴシック" charset="0"/>
+              </a:defRPr>
+            </a:lvl5pPr>
+            <a:lvl6pPr marL="2514600" indent="-228600" eaLnBrk="0" fontAlgn="base" hangingPunct="0">
+              <a:spcBef>
+                <a:spcPct val="0"/>
+              </a:spcBef>
+              <a:spcAft>
+                <a:spcPct val="0"/>
+              </a:spcAft>
+              <a:defRPr sz="2400">
+                <a:solidFill>
+                  <a:schemeClr val="tx1"/>
+                </a:solidFill>
+                <a:latin typeface="Trebuchet MS" charset="0"/>
+                <a:ea typeface="ＭＳ Ｐゴシック" charset="0"/>
+              </a:defRPr>
+            </a:lvl6pPr>
+            <a:lvl7pPr marL="2971800" indent="-228600" eaLnBrk="0" fontAlgn="base" hangingPunct="0">
+              <a:spcBef>
+                <a:spcPct val="0"/>
+              </a:spcBef>
+              <a:spcAft>
+                <a:spcPct val="0"/>
+              </a:spcAft>
+              <a:defRPr sz="2400">
+                <a:solidFill>
+                  <a:schemeClr val="tx1"/>
+                </a:solidFill>
+                <a:latin typeface="Trebuchet MS" charset="0"/>
+                <a:ea typeface="ＭＳ Ｐゴシック" charset="0"/>
+              </a:defRPr>
+            </a:lvl7pPr>
+            <a:lvl8pPr marL="3429000" indent="-228600" eaLnBrk="0" fontAlgn="base" hangingPunct="0">
+              <a:spcBef>
+                <a:spcPct val="0"/>
+              </a:spcBef>
+              <a:spcAft>
+                <a:spcPct val="0"/>
+              </a:spcAft>
+              <a:defRPr sz="2400">
+                <a:solidFill>
+                  <a:schemeClr val="tx1"/>
+                </a:solidFill>
+                <a:latin typeface="Trebuchet MS" charset="0"/>
+                <a:ea typeface="ＭＳ Ｐゴシック" charset="0"/>
+              </a:defRPr>
+            </a:lvl8pPr>
+            <a:lvl9pPr marL="3886200" indent="-228600" eaLnBrk="0" fontAlgn="base" hangingPunct="0">
+              <a:spcBef>
+                <a:spcPct val="0"/>
+              </a:spcBef>
+              <a:spcAft>
+                <a:spcPct val="0"/>
+              </a:spcAft>
+              <a:defRPr sz="2400">
+                <a:solidFill>
+                  <a:schemeClr val="tx1"/>
+                </a:solidFill>
+                <a:latin typeface="Trebuchet MS" charset="0"/>
+                <a:ea typeface="ＭＳ Ｐゴシック" charset="0"/>
+              </a:defRPr>
+            </a:lvl9pPr>
+          </a:lstStyle>
+          <a:p>
+            <a:pPr algn="l" eaLnBrk="1" hangingPunct="1"/>
+            <a:r>
+              <a:rPr lang="en-US" sz="1200" b="1" dirty="0" err="1">
+                <a:solidFill>
+                  <a:srgbClr val="122956"/>
+                </a:solidFill>
+                <a:cs typeface="Trebuchet MS" charset="0"/>
+              </a:rPr>
+              <a:t>iOS</a:t>
+            </a:r>
+            <a:r>
+              <a:rPr lang="en-US" sz="1200" b="1" dirty="0">
+                <a:solidFill>
+                  <a:srgbClr val="122956"/>
+                </a:solidFill>
+                <a:cs typeface="Trebuchet MS" charset="0"/>
+              </a:rPr>
+              <a:t>-</a:t>
+            </a:r>
+            <a:fld id="{31B56995-E14C-B64F-86C9-12D6DB74A41E}" type="slidenum">
+              <a:rPr lang="en-US" sz="1200" b="1">
+                <a:solidFill>
+                  <a:srgbClr val="122956"/>
+                </a:solidFill>
+                <a:cs typeface="Trebuchet MS" charset="0"/>
+              </a:rPr>
+              <a:pPr algn="l" eaLnBrk="1" hangingPunct="1"/>
+              <a:t>51</a:t>
+            </a:fld>
+            <a:endParaRPr lang="en-US" sz="1200" b="1" dirty="0">
+              <a:solidFill>
+                <a:srgbClr val="122956"/>
+              </a:solidFill>
+              <a:cs typeface="Trebuchet MS" charset="0"/>
+            </a:endParaRPr>
+          </a:p>
+        </p:txBody>
+      </p:sp>
+    </p:spTree>
+    <p:extLst>
+      <p:ext uri="{BB962C8B-B14F-4D97-AF65-F5344CB8AC3E}">
+        <p14:creationId xmlns:p14="http://schemas.microsoft.com/office/powerpoint/2010/main" val="2102097459"/>
+      </p:ext>
+    </p:extLst>
+  </p:cSld>
+  <p:clrMapOvr>
+    <a:masterClrMapping/>
+  </p:clrMapOvr>
+</p:sld>
+</file>
+
+<file path=ppt/slides/slide52.xml><?xml version="1.0" encoding="utf-8"?>
+<p:sld xmlns:a="http://schemas.openxmlformats.org/drawingml/2006/main" xmlns:r="http://schemas.openxmlformats.org/officeDocument/2006/relationships" xmlns:p="http://schemas.openxmlformats.org/presentationml/2006/main">
+  <p:cSld>
+    <p:spTree>
+      <p:nvGrpSpPr>
+        <p:cNvPr id="1" name=""/>
+        <p:cNvGrpSpPr/>
+        <p:nvPr/>
+      </p:nvGrpSpPr>
+      <p:grpSpPr>
+        <a:xfrm>
+          <a:off x="0" y="0"/>
+          <a:ext cx="0" cy="0"/>
+          <a:chOff x="0" y="0"/>
+          <a:chExt cx="0" cy="0"/>
+        </a:xfrm>
+      </p:grpSpPr>
+      <p:sp>
+        <p:nvSpPr>
+          <p:cNvPr id="2" name="Title 1"/>
+          <p:cNvSpPr>
+            <a:spLocks noGrp="1"/>
+          </p:cNvSpPr>
+          <p:nvPr>
+            <p:ph type="title"/>
+          </p:nvPr>
+        </p:nvSpPr>
+        <p:spPr/>
+        <p:txBody>
+          <a:bodyPr/>
+          <a:lstStyle/>
+          <a:p>
             <a:pPr>
               <a:defRPr/>
             </a:pPr>
@@ -40200,7 +40803,7 @@
                 <a:cs typeface="Trebuchet MS" charset="0"/>
               </a:rPr>
               <a:pPr algn="l" eaLnBrk="1" hangingPunct="1"/>
-              <a:t>51</a:t>
+              <a:t>52</a:t>
             </a:fld>
             <a:endParaRPr lang="en-US" sz="1200" b="1" dirty="0">
               <a:solidFill>
@@ -40226,7 +40829,7 @@
 </p:sld>
 </file>
 
-<file path=ppt/slides/slide52.xml><?xml version="1.0" encoding="utf-8"?>
+<file path=ppt/slides/slide53.xml><?xml version="1.0" encoding="utf-8"?>
 <p:sld xmlns:a="http://schemas.openxmlformats.org/drawingml/2006/main" xmlns:r="http://schemas.openxmlformats.org/officeDocument/2006/relationships" xmlns:p="http://schemas.openxmlformats.org/presentationml/2006/main">
   <p:cSld>
     <p:spTree>
@@ -40494,7 +41097,7 @@
                 <a:cs typeface="Trebuchet MS" charset="0"/>
               </a:rPr>
               <a:pPr algn="l" eaLnBrk="1" hangingPunct="1"/>
-              <a:t>52</a:t>
+              <a:t>53</a:t>
             </a:fld>
             <a:endParaRPr lang="en-US" sz="1200" b="1" dirty="0">
               <a:solidFill>
@@ -40513,7 +41116,7 @@
 </p:sld>
 </file>
 
-<file path=ppt/slides/slide53.xml><?xml version="1.0" encoding="utf-8"?>
+<file path=ppt/slides/slide54.xml><?xml version="1.0" encoding="utf-8"?>
 <p:sld xmlns:a="http://schemas.openxmlformats.org/drawingml/2006/main" xmlns:r="http://schemas.openxmlformats.org/officeDocument/2006/relationships" xmlns:p="http://schemas.openxmlformats.org/presentationml/2006/main">
   <p:cSld>
     <p:spTree>
@@ -40780,7 +41383,7 @@
                 <a:cs typeface="Trebuchet MS" charset="0"/>
               </a:rPr>
               <a:pPr algn="l" eaLnBrk="1" hangingPunct="1"/>
-              <a:t>53</a:t>
+              <a:t>54</a:t>
             </a:fld>
             <a:endParaRPr lang="en-US" sz="1200" b="1" dirty="0">
               <a:solidFill>
@@ -40804,7 +41407,7 @@
 </p:sld>
 </file>
 
-<file path=ppt/slides/slide54.xml><?xml version="1.0" encoding="utf-8"?>
+<file path=ppt/slides/slide55.xml><?xml version="1.0" encoding="utf-8"?>
 <p:sld xmlns:a="http://schemas.openxmlformats.org/drawingml/2006/main" xmlns:r="http://schemas.openxmlformats.org/officeDocument/2006/relationships" xmlns:p="http://schemas.openxmlformats.org/presentationml/2006/main">
   <p:cSld>
     <p:spTree>
@@ -41072,7 +41675,7 @@
                 <a:cs typeface="Trebuchet MS" charset="0"/>
               </a:rPr>
               <a:pPr algn="l" eaLnBrk="1" hangingPunct="1"/>
-              <a:t>54</a:t>
+              <a:t>55</a:t>
             </a:fld>
             <a:endParaRPr lang="en-US" sz="1200" b="1" dirty="0">
               <a:solidFill>
@@ -41731,7 +42334,7 @@
                 <a:ea typeface="ＭＳ Ｐゴシック" charset="-128"/>
                 <a:cs typeface="ＭＳ Ｐゴシック" charset="-128"/>
               </a:rPr>
-              <a:t>Titanium.UI.Toolbar</a:t>
+              <a:t>Titanium.UI.iOS.Toolbar</a:t>
             </a:r>
             <a:endParaRPr lang="en-US" dirty="0" smtClean="0">
               <a:ea typeface="ＭＳ Ｐゴシック" charset="-128"/>
@@ -41749,7 +42352,7 @@
                 <a:ea typeface="ＭＳ Ｐゴシック" charset="-128"/>
                 <a:cs typeface="ＭＳ Ｐゴシック" charset="-128"/>
               </a:rPr>
-              <a:t>Titanium.UI.TabbedBar</a:t>
+              <a:t>Titanium.UI.iOS.TabbedBar</a:t>
             </a:r>
             <a:endParaRPr lang="en-US" dirty="0" smtClean="0">
               <a:ea typeface="ＭＳ Ｐゴシック" charset="-128"/>
@@ -41767,7 +42370,7 @@
                 <a:ea typeface="ＭＳ Ｐゴシック" charset="-128"/>
                 <a:cs typeface="ＭＳ Ｐゴシック" charset="-128"/>
               </a:rPr>
-              <a:t>Titanium.UI.CoverFlowView</a:t>
+              <a:t>Titanium.UI.iOS.CoverFlowView</a:t>
             </a:r>
             <a:endParaRPr lang="en-US" dirty="0" smtClean="0">
               <a:ea typeface="ＭＳ Ｐゴシック" charset="-128"/>
@@ -41787,10 +42390,27 @@
               </a:rPr>
               <a:t>Titanium.UI.DashboardView</a:t>
             </a:r>
-            <a:endParaRPr lang="en-US" dirty="0" smtClean="0">
-              <a:ea typeface="ＭＳ Ｐゴシック" charset="-128"/>
-              <a:cs typeface="ＭＳ Ｐゴシック" charset="-128"/>
-            </a:endParaRPr>
+            <a:r>
+              <a:rPr lang="en-US" dirty="0" smtClean="0">
+                <a:ea typeface="ＭＳ Ｐゴシック" charset="-128"/>
+                <a:cs typeface="ＭＳ Ｐゴシック" charset="-128"/>
+              </a:rPr>
+              <a:t> (not in </a:t>
+            </a:r>
+            <a:r>
+              <a:rPr lang="en-US" dirty="0" err="1" smtClean="0">
+                <a:ea typeface="ＭＳ Ｐゴシック" charset="-128"/>
+                <a:cs typeface="ＭＳ Ｐゴシック" charset="-128"/>
+              </a:rPr>
+              <a:t>iOS</a:t>
+            </a:r>
+            <a:r>
+              <a:rPr lang="en-US" dirty="0" smtClean="0">
+                <a:ea typeface="ＭＳ Ｐゴシック" charset="-128"/>
+                <a:cs typeface="ＭＳ Ｐゴシック" charset="-128"/>
+              </a:rPr>
+              <a:t> namespace)</a:t>
+            </a:r>
           </a:p>
           <a:p>
             <a:pPr>
